--- a/Reading Course/Presentations/Control Theory.pptx
+++ b/Reading Course/Presentations/Control Theory.pptx
@@ -5,14 +5,17 @@
     <p:sldMasterId id="2147483648" r:id="rId1"/>
   </p:sldMasterIdLst>
   <p:notesMasterIdLst>
-    <p:notesMasterId r:id="rId7"/>
+    <p:notesMasterId r:id="rId10"/>
   </p:notesMasterIdLst>
   <p:sldIdLst>
     <p:sldId id="256" r:id="rId2"/>
     <p:sldId id="288" r:id="rId3"/>
     <p:sldId id="289" r:id="rId4"/>
     <p:sldId id="290" r:id="rId5"/>
-    <p:sldId id="291" r:id="rId6"/>
+    <p:sldId id="292" r:id="rId6"/>
+    <p:sldId id="291" r:id="rId7"/>
+    <p:sldId id="293" r:id="rId8"/>
+    <p:sldId id="294" r:id="rId9"/>
   </p:sldIdLst>
   <p:sldSz cx="12192000" cy="6858000"/>
   <p:notesSz cx="6858000" cy="8891588"/>
@@ -1335,7 +1338,7 @@
           <a:p>
             <a:fld id="{351EB116-73EE-4936-876D-CA6054346043}" type="datetimeFigureOut">
               <a:rPr lang="en-US" smtClean="0"/>
-              <a:t>2/16/2026</a:t>
+              <a:t>2/17/2026</a:t>
             </a:fld>
             <a:endParaRPr lang="en-US"/>
           </a:p>
@@ -1955,6 +1958,121 @@
         <p:cNvPr id="1" name="">
           <a:extLst>
             <a:ext uri="{FF2B5EF4-FFF2-40B4-BE49-F238E27FC236}">
+              <a16:creationId xmlns:a16="http://schemas.microsoft.com/office/drawing/2014/main" id="{4B25DF44-5555-8A93-98F3-ABE5AF5DDA8F}"/>
+            </a:ext>
+          </a:extLst>
+        </p:cNvPr>
+        <p:cNvGrpSpPr/>
+        <p:nvPr/>
+      </p:nvGrpSpPr>
+      <p:grpSpPr>
+        <a:xfrm>
+          <a:off x="0" y="0"/>
+          <a:ext cx="0" cy="0"/>
+          <a:chOff x="0" y="0"/>
+          <a:chExt cx="0" cy="0"/>
+        </a:xfrm>
+      </p:grpSpPr>
+      <p:sp>
+        <p:nvSpPr>
+          <p:cNvPr id="2" name="Slide Image Placeholder 1">
+            <a:extLst>
+              <a:ext uri="{FF2B5EF4-FFF2-40B4-BE49-F238E27FC236}">
+                <a16:creationId xmlns:a16="http://schemas.microsoft.com/office/drawing/2014/main" id="{36373D3A-662E-4135-E006-EF12E086E954}"/>
+              </a:ext>
+            </a:extLst>
+          </p:cNvPr>
+          <p:cNvSpPr>
+            <a:spLocks noGrp="1" noRot="1" noChangeAspect="1"/>
+          </p:cNvSpPr>
+          <p:nvPr>
+            <p:ph type="sldImg"/>
+          </p:nvPr>
+        </p:nvSpPr>
+        <p:spPr/>
+        <p:txBody>
+          <a:bodyPr/>
+          <a:lstStyle/>
+          <a:p>
+            <a:endParaRPr lang="en-US"/>
+          </a:p>
+        </p:txBody>
+      </p:sp>
+      <p:sp>
+        <p:nvSpPr>
+          <p:cNvPr id="3" name="Notes Placeholder 2">
+            <a:extLst>
+              <a:ext uri="{FF2B5EF4-FFF2-40B4-BE49-F238E27FC236}">
+                <a16:creationId xmlns:a16="http://schemas.microsoft.com/office/drawing/2014/main" id="{1708555A-4E80-1E73-4764-62C77191C6EE}"/>
+              </a:ext>
+            </a:extLst>
+          </p:cNvPr>
+          <p:cNvSpPr>
+            <a:spLocks noGrp="1"/>
+          </p:cNvSpPr>
+          <p:nvPr>
+            <p:ph type="body" idx="1"/>
+          </p:nvPr>
+        </p:nvSpPr>
+        <p:spPr/>
+        <p:txBody>
+          <a:bodyPr/>
+          <a:lstStyle/>
+          <a:p>
+            <a:endParaRPr lang="en-US" dirty="0"/>
+          </a:p>
+        </p:txBody>
+      </p:sp>
+      <p:sp>
+        <p:nvSpPr>
+          <p:cNvPr id="4" name="Slide Number Placeholder 3">
+            <a:extLst>
+              <a:ext uri="{FF2B5EF4-FFF2-40B4-BE49-F238E27FC236}">
+                <a16:creationId xmlns:a16="http://schemas.microsoft.com/office/drawing/2014/main" id="{BB72FEB7-714A-F61B-C081-FC638868C6F9}"/>
+              </a:ext>
+            </a:extLst>
+          </p:cNvPr>
+          <p:cNvSpPr>
+            <a:spLocks noGrp="1"/>
+          </p:cNvSpPr>
+          <p:nvPr>
+            <p:ph type="sldNum" sz="quarter" idx="5"/>
+          </p:nvPr>
+        </p:nvSpPr>
+        <p:spPr/>
+        <p:txBody>
+          <a:bodyPr/>
+          <a:lstStyle/>
+          <a:p>
+            <a:fld id="{994C46F5-682E-4C43-810E-48CF7D15B873}" type="slidenum">
+              <a:rPr lang="en-US" smtClean="0"/>
+              <a:t>5</a:t>
+            </a:fld>
+            <a:endParaRPr lang="en-US"/>
+          </a:p>
+        </p:txBody>
+      </p:sp>
+    </p:spTree>
+    <p:extLst>
+      <p:ext uri="{BB962C8B-B14F-4D97-AF65-F5344CB8AC3E}">
+        <p14:creationId xmlns:p14="http://schemas.microsoft.com/office/powerpoint/2010/main" val="3880151746"/>
+      </p:ext>
+    </p:extLst>
+  </p:cSld>
+  <p:clrMapOvr>
+    <a:masterClrMapping/>
+  </p:clrMapOvr>
+</p:notes>
+</file>
+
+<file path=ppt/notesSlides/notesSlide5.xml><?xml version="1.0" encoding="utf-8"?>
+<p:notes xmlns:a="http://schemas.openxmlformats.org/drawingml/2006/main" xmlns:r="http://schemas.openxmlformats.org/officeDocument/2006/relationships" xmlns:p="http://schemas.openxmlformats.org/presentationml/2006/main">
+  <p:cSld>
+    <p:spTree>
+      <p:nvGrpSpPr>
+        <p:cNvPr id="1" name="">
+          <a:extLst>
+            <a:ext uri="{FF2B5EF4-FFF2-40B4-BE49-F238E27FC236}">
               <a16:creationId xmlns:a16="http://schemas.microsoft.com/office/drawing/2014/main" id="{DEC75442-BAA9-7DD4-1464-1124C0DAA68F}"/>
             </a:ext>
           </a:extLst>
@@ -2043,7 +2161,7 @@
           <a:p>
             <a:fld id="{994C46F5-682E-4C43-810E-48CF7D15B873}" type="slidenum">
               <a:rPr lang="en-US" smtClean="0"/>
-              <a:t>5</a:t>
+              <a:t>6</a:t>
             </a:fld>
             <a:endParaRPr lang="en-US"/>
           </a:p>
@@ -2053,6 +2171,236 @@
     <p:extLst>
       <p:ext uri="{BB962C8B-B14F-4D97-AF65-F5344CB8AC3E}">
         <p14:creationId xmlns:p14="http://schemas.microsoft.com/office/powerpoint/2010/main" val="1249707462"/>
+      </p:ext>
+    </p:extLst>
+  </p:cSld>
+  <p:clrMapOvr>
+    <a:masterClrMapping/>
+  </p:clrMapOvr>
+</p:notes>
+</file>
+
+<file path=ppt/notesSlides/notesSlide6.xml><?xml version="1.0" encoding="utf-8"?>
+<p:notes xmlns:a="http://schemas.openxmlformats.org/drawingml/2006/main" xmlns:r="http://schemas.openxmlformats.org/officeDocument/2006/relationships" xmlns:p="http://schemas.openxmlformats.org/presentationml/2006/main">
+  <p:cSld>
+    <p:spTree>
+      <p:nvGrpSpPr>
+        <p:cNvPr id="1" name="">
+          <a:extLst>
+            <a:ext uri="{FF2B5EF4-FFF2-40B4-BE49-F238E27FC236}">
+              <a16:creationId xmlns:a16="http://schemas.microsoft.com/office/drawing/2014/main" id="{8DC54CB0-232F-E7A5-4004-956C8FB3908C}"/>
+            </a:ext>
+          </a:extLst>
+        </p:cNvPr>
+        <p:cNvGrpSpPr/>
+        <p:nvPr/>
+      </p:nvGrpSpPr>
+      <p:grpSpPr>
+        <a:xfrm>
+          <a:off x="0" y="0"/>
+          <a:ext cx="0" cy="0"/>
+          <a:chOff x="0" y="0"/>
+          <a:chExt cx="0" cy="0"/>
+        </a:xfrm>
+      </p:grpSpPr>
+      <p:sp>
+        <p:nvSpPr>
+          <p:cNvPr id="2" name="Slide Image Placeholder 1">
+            <a:extLst>
+              <a:ext uri="{FF2B5EF4-FFF2-40B4-BE49-F238E27FC236}">
+                <a16:creationId xmlns:a16="http://schemas.microsoft.com/office/drawing/2014/main" id="{07D3B7F8-18D5-1361-7ECC-F7175A9961B3}"/>
+              </a:ext>
+            </a:extLst>
+          </p:cNvPr>
+          <p:cNvSpPr>
+            <a:spLocks noGrp="1" noRot="1" noChangeAspect="1"/>
+          </p:cNvSpPr>
+          <p:nvPr>
+            <p:ph type="sldImg"/>
+          </p:nvPr>
+        </p:nvSpPr>
+        <p:spPr/>
+        <p:txBody>
+          <a:bodyPr/>
+          <a:lstStyle/>
+          <a:p>
+            <a:endParaRPr lang="en-US"/>
+          </a:p>
+        </p:txBody>
+      </p:sp>
+      <p:sp>
+        <p:nvSpPr>
+          <p:cNvPr id="3" name="Notes Placeholder 2">
+            <a:extLst>
+              <a:ext uri="{FF2B5EF4-FFF2-40B4-BE49-F238E27FC236}">
+                <a16:creationId xmlns:a16="http://schemas.microsoft.com/office/drawing/2014/main" id="{3931E669-CEE4-0639-5FA7-7F684D0EE4F7}"/>
+              </a:ext>
+            </a:extLst>
+          </p:cNvPr>
+          <p:cNvSpPr>
+            <a:spLocks noGrp="1"/>
+          </p:cNvSpPr>
+          <p:nvPr>
+            <p:ph type="body" idx="1"/>
+          </p:nvPr>
+        </p:nvSpPr>
+        <p:spPr/>
+        <p:txBody>
+          <a:bodyPr/>
+          <a:lstStyle/>
+          <a:p>
+            <a:endParaRPr lang="en-US" dirty="0"/>
+          </a:p>
+        </p:txBody>
+      </p:sp>
+      <p:sp>
+        <p:nvSpPr>
+          <p:cNvPr id="4" name="Slide Number Placeholder 3">
+            <a:extLst>
+              <a:ext uri="{FF2B5EF4-FFF2-40B4-BE49-F238E27FC236}">
+                <a16:creationId xmlns:a16="http://schemas.microsoft.com/office/drawing/2014/main" id="{041DEC95-80BC-DEC6-1290-4BF34F22B45A}"/>
+              </a:ext>
+            </a:extLst>
+          </p:cNvPr>
+          <p:cNvSpPr>
+            <a:spLocks noGrp="1"/>
+          </p:cNvSpPr>
+          <p:nvPr>
+            <p:ph type="sldNum" sz="quarter" idx="5"/>
+          </p:nvPr>
+        </p:nvSpPr>
+        <p:spPr/>
+        <p:txBody>
+          <a:bodyPr/>
+          <a:lstStyle/>
+          <a:p>
+            <a:fld id="{994C46F5-682E-4C43-810E-48CF7D15B873}" type="slidenum">
+              <a:rPr lang="en-US" smtClean="0"/>
+              <a:t>7</a:t>
+            </a:fld>
+            <a:endParaRPr lang="en-US"/>
+          </a:p>
+        </p:txBody>
+      </p:sp>
+    </p:spTree>
+    <p:extLst>
+      <p:ext uri="{BB962C8B-B14F-4D97-AF65-F5344CB8AC3E}">
+        <p14:creationId xmlns:p14="http://schemas.microsoft.com/office/powerpoint/2010/main" val="2713496557"/>
+      </p:ext>
+    </p:extLst>
+  </p:cSld>
+  <p:clrMapOvr>
+    <a:masterClrMapping/>
+  </p:clrMapOvr>
+</p:notes>
+</file>
+
+<file path=ppt/notesSlides/notesSlide7.xml><?xml version="1.0" encoding="utf-8"?>
+<p:notes xmlns:a="http://schemas.openxmlformats.org/drawingml/2006/main" xmlns:r="http://schemas.openxmlformats.org/officeDocument/2006/relationships" xmlns:p="http://schemas.openxmlformats.org/presentationml/2006/main">
+  <p:cSld>
+    <p:spTree>
+      <p:nvGrpSpPr>
+        <p:cNvPr id="1" name="">
+          <a:extLst>
+            <a:ext uri="{FF2B5EF4-FFF2-40B4-BE49-F238E27FC236}">
+              <a16:creationId xmlns:a16="http://schemas.microsoft.com/office/drawing/2014/main" id="{17BD4B2D-97EC-3470-0264-89BFA6523CC8}"/>
+            </a:ext>
+          </a:extLst>
+        </p:cNvPr>
+        <p:cNvGrpSpPr/>
+        <p:nvPr/>
+      </p:nvGrpSpPr>
+      <p:grpSpPr>
+        <a:xfrm>
+          <a:off x="0" y="0"/>
+          <a:ext cx="0" cy="0"/>
+          <a:chOff x="0" y="0"/>
+          <a:chExt cx="0" cy="0"/>
+        </a:xfrm>
+      </p:grpSpPr>
+      <p:sp>
+        <p:nvSpPr>
+          <p:cNvPr id="2" name="Slide Image Placeholder 1">
+            <a:extLst>
+              <a:ext uri="{FF2B5EF4-FFF2-40B4-BE49-F238E27FC236}">
+                <a16:creationId xmlns:a16="http://schemas.microsoft.com/office/drawing/2014/main" id="{FE7649D0-D864-D38C-D4F2-1F812D2F9CD8}"/>
+              </a:ext>
+            </a:extLst>
+          </p:cNvPr>
+          <p:cNvSpPr>
+            <a:spLocks noGrp="1" noRot="1" noChangeAspect="1"/>
+          </p:cNvSpPr>
+          <p:nvPr>
+            <p:ph type="sldImg"/>
+          </p:nvPr>
+        </p:nvSpPr>
+        <p:spPr/>
+        <p:txBody>
+          <a:bodyPr/>
+          <a:lstStyle/>
+          <a:p>
+            <a:endParaRPr lang="en-US"/>
+          </a:p>
+        </p:txBody>
+      </p:sp>
+      <p:sp>
+        <p:nvSpPr>
+          <p:cNvPr id="3" name="Notes Placeholder 2">
+            <a:extLst>
+              <a:ext uri="{FF2B5EF4-FFF2-40B4-BE49-F238E27FC236}">
+                <a16:creationId xmlns:a16="http://schemas.microsoft.com/office/drawing/2014/main" id="{56612E73-D688-E8C5-9E4E-4D756F345152}"/>
+              </a:ext>
+            </a:extLst>
+          </p:cNvPr>
+          <p:cNvSpPr>
+            <a:spLocks noGrp="1"/>
+          </p:cNvSpPr>
+          <p:nvPr>
+            <p:ph type="body" idx="1"/>
+          </p:nvPr>
+        </p:nvSpPr>
+        <p:spPr/>
+        <p:txBody>
+          <a:bodyPr/>
+          <a:lstStyle/>
+          <a:p>
+            <a:endParaRPr lang="en-US" dirty="0"/>
+          </a:p>
+        </p:txBody>
+      </p:sp>
+      <p:sp>
+        <p:nvSpPr>
+          <p:cNvPr id="4" name="Slide Number Placeholder 3">
+            <a:extLst>
+              <a:ext uri="{FF2B5EF4-FFF2-40B4-BE49-F238E27FC236}">
+                <a16:creationId xmlns:a16="http://schemas.microsoft.com/office/drawing/2014/main" id="{3F21D886-3504-9B1B-AA3F-C7DB7677BE20}"/>
+              </a:ext>
+            </a:extLst>
+          </p:cNvPr>
+          <p:cNvSpPr>
+            <a:spLocks noGrp="1"/>
+          </p:cNvSpPr>
+          <p:nvPr>
+            <p:ph type="sldNum" sz="quarter" idx="5"/>
+          </p:nvPr>
+        </p:nvSpPr>
+        <p:spPr/>
+        <p:txBody>
+          <a:bodyPr/>
+          <a:lstStyle/>
+          <a:p>
+            <a:fld id="{994C46F5-682E-4C43-810E-48CF7D15B873}" type="slidenum">
+              <a:rPr lang="en-US" smtClean="0"/>
+              <a:t>8</a:t>
+            </a:fld>
+            <a:endParaRPr lang="en-US"/>
+          </a:p>
+        </p:txBody>
+      </p:sp>
+    </p:spTree>
+    <p:extLst>
+      <p:ext uri="{BB962C8B-B14F-4D97-AF65-F5344CB8AC3E}">
+        <p14:creationId xmlns:p14="http://schemas.microsoft.com/office/powerpoint/2010/main" val="3377743901"/>
       </p:ext>
     </p:extLst>
   </p:cSld>
@@ -2209,7 +2557,7 @@
           <a:p>
             <a:fld id="{4E9DFCA7-2E84-49E5-A4F2-77D92A699F3D}" type="datetimeFigureOut">
               <a:rPr lang="en-US" smtClean="0"/>
-              <a:t>2/16/2026</a:t>
+              <a:t>2/17/2026</a:t>
             </a:fld>
             <a:endParaRPr lang="en-US"/>
           </a:p>
@@ -2407,7 +2755,7 @@
           <a:p>
             <a:fld id="{4E9DFCA7-2E84-49E5-A4F2-77D92A699F3D}" type="datetimeFigureOut">
               <a:rPr lang="en-US" smtClean="0"/>
-              <a:t>2/16/2026</a:t>
+              <a:t>2/17/2026</a:t>
             </a:fld>
             <a:endParaRPr lang="en-US"/>
           </a:p>
@@ -2615,7 +2963,7 @@
           <a:p>
             <a:fld id="{4E9DFCA7-2E84-49E5-A4F2-77D92A699F3D}" type="datetimeFigureOut">
               <a:rPr lang="en-US" smtClean="0"/>
-              <a:t>2/16/2026</a:t>
+              <a:t>2/17/2026</a:t>
             </a:fld>
             <a:endParaRPr lang="en-US"/>
           </a:p>
@@ -2813,7 +3161,7 @@
           <a:p>
             <a:fld id="{4E9DFCA7-2E84-49E5-A4F2-77D92A699F3D}" type="datetimeFigureOut">
               <a:rPr lang="en-US" smtClean="0"/>
-              <a:t>2/16/2026</a:t>
+              <a:t>2/17/2026</a:t>
             </a:fld>
             <a:endParaRPr lang="en-US"/>
           </a:p>
@@ -3088,7 +3436,7 @@
           <a:p>
             <a:fld id="{4E9DFCA7-2E84-49E5-A4F2-77D92A699F3D}" type="datetimeFigureOut">
               <a:rPr lang="en-US" smtClean="0"/>
-              <a:t>2/16/2026</a:t>
+              <a:t>2/17/2026</a:t>
             </a:fld>
             <a:endParaRPr lang="en-US"/>
           </a:p>
@@ -3353,7 +3701,7 @@
           <a:p>
             <a:fld id="{4E9DFCA7-2E84-49E5-A4F2-77D92A699F3D}" type="datetimeFigureOut">
               <a:rPr lang="en-US" smtClean="0"/>
-              <a:t>2/16/2026</a:t>
+              <a:t>2/17/2026</a:t>
             </a:fld>
             <a:endParaRPr lang="en-US"/>
           </a:p>
@@ -3765,7 +4113,7 @@
           <a:p>
             <a:fld id="{4E9DFCA7-2E84-49E5-A4F2-77D92A699F3D}" type="datetimeFigureOut">
               <a:rPr lang="en-US" smtClean="0"/>
-              <a:t>2/16/2026</a:t>
+              <a:t>2/17/2026</a:t>
             </a:fld>
             <a:endParaRPr lang="en-US"/>
           </a:p>
@@ -3906,7 +4254,7 @@
           <a:p>
             <a:fld id="{4E9DFCA7-2E84-49E5-A4F2-77D92A699F3D}" type="datetimeFigureOut">
               <a:rPr lang="en-US" smtClean="0"/>
-              <a:t>2/16/2026</a:t>
+              <a:t>2/17/2026</a:t>
             </a:fld>
             <a:endParaRPr lang="en-US"/>
           </a:p>
@@ -4019,7 +4367,7 @@
           <a:p>
             <a:fld id="{4E9DFCA7-2E84-49E5-A4F2-77D92A699F3D}" type="datetimeFigureOut">
               <a:rPr lang="en-US" smtClean="0"/>
-              <a:t>2/16/2026</a:t>
+              <a:t>2/17/2026</a:t>
             </a:fld>
             <a:endParaRPr lang="en-US"/>
           </a:p>
@@ -4330,7 +4678,7 @@
           <a:p>
             <a:fld id="{4E9DFCA7-2E84-49E5-A4F2-77D92A699F3D}" type="datetimeFigureOut">
               <a:rPr lang="en-US" smtClean="0"/>
-              <a:t>2/16/2026</a:t>
+              <a:t>2/17/2026</a:t>
             </a:fld>
             <a:endParaRPr lang="en-US"/>
           </a:p>
@@ -4618,7 +4966,7 @@
           <a:p>
             <a:fld id="{4E9DFCA7-2E84-49E5-A4F2-77D92A699F3D}" type="datetimeFigureOut">
               <a:rPr lang="en-US" smtClean="0"/>
-              <a:t>2/16/2026</a:t>
+              <a:t>2/17/2026</a:t>
             </a:fld>
             <a:endParaRPr lang="en-US"/>
           </a:p>
@@ -4859,7 +5207,7 @@
           <a:p>
             <a:fld id="{4E9DFCA7-2E84-49E5-A4F2-77D92A699F3D}" type="datetimeFigureOut">
               <a:rPr lang="en-US" smtClean="0"/>
-              <a:t>2/16/2026</a:t>
+              <a:t>2/17/2026</a:t>
             </a:fld>
             <a:endParaRPr lang="en-US"/>
           </a:p>
@@ -5710,7 +6058,7 @@
         <p:spPr>
           <a:xfrm>
             <a:off x="-339768" y="1871283"/>
-            <a:ext cx="11897032" cy="2308324"/>
+            <a:ext cx="11897032" cy="3416320"/>
           </a:xfrm>
           <a:prstGeom prst="rect">
             <a:avLst/>
@@ -5726,7 +6074,15 @@
             <a:pPr lvl="1"/>
             <a:r>
               <a:rPr lang="en-US" sz="2400" dirty="0"/>
-              <a:t>A control problem seeks to maximize an objective functional which depends upon the state and control variables of a dynamic system over a period of time</a:t>
+              <a:t>A control problem seeks to minimize </a:t>
+            </a:r>
+            <a:r>
+              <a:rPr lang="en-US" sz="2400"/>
+              <a:t>a cost functional </a:t>
+            </a:r>
+            <a:r>
+              <a:rPr lang="en-US" sz="2400" dirty="0"/>
+              <a:t>which depends upon the state and control variables of a dynamic system over a period of time</a:t>
             </a:r>
           </a:p>
           <a:p>
@@ -5738,6 +6094,17 @@
             <a:r>
               <a:rPr lang="en-US" sz="2400" dirty="0"/>
               <a:t>The dynamic system evolves in time through equations of motion, which depend on the state and control variables</a:t>
+            </a:r>
+          </a:p>
+          <a:p>
+            <a:pPr lvl="1"/>
+            <a:endParaRPr lang="en-US" sz="2400" dirty="0"/>
+          </a:p>
+          <a:p>
+            <a:pPr lvl="1"/>
+            <a:r>
+              <a:rPr lang="en-US" sz="2400" dirty="0"/>
+              <a:t>Our problem consists of choosing the control trajectory (time path of decisions) that minimize our cost functional </a:t>
             </a:r>
           </a:p>
           <a:p>
@@ -5924,46 +6291,565 @@
           </a:p>
         </p:txBody>
       </p:sp>
-      <p:sp>
-        <p:nvSpPr>
-          <p:cNvPr id="5" name="TextBox 4">
-            <a:extLst>
-              <a:ext uri="{FF2B5EF4-FFF2-40B4-BE49-F238E27FC236}">
-                <a16:creationId xmlns:a16="http://schemas.microsoft.com/office/drawing/2014/main" id="{87BDE1BC-92B0-9882-6718-0F62B4CF3082}"/>
-              </a:ext>
-            </a:extLst>
-          </p:cNvPr>
-          <p:cNvSpPr txBox="1"/>
-          <p:nvPr/>
-        </p:nvSpPr>
-        <p:spPr>
-          <a:xfrm>
-            <a:off x="-339768" y="1871283"/>
-            <a:ext cx="11897032" cy="830997"/>
-          </a:xfrm>
-          <a:prstGeom prst="rect">
-            <a:avLst/>
-          </a:prstGeom>
-          <a:noFill/>
-        </p:spPr>
-        <p:txBody>
-          <a:bodyPr wrap="square" rtlCol="0">
-            <a:spAutoFit/>
-          </a:bodyPr>
-          <a:lstStyle/>
-          <a:p>
-            <a:pPr lvl="1"/>
-            <a:r>
-              <a:rPr lang="en-US" sz="2400" dirty="0"/>
-              <a:t>Words</a:t>
-            </a:r>
-          </a:p>
-          <a:p>
-            <a:pPr lvl="1"/>
-            <a:endParaRPr lang="en-US" sz="2400" dirty="0"/>
-          </a:p>
-        </p:txBody>
-      </p:sp>
+      <mc:AlternateContent xmlns:mc="http://schemas.openxmlformats.org/markup-compatibility/2006">
+        <mc:Choice xmlns:a14="http://schemas.microsoft.com/office/drawing/2010/main" Requires="a14">
+          <p:sp>
+            <p:nvSpPr>
+              <p:cNvPr id="5" name="TextBox 4">
+                <a:extLst>
+                  <a:ext uri="{FF2B5EF4-FFF2-40B4-BE49-F238E27FC236}">
+                    <a16:creationId xmlns:a16="http://schemas.microsoft.com/office/drawing/2014/main" id="{87BDE1BC-92B0-9882-6718-0F62B4CF3082}"/>
+                  </a:ext>
+                </a:extLst>
+              </p:cNvPr>
+              <p:cNvSpPr txBox="1"/>
+              <p:nvPr/>
+            </p:nvSpPr>
+            <p:spPr>
+              <a:xfrm>
+                <a:off x="-339768" y="1871283"/>
+                <a:ext cx="12400704" cy="3452548"/>
+              </a:xfrm>
+              <a:prstGeom prst="rect">
+                <a:avLst/>
+              </a:prstGeom>
+              <a:noFill/>
+            </p:spPr>
+            <p:txBody>
+              <a:bodyPr wrap="square" rtlCol="0">
+                <a:spAutoFit/>
+              </a:bodyPr>
+              <a:lstStyle/>
+              <a:p>
+                <a:pPr lvl="1"/>
+                <a:r>
+                  <a:rPr lang="en-US" sz="2400" dirty="0"/>
+                  <a:t>The state at time </a:t>
+                </a:r>
+                <a14:m>
+                  <m:oMath xmlns:m="http://schemas.openxmlformats.org/officeDocument/2006/math">
+                    <m:r>
+                      <a:rPr lang="en-US" sz="2400" b="0" i="1" smtClean="0">
+                        <a:latin typeface="Cambria Math" panose="02040503050406030204" pitchFamily="18" charset="0"/>
+                      </a:rPr>
+                      <m:t>𝑡</m:t>
+                    </m:r>
+                  </m:oMath>
+                </a14:m>
+                <a:r>
+                  <a:rPr lang="en-US" sz="2400" dirty="0"/>
+                  <a:t> is an </a:t>
+                </a:r>
+                <a14:m>
+                  <m:oMath xmlns:m="http://schemas.openxmlformats.org/officeDocument/2006/math">
+                    <m:r>
+                      <a:rPr lang="en-US" sz="2400" b="0" i="1" smtClean="0">
+                        <a:latin typeface="Cambria Math" panose="02040503050406030204" pitchFamily="18" charset="0"/>
+                      </a:rPr>
+                      <m:t>𝑛</m:t>
+                    </m:r>
+                  </m:oMath>
+                </a14:m>
+                <a:r>
+                  <a:rPr lang="en-US" sz="2400" dirty="0"/>
+                  <a:t>-dimensional vector, where each component function is continuous in time</a:t>
+                </a:r>
+              </a:p>
+              <a:p>
+                <a:pPr lvl="1"/>
+                <a:endParaRPr lang="en-US" sz="2400" dirty="0"/>
+              </a:p>
+              <a:p>
+                <a:pPr lvl="1"/>
+                <a14:m>
+                  <m:oMathPara xmlns:m="http://schemas.openxmlformats.org/officeDocument/2006/math">
+                    <m:oMathParaPr>
+                      <m:jc m:val="centerGroup"/>
+                    </m:oMathParaPr>
+                    <m:oMath xmlns:m="http://schemas.openxmlformats.org/officeDocument/2006/math">
+                      <m:r>
+                        <a:rPr lang="en-US" sz="2400" b="0" i="1" smtClean="0">
+                          <a:latin typeface="Cambria Math" panose="02040503050406030204" pitchFamily="18" charset="0"/>
+                        </a:rPr>
+                        <m:t>𝑥</m:t>
+                      </m:r>
+                      <m:d>
+                        <m:dPr>
+                          <m:ctrlPr>
+                            <a:rPr lang="en-US" sz="2400" b="0" i="1" smtClean="0">
+                              <a:latin typeface="Cambria Math" panose="02040503050406030204" pitchFamily="18" charset="0"/>
+                            </a:rPr>
+                          </m:ctrlPr>
+                        </m:dPr>
+                        <m:e>
+                          <m:r>
+                            <a:rPr lang="en-US" sz="2400" b="0" i="1" smtClean="0">
+                              <a:latin typeface="Cambria Math" panose="02040503050406030204" pitchFamily="18" charset="0"/>
+                            </a:rPr>
+                            <m:t>𝑡</m:t>
+                          </m:r>
+                        </m:e>
+                      </m:d>
+                      <m:r>
+                        <a:rPr lang="en-US" sz="2400" b="0" i="1" smtClean="0">
+                          <a:latin typeface="Cambria Math" panose="02040503050406030204" pitchFamily="18" charset="0"/>
+                        </a:rPr>
+                        <m:t>=</m:t>
+                      </m:r>
+                      <m:sSup>
+                        <m:sSupPr>
+                          <m:ctrlPr>
+                            <a:rPr lang="en-US" sz="2400" b="0" i="1" smtClean="0">
+                              <a:latin typeface="Cambria Math" panose="02040503050406030204" pitchFamily="18" charset="0"/>
+                            </a:rPr>
+                          </m:ctrlPr>
+                        </m:sSupPr>
+                        <m:e>
+                          <m:r>
+                            <a:rPr lang="en-US" sz="2400" b="0" i="1" smtClean="0">
+                              <a:latin typeface="Cambria Math" panose="02040503050406030204" pitchFamily="18" charset="0"/>
+                            </a:rPr>
+                            <m:t>(</m:t>
+                          </m:r>
+                          <m:sSub>
+                            <m:sSubPr>
+                              <m:ctrlPr>
+                                <a:rPr lang="en-US" sz="2400" b="0" i="1" smtClean="0">
+                                  <a:latin typeface="Cambria Math" panose="02040503050406030204" pitchFamily="18" charset="0"/>
+                                </a:rPr>
+                              </m:ctrlPr>
+                            </m:sSubPr>
+                            <m:e>
+                              <m:r>
+                                <a:rPr lang="en-US" sz="2400" i="1">
+                                  <a:latin typeface="Cambria Math" panose="02040503050406030204" pitchFamily="18" charset="0"/>
+                                </a:rPr>
+                                <m:t>𝑥</m:t>
+                              </m:r>
+                            </m:e>
+                            <m:sub>
+                              <m:r>
+                                <a:rPr lang="en-US" sz="2400" b="0" i="1" smtClean="0">
+                                  <a:latin typeface="Cambria Math" panose="02040503050406030204" pitchFamily="18" charset="0"/>
+                                </a:rPr>
+                                <m:t>1</m:t>
+                              </m:r>
+                            </m:sub>
+                          </m:sSub>
+                          <m:d>
+                            <m:dPr>
+                              <m:ctrlPr>
+                                <a:rPr lang="en-US" sz="2400" b="0" i="1" smtClean="0">
+                                  <a:latin typeface="Cambria Math" panose="02040503050406030204" pitchFamily="18" charset="0"/>
+                                </a:rPr>
+                              </m:ctrlPr>
+                            </m:dPr>
+                            <m:e>
+                              <m:r>
+                                <a:rPr lang="en-US" sz="2400" b="0" i="1" smtClean="0">
+                                  <a:latin typeface="Cambria Math" panose="02040503050406030204" pitchFamily="18" charset="0"/>
+                                </a:rPr>
+                                <m:t>𝑡</m:t>
+                              </m:r>
+                            </m:e>
+                          </m:d>
+                          <m:r>
+                            <a:rPr lang="en-US" sz="2400" b="0" i="1" smtClean="0">
+                              <a:latin typeface="Cambria Math" panose="02040503050406030204" pitchFamily="18" charset="0"/>
+                            </a:rPr>
+                            <m:t>,…,</m:t>
+                          </m:r>
+                          <m:sSub>
+                            <m:sSubPr>
+                              <m:ctrlPr>
+                                <a:rPr lang="en-US" sz="2400" i="1">
+                                  <a:latin typeface="Cambria Math" panose="02040503050406030204" pitchFamily="18" charset="0"/>
+                                </a:rPr>
+                              </m:ctrlPr>
+                            </m:sSubPr>
+                            <m:e>
+                              <m:r>
+                                <a:rPr lang="en-US" sz="2400" i="1">
+                                  <a:latin typeface="Cambria Math" panose="02040503050406030204" pitchFamily="18" charset="0"/>
+                                </a:rPr>
+                                <m:t>𝑥</m:t>
+                              </m:r>
+                            </m:e>
+                            <m:sub>
+                              <m:r>
+                                <a:rPr lang="en-US" sz="2400" b="0" i="1" smtClean="0">
+                                  <a:latin typeface="Cambria Math" panose="02040503050406030204" pitchFamily="18" charset="0"/>
+                                </a:rPr>
+                                <m:t>𝑛</m:t>
+                              </m:r>
+                            </m:sub>
+                          </m:sSub>
+                          <m:d>
+                            <m:dPr>
+                              <m:ctrlPr>
+                                <a:rPr lang="en-US" sz="2400" i="1">
+                                  <a:latin typeface="Cambria Math" panose="02040503050406030204" pitchFamily="18" charset="0"/>
+                                </a:rPr>
+                              </m:ctrlPr>
+                            </m:dPr>
+                            <m:e>
+                              <m:r>
+                                <a:rPr lang="en-US" sz="2400" i="1">
+                                  <a:latin typeface="Cambria Math" panose="02040503050406030204" pitchFamily="18" charset="0"/>
+                                </a:rPr>
+                                <m:t>𝑡</m:t>
+                              </m:r>
+                            </m:e>
+                          </m:d>
+                          <m:r>
+                            <a:rPr lang="en-US" sz="2400" b="0" i="1" smtClean="0">
+                              <a:latin typeface="Cambria Math" panose="02040503050406030204" pitchFamily="18" charset="0"/>
+                            </a:rPr>
+                            <m:t>)</m:t>
+                          </m:r>
+                        </m:e>
+                        <m:sup>
+                          <m:r>
+                            <a:rPr lang="en-US" sz="2400" b="0" i="1" smtClean="0">
+                              <a:latin typeface="Cambria Math" panose="02040503050406030204" pitchFamily="18" charset="0"/>
+                            </a:rPr>
+                            <m:t>𝑇</m:t>
+                          </m:r>
+                        </m:sup>
+                      </m:sSup>
+                      <m:r>
+                        <a:rPr lang="en-US" sz="2400" b="0" i="1" smtClean="0">
+                          <a:latin typeface="Cambria Math" panose="02040503050406030204" pitchFamily="18" charset="0"/>
+                          <a:ea typeface="Cambria Math" panose="02040503050406030204" pitchFamily="18" charset="0"/>
+                        </a:rPr>
+                        <m:t>∈</m:t>
+                      </m:r>
+                      <m:sSup>
+                        <m:sSupPr>
+                          <m:ctrlPr>
+                            <a:rPr lang="en-US" sz="2400" b="0" i="1" smtClean="0">
+                              <a:latin typeface="Cambria Math" panose="02040503050406030204" pitchFamily="18" charset="0"/>
+                              <a:ea typeface="Cambria Math" panose="02040503050406030204" pitchFamily="18" charset="0"/>
+                            </a:rPr>
+                          </m:ctrlPr>
+                        </m:sSupPr>
+                        <m:e>
+                          <m:r>
+                            <a:rPr lang="en-US" sz="2400" b="0" i="1" smtClean="0">
+                              <a:latin typeface="Cambria Math" panose="02040503050406030204" pitchFamily="18" charset="0"/>
+                              <a:ea typeface="Cambria Math" panose="02040503050406030204" pitchFamily="18" charset="0"/>
+                            </a:rPr>
+                            <m:t>ℝ</m:t>
+                          </m:r>
+                        </m:e>
+                        <m:sup>
+                          <m:r>
+                            <a:rPr lang="en-US" sz="2400" b="0" i="1" smtClean="0">
+                              <a:latin typeface="Cambria Math" panose="02040503050406030204" pitchFamily="18" charset="0"/>
+                              <a:ea typeface="Cambria Math" panose="02040503050406030204" pitchFamily="18" charset="0"/>
+                            </a:rPr>
+                            <m:t>𝑛</m:t>
+                          </m:r>
+                        </m:sup>
+                      </m:sSup>
+                    </m:oMath>
+                  </m:oMathPara>
+                </a14:m>
+                <a:endParaRPr lang="en-US" sz="2400" dirty="0"/>
+              </a:p>
+              <a:p>
+                <a:pPr lvl="1"/>
+                <a:endParaRPr lang="en-US" sz="2400" dirty="0"/>
+              </a:p>
+              <a:p>
+                <a:pPr lvl="1"/>
+                <a:r>
+                  <a:rPr lang="en-US" sz="2400" dirty="0"/>
+                  <a:t>We consider the state trajectory </a:t>
+                </a:r>
+                <a14:m>
+                  <m:oMath xmlns:m="http://schemas.openxmlformats.org/officeDocument/2006/math">
+                    <m:sSub>
+                      <m:sSubPr>
+                        <m:ctrlPr>
+                          <a:rPr lang="en-US" sz="2400" i="1" smtClean="0">
+                            <a:latin typeface="Cambria Math" panose="02040503050406030204" pitchFamily="18" charset="0"/>
+                          </a:rPr>
+                        </m:ctrlPr>
+                      </m:sSubPr>
+                      <m:e>
+                        <m:r>
+                          <a:rPr lang="en-US" sz="2400" b="0" i="1" smtClean="0">
+                            <a:latin typeface="Cambria Math" panose="02040503050406030204" pitchFamily="18" charset="0"/>
+                          </a:rPr>
+                          <m:t>{</m:t>
+                        </m:r>
+                        <m:r>
+                          <a:rPr lang="en-US" sz="2400" b="0" i="1" smtClean="0">
+                            <a:latin typeface="Cambria Math" panose="02040503050406030204" pitchFamily="18" charset="0"/>
+                          </a:rPr>
+                          <m:t>𝑥</m:t>
+                        </m:r>
+                        <m:r>
+                          <a:rPr lang="en-US" sz="2400" b="0" i="1" smtClean="0">
+                            <a:latin typeface="Cambria Math" panose="02040503050406030204" pitchFamily="18" charset="0"/>
+                          </a:rPr>
+                          <m:t>(</m:t>
+                        </m:r>
+                        <m:r>
+                          <a:rPr lang="en-US" sz="2400" b="0" i="1" smtClean="0">
+                            <a:latin typeface="Cambria Math" panose="02040503050406030204" pitchFamily="18" charset="0"/>
+                          </a:rPr>
+                          <m:t>𝑡</m:t>
+                        </m:r>
+                        <m:r>
+                          <a:rPr lang="en-US" sz="2400" b="0" i="1" smtClean="0">
+                            <a:latin typeface="Cambria Math" panose="02040503050406030204" pitchFamily="18" charset="0"/>
+                          </a:rPr>
+                          <m:t>)}</m:t>
+                        </m:r>
+                      </m:e>
+                      <m:sub>
+                        <m:r>
+                          <a:rPr lang="en-US" sz="2400" b="0" i="1" smtClean="0">
+                            <a:latin typeface="Cambria Math" panose="02040503050406030204" pitchFamily="18" charset="0"/>
+                          </a:rPr>
+                          <m:t>𝑡</m:t>
+                        </m:r>
+                        <m:r>
+                          <a:rPr lang="en-US" sz="2400" i="1">
+                            <a:latin typeface="Cambria Math" panose="02040503050406030204" pitchFamily="18" charset="0"/>
+                            <a:ea typeface="Cambria Math" panose="02040503050406030204" pitchFamily="18" charset="0"/>
+                          </a:rPr>
+                          <m:t>∈</m:t>
+                        </m:r>
+                        <m:r>
+                          <a:rPr lang="en-US" sz="2400" b="0" i="1" smtClean="0">
+                            <a:latin typeface="Cambria Math" panose="02040503050406030204" pitchFamily="18" charset="0"/>
+                            <a:ea typeface="Cambria Math" panose="02040503050406030204" pitchFamily="18" charset="0"/>
+                          </a:rPr>
+                          <m:t>[</m:t>
+                        </m:r>
+                        <m:sSub>
+                          <m:sSubPr>
+                            <m:ctrlPr>
+                              <a:rPr lang="en-US" sz="2400" b="0" i="1" smtClean="0">
+                                <a:latin typeface="Cambria Math" panose="02040503050406030204" pitchFamily="18" charset="0"/>
+                                <a:ea typeface="Cambria Math" panose="02040503050406030204" pitchFamily="18" charset="0"/>
+                              </a:rPr>
+                            </m:ctrlPr>
+                          </m:sSubPr>
+                          <m:e>
+                            <m:r>
+                              <a:rPr lang="en-US" sz="2400" b="0" i="1" smtClean="0">
+                                <a:latin typeface="Cambria Math" panose="02040503050406030204" pitchFamily="18" charset="0"/>
+                                <a:ea typeface="Cambria Math" panose="02040503050406030204" pitchFamily="18" charset="0"/>
+                              </a:rPr>
+                              <m:t>𝑡</m:t>
+                            </m:r>
+                          </m:e>
+                          <m:sub>
+                            <m:r>
+                              <a:rPr lang="en-US" sz="2400" b="0" i="1" smtClean="0">
+                                <a:latin typeface="Cambria Math" panose="02040503050406030204" pitchFamily="18" charset="0"/>
+                                <a:ea typeface="Cambria Math" panose="02040503050406030204" pitchFamily="18" charset="0"/>
+                              </a:rPr>
+                              <m:t>0</m:t>
+                            </m:r>
+                          </m:sub>
+                        </m:sSub>
+                        <m:r>
+                          <a:rPr lang="en-US" sz="2400" b="0" i="1" smtClean="0">
+                            <a:latin typeface="Cambria Math" panose="02040503050406030204" pitchFamily="18" charset="0"/>
+                            <a:ea typeface="Cambria Math" panose="02040503050406030204" pitchFamily="18" charset="0"/>
+                          </a:rPr>
+                          <m:t>,</m:t>
+                        </m:r>
+                        <m:sSub>
+                          <m:sSubPr>
+                            <m:ctrlPr>
+                              <a:rPr lang="en-US" sz="2400" b="0" i="1" smtClean="0">
+                                <a:latin typeface="Cambria Math" panose="02040503050406030204" pitchFamily="18" charset="0"/>
+                                <a:ea typeface="Cambria Math" panose="02040503050406030204" pitchFamily="18" charset="0"/>
+                              </a:rPr>
+                            </m:ctrlPr>
+                          </m:sSubPr>
+                          <m:e>
+                            <m:r>
+                              <a:rPr lang="en-US" sz="2400" b="0" i="1" smtClean="0">
+                                <a:latin typeface="Cambria Math" panose="02040503050406030204" pitchFamily="18" charset="0"/>
+                                <a:ea typeface="Cambria Math" panose="02040503050406030204" pitchFamily="18" charset="0"/>
+                              </a:rPr>
+                              <m:t>𝑡</m:t>
+                            </m:r>
+                          </m:e>
+                          <m:sub>
+                            <m:r>
+                              <a:rPr lang="en-US" sz="2400" b="0" i="1" smtClean="0">
+                                <a:latin typeface="Cambria Math" panose="02040503050406030204" pitchFamily="18" charset="0"/>
+                                <a:ea typeface="Cambria Math" panose="02040503050406030204" pitchFamily="18" charset="0"/>
+                              </a:rPr>
+                              <m:t>1</m:t>
+                            </m:r>
+                          </m:sub>
+                        </m:sSub>
+                        <m:r>
+                          <a:rPr lang="en-US" sz="2400" b="0" i="1" smtClean="0">
+                            <a:latin typeface="Cambria Math" panose="02040503050406030204" pitchFamily="18" charset="0"/>
+                            <a:ea typeface="Cambria Math" panose="02040503050406030204" pitchFamily="18" charset="0"/>
+                          </a:rPr>
+                          <m:t>]</m:t>
+                        </m:r>
+                      </m:sub>
+                    </m:sSub>
+                  </m:oMath>
+                </a14:m>
+                <a:r>
+                  <a:rPr lang="en-US" sz="2400" dirty="0"/>
+                  <a:t> subject to the initial condition </a:t>
+                </a:r>
+                <a14:m>
+                  <m:oMath xmlns:m="http://schemas.openxmlformats.org/officeDocument/2006/math">
+                    <m:r>
+                      <a:rPr lang="en-US" sz="2400" b="0" i="1" smtClean="0">
+                        <a:latin typeface="Cambria Math" panose="02040503050406030204" pitchFamily="18" charset="0"/>
+                      </a:rPr>
+                      <m:t>𝑥</m:t>
+                    </m:r>
+                    <m:d>
+                      <m:dPr>
+                        <m:ctrlPr>
+                          <a:rPr lang="en-US" sz="2400" b="0" i="1" smtClean="0">
+                            <a:latin typeface="Cambria Math" panose="02040503050406030204" pitchFamily="18" charset="0"/>
+                          </a:rPr>
+                        </m:ctrlPr>
+                      </m:dPr>
+                      <m:e>
+                        <m:sSub>
+                          <m:sSubPr>
+                            <m:ctrlPr>
+                              <a:rPr lang="en-US" sz="2400" b="0" i="1" smtClean="0">
+                                <a:latin typeface="Cambria Math" panose="02040503050406030204" pitchFamily="18" charset="0"/>
+                              </a:rPr>
+                            </m:ctrlPr>
+                          </m:sSubPr>
+                          <m:e>
+                            <m:r>
+                              <a:rPr lang="en-US" sz="2400" b="0" i="1" smtClean="0">
+                                <a:latin typeface="Cambria Math" panose="02040503050406030204" pitchFamily="18" charset="0"/>
+                              </a:rPr>
+                              <m:t>𝑡</m:t>
+                            </m:r>
+                          </m:e>
+                          <m:sub>
+                            <m:r>
+                              <a:rPr lang="en-US" sz="2400" b="0" i="1" smtClean="0">
+                                <a:latin typeface="Cambria Math" panose="02040503050406030204" pitchFamily="18" charset="0"/>
+                              </a:rPr>
+                              <m:t>0</m:t>
+                            </m:r>
+                          </m:sub>
+                        </m:sSub>
+                      </m:e>
+                    </m:d>
+                    <m:r>
+                      <a:rPr lang="en-US" sz="2400" b="0" i="1" smtClean="0">
+                        <a:latin typeface="Cambria Math" panose="02040503050406030204" pitchFamily="18" charset="0"/>
+                      </a:rPr>
+                      <m:t>=</m:t>
+                    </m:r>
+                    <m:sSub>
+                      <m:sSubPr>
+                        <m:ctrlPr>
+                          <a:rPr lang="en-US" sz="2400" b="0" i="1" smtClean="0">
+                            <a:latin typeface="Cambria Math" panose="02040503050406030204" pitchFamily="18" charset="0"/>
+                          </a:rPr>
+                        </m:ctrlPr>
+                      </m:sSubPr>
+                      <m:e>
+                        <m:r>
+                          <a:rPr lang="en-US" sz="2400" b="0" i="1" smtClean="0">
+                            <a:latin typeface="Cambria Math" panose="02040503050406030204" pitchFamily="18" charset="0"/>
+                          </a:rPr>
+                          <m:t>𝑥</m:t>
+                        </m:r>
+                      </m:e>
+                      <m:sub>
+                        <m:r>
+                          <a:rPr lang="en-US" sz="2400" b="0" i="1" smtClean="0">
+                            <a:latin typeface="Cambria Math" panose="02040503050406030204" pitchFamily="18" charset="0"/>
+                          </a:rPr>
+                          <m:t>0</m:t>
+                        </m:r>
+                      </m:sub>
+                    </m:sSub>
+                  </m:oMath>
+                </a14:m>
+                <a:endParaRPr lang="en-US" sz="2400" dirty="0"/>
+              </a:p>
+              <a:p>
+                <a:pPr lvl="1"/>
+                <a:endParaRPr lang="en-US" sz="2400" dirty="0"/>
+              </a:p>
+              <a:p>
+                <a:pPr lvl="1"/>
+                <a:r>
+                  <a:rPr lang="en-US" sz="2400" dirty="0"/>
+                  <a:t>Our terminal state may be free or constrained</a:t>
+                </a:r>
+              </a:p>
+              <a:p>
+                <a:pPr lvl="1"/>
+                <a:endParaRPr lang="en-US" sz="2400" dirty="0"/>
+              </a:p>
+            </p:txBody>
+          </p:sp>
+        </mc:Choice>
+        <mc:Fallback>
+          <p:sp>
+            <p:nvSpPr>
+              <p:cNvPr id="5" name="TextBox 4">
+                <a:extLst>
+                  <a:ext uri="{FF2B5EF4-FFF2-40B4-BE49-F238E27FC236}">
+                    <a16:creationId xmlns:a16="http://schemas.microsoft.com/office/drawing/2014/main" id="{87BDE1BC-92B0-9882-6718-0F62B4CF3082}"/>
+                  </a:ext>
+                </a:extLst>
+              </p:cNvPr>
+              <p:cNvSpPr txBox="1">
+                <a:spLocks noRot="1" noChangeAspect="1" noMove="1" noResize="1" noEditPoints="1" noAdjustHandles="1" noChangeArrowheads="1" noChangeShapeType="1" noTextEdit="1"/>
+              </p:cNvSpPr>
+              <p:nvPr/>
+            </p:nvSpPr>
+            <p:spPr>
+              <a:xfrm>
+                <a:off x="-339768" y="1871283"/>
+                <a:ext cx="12400704" cy="3452548"/>
+              </a:xfrm>
+              <a:prstGeom prst="rect">
+                <a:avLst/>
+              </a:prstGeom>
+              <a:blipFill>
+                <a:blip r:embed="rId3"/>
+                <a:stretch>
+                  <a:fillRect t="-1413"/>
+                </a:stretch>
+              </a:blipFill>
+            </p:spPr>
+            <p:txBody>
+              <a:bodyPr/>
+              <a:lstStyle/>
+              <a:p>
+                <a:r>
+                  <a:rPr lang="en-US">
+                    <a:noFill/>
+                  </a:rPr>
+                  <a:t> </a:t>
+                </a:r>
+              </a:p>
+            </p:txBody>
+          </p:sp>
+        </mc:Fallback>
+      </mc:AlternateContent>
     </p:spTree>
     <p:extLst>
       <p:ext uri="{BB962C8B-B14F-4D97-AF65-F5344CB8AC3E}">
@@ -6142,46 +7028,379 @@
           </a:p>
         </p:txBody>
       </p:sp>
-      <p:sp>
-        <p:nvSpPr>
-          <p:cNvPr id="5" name="TextBox 4">
-            <a:extLst>
-              <a:ext uri="{FF2B5EF4-FFF2-40B4-BE49-F238E27FC236}">
-                <a16:creationId xmlns:a16="http://schemas.microsoft.com/office/drawing/2014/main" id="{9D559EAC-A182-5183-57C4-89EDE0E5FC5E}"/>
-              </a:ext>
-            </a:extLst>
-          </p:cNvPr>
-          <p:cNvSpPr txBox="1"/>
-          <p:nvPr/>
-        </p:nvSpPr>
-        <p:spPr>
-          <a:xfrm>
-            <a:off x="-339768" y="1871283"/>
-            <a:ext cx="11897032" cy="830997"/>
-          </a:xfrm>
-          <a:prstGeom prst="rect">
-            <a:avLst/>
-          </a:prstGeom>
-          <a:noFill/>
-        </p:spPr>
-        <p:txBody>
-          <a:bodyPr wrap="square" rtlCol="0">
-            <a:spAutoFit/>
-          </a:bodyPr>
-          <a:lstStyle/>
-          <a:p>
-            <a:pPr lvl="1"/>
-            <a:r>
-              <a:rPr lang="en-US" sz="2400" dirty="0"/>
-              <a:t>Words</a:t>
-            </a:r>
-          </a:p>
-          <a:p>
-            <a:pPr lvl="1"/>
-            <a:endParaRPr lang="en-US" sz="2400" dirty="0"/>
-          </a:p>
-        </p:txBody>
-      </p:sp>
+      <mc:AlternateContent xmlns:mc="http://schemas.openxmlformats.org/markup-compatibility/2006">
+        <mc:Choice xmlns:a14="http://schemas.microsoft.com/office/drawing/2010/main" Requires="a14">
+          <p:sp>
+            <p:nvSpPr>
+              <p:cNvPr id="5" name="TextBox 4">
+                <a:extLst>
+                  <a:ext uri="{FF2B5EF4-FFF2-40B4-BE49-F238E27FC236}">
+                    <a16:creationId xmlns:a16="http://schemas.microsoft.com/office/drawing/2014/main" id="{9D559EAC-A182-5183-57C4-89EDE0E5FC5E}"/>
+                  </a:ext>
+                </a:extLst>
+              </p:cNvPr>
+              <p:cNvSpPr txBox="1"/>
+              <p:nvPr/>
+            </p:nvSpPr>
+            <p:spPr>
+              <a:xfrm>
+                <a:off x="-339768" y="1871283"/>
+                <a:ext cx="11897032" cy="3416320"/>
+              </a:xfrm>
+              <a:prstGeom prst="rect">
+                <a:avLst/>
+              </a:prstGeom>
+              <a:noFill/>
+            </p:spPr>
+            <p:txBody>
+              <a:bodyPr wrap="square" rtlCol="0">
+                <a:spAutoFit/>
+              </a:bodyPr>
+              <a:lstStyle/>
+              <a:p>
+                <a:pPr lvl="1"/>
+                <a:r>
+                  <a:rPr lang="en-US" sz="2400" dirty="0"/>
+                  <a:t>The control at time </a:t>
+                </a:r>
+                <a14:m>
+                  <m:oMath xmlns:m="http://schemas.openxmlformats.org/officeDocument/2006/math">
+                    <m:r>
+                      <a:rPr lang="en-US" sz="2400" i="1">
+                        <a:latin typeface="Cambria Math" panose="02040503050406030204" pitchFamily="18" charset="0"/>
+                      </a:rPr>
+                      <m:t>𝑡</m:t>
+                    </m:r>
+                  </m:oMath>
+                </a14:m>
+                <a:r>
+                  <a:rPr lang="en-US" sz="2400" dirty="0"/>
+                  <a:t> is an </a:t>
+                </a:r>
+                <a14:m>
+                  <m:oMath xmlns:m="http://schemas.openxmlformats.org/officeDocument/2006/math">
+                    <m:r>
+                      <a:rPr lang="en-US" sz="2400" b="0" i="1" smtClean="0">
+                        <a:latin typeface="Cambria Math" panose="02040503050406030204" pitchFamily="18" charset="0"/>
+                      </a:rPr>
+                      <m:t>𝑟</m:t>
+                    </m:r>
+                  </m:oMath>
+                </a14:m>
+                <a:r>
+                  <a:rPr lang="en-US" sz="2400" dirty="0"/>
+                  <a:t>-dimensional vector, where each component function is piecewise continuous in time</a:t>
+                </a:r>
+              </a:p>
+              <a:p>
+                <a:pPr lvl="1"/>
+                <a:endParaRPr lang="en-US" sz="2400" dirty="0"/>
+              </a:p>
+              <a:p>
+                <a:pPr lvl="1"/>
+                <a14:m>
+                  <m:oMathPara xmlns:m="http://schemas.openxmlformats.org/officeDocument/2006/math">
+                    <m:oMathParaPr>
+                      <m:jc m:val="centerGroup"/>
+                    </m:oMathParaPr>
+                    <m:oMath xmlns:m="http://schemas.openxmlformats.org/officeDocument/2006/math">
+                      <m:r>
+                        <a:rPr lang="en-US" sz="2400" b="0" i="1" smtClean="0">
+                          <a:latin typeface="Cambria Math" panose="02040503050406030204" pitchFamily="18" charset="0"/>
+                        </a:rPr>
+                        <m:t>𝑢</m:t>
+                      </m:r>
+                      <m:d>
+                        <m:dPr>
+                          <m:ctrlPr>
+                            <a:rPr lang="en-US" sz="2400" i="1">
+                              <a:latin typeface="Cambria Math" panose="02040503050406030204" pitchFamily="18" charset="0"/>
+                            </a:rPr>
+                          </m:ctrlPr>
+                        </m:dPr>
+                        <m:e>
+                          <m:r>
+                            <a:rPr lang="en-US" sz="2400" i="1">
+                              <a:latin typeface="Cambria Math" panose="02040503050406030204" pitchFamily="18" charset="0"/>
+                            </a:rPr>
+                            <m:t>𝑡</m:t>
+                          </m:r>
+                        </m:e>
+                      </m:d>
+                      <m:r>
+                        <a:rPr lang="en-US" sz="2400" i="1">
+                          <a:latin typeface="Cambria Math" panose="02040503050406030204" pitchFamily="18" charset="0"/>
+                        </a:rPr>
+                        <m:t>=</m:t>
+                      </m:r>
+                      <m:sSup>
+                        <m:sSupPr>
+                          <m:ctrlPr>
+                            <a:rPr lang="en-US" sz="2400" i="1">
+                              <a:latin typeface="Cambria Math" panose="02040503050406030204" pitchFamily="18" charset="0"/>
+                            </a:rPr>
+                          </m:ctrlPr>
+                        </m:sSupPr>
+                        <m:e>
+                          <m:r>
+                            <a:rPr lang="en-US" sz="2400" i="1">
+                              <a:latin typeface="Cambria Math" panose="02040503050406030204" pitchFamily="18" charset="0"/>
+                            </a:rPr>
+                            <m:t>(</m:t>
+                          </m:r>
+                          <m:sSub>
+                            <m:sSubPr>
+                              <m:ctrlPr>
+                                <a:rPr lang="en-US" sz="2400" i="1">
+                                  <a:latin typeface="Cambria Math" panose="02040503050406030204" pitchFamily="18" charset="0"/>
+                                </a:rPr>
+                              </m:ctrlPr>
+                            </m:sSubPr>
+                            <m:e>
+                              <m:r>
+                                <a:rPr lang="en-US" sz="2400" b="0" i="1" smtClean="0">
+                                  <a:latin typeface="Cambria Math" panose="02040503050406030204" pitchFamily="18" charset="0"/>
+                                </a:rPr>
+                                <m:t>𝑢</m:t>
+                              </m:r>
+                            </m:e>
+                            <m:sub>
+                              <m:r>
+                                <a:rPr lang="en-US" sz="2400" i="1">
+                                  <a:latin typeface="Cambria Math" panose="02040503050406030204" pitchFamily="18" charset="0"/>
+                                </a:rPr>
+                                <m:t>1</m:t>
+                              </m:r>
+                            </m:sub>
+                          </m:sSub>
+                          <m:d>
+                            <m:dPr>
+                              <m:ctrlPr>
+                                <a:rPr lang="en-US" sz="2400" i="1">
+                                  <a:latin typeface="Cambria Math" panose="02040503050406030204" pitchFamily="18" charset="0"/>
+                                </a:rPr>
+                              </m:ctrlPr>
+                            </m:dPr>
+                            <m:e>
+                              <m:r>
+                                <a:rPr lang="en-US" sz="2400" i="1">
+                                  <a:latin typeface="Cambria Math" panose="02040503050406030204" pitchFamily="18" charset="0"/>
+                                </a:rPr>
+                                <m:t>𝑡</m:t>
+                              </m:r>
+                            </m:e>
+                          </m:d>
+                          <m:r>
+                            <a:rPr lang="en-US" sz="2400" i="1">
+                              <a:latin typeface="Cambria Math" panose="02040503050406030204" pitchFamily="18" charset="0"/>
+                            </a:rPr>
+                            <m:t>,…,</m:t>
+                          </m:r>
+                          <m:sSub>
+                            <m:sSubPr>
+                              <m:ctrlPr>
+                                <a:rPr lang="en-US" sz="2400" i="1">
+                                  <a:latin typeface="Cambria Math" panose="02040503050406030204" pitchFamily="18" charset="0"/>
+                                </a:rPr>
+                              </m:ctrlPr>
+                            </m:sSubPr>
+                            <m:e>
+                              <m:r>
+                                <a:rPr lang="en-US" sz="2400" b="0" i="1" smtClean="0">
+                                  <a:latin typeface="Cambria Math" panose="02040503050406030204" pitchFamily="18" charset="0"/>
+                                </a:rPr>
+                                <m:t>𝑢</m:t>
+                              </m:r>
+                            </m:e>
+                            <m:sub>
+                              <m:r>
+                                <a:rPr lang="en-US" sz="2400" b="0" i="1" smtClean="0">
+                                  <a:latin typeface="Cambria Math" panose="02040503050406030204" pitchFamily="18" charset="0"/>
+                                </a:rPr>
+                                <m:t>𝑟</m:t>
+                              </m:r>
+                            </m:sub>
+                          </m:sSub>
+                          <m:d>
+                            <m:dPr>
+                              <m:ctrlPr>
+                                <a:rPr lang="en-US" sz="2400" i="1">
+                                  <a:latin typeface="Cambria Math" panose="02040503050406030204" pitchFamily="18" charset="0"/>
+                                </a:rPr>
+                              </m:ctrlPr>
+                            </m:dPr>
+                            <m:e>
+                              <m:r>
+                                <a:rPr lang="en-US" sz="2400" i="1">
+                                  <a:latin typeface="Cambria Math" panose="02040503050406030204" pitchFamily="18" charset="0"/>
+                                </a:rPr>
+                                <m:t>𝑡</m:t>
+                              </m:r>
+                            </m:e>
+                          </m:d>
+                          <m:r>
+                            <a:rPr lang="en-US" sz="2400" i="1">
+                              <a:latin typeface="Cambria Math" panose="02040503050406030204" pitchFamily="18" charset="0"/>
+                            </a:rPr>
+                            <m:t>)</m:t>
+                          </m:r>
+                        </m:e>
+                        <m:sup>
+                          <m:r>
+                            <a:rPr lang="en-US" sz="2400" i="1">
+                              <a:latin typeface="Cambria Math" panose="02040503050406030204" pitchFamily="18" charset="0"/>
+                            </a:rPr>
+                            <m:t>𝑇</m:t>
+                          </m:r>
+                        </m:sup>
+                      </m:sSup>
+                      <m:r>
+                        <a:rPr lang="en-US" sz="2400" i="1">
+                          <a:latin typeface="Cambria Math" panose="02040503050406030204" pitchFamily="18" charset="0"/>
+                          <a:ea typeface="Cambria Math" panose="02040503050406030204" pitchFamily="18" charset="0"/>
+                        </a:rPr>
+                        <m:t>∈</m:t>
+                      </m:r>
+                      <m:sSup>
+                        <m:sSupPr>
+                          <m:ctrlPr>
+                            <a:rPr lang="en-US" sz="2400" i="1">
+                              <a:latin typeface="Cambria Math" panose="02040503050406030204" pitchFamily="18" charset="0"/>
+                              <a:ea typeface="Cambria Math" panose="02040503050406030204" pitchFamily="18" charset="0"/>
+                            </a:rPr>
+                          </m:ctrlPr>
+                        </m:sSupPr>
+                        <m:e>
+                          <m:r>
+                            <a:rPr lang="en-US" sz="2400" i="1">
+                              <a:latin typeface="Cambria Math" panose="02040503050406030204" pitchFamily="18" charset="0"/>
+                              <a:ea typeface="Cambria Math" panose="02040503050406030204" pitchFamily="18" charset="0"/>
+                            </a:rPr>
+                            <m:t>ℝ</m:t>
+                          </m:r>
+                        </m:e>
+                        <m:sup>
+                          <m:r>
+                            <a:rPr lang="en-US" sz="2400" b="0" i="1" smtClean="0">
+                              <a:latin typeface="Cambria Math" panose="02040503050406030204" pitchFamily="18" charset="0"/>
+                              <a:ea typeface="Cambria Math" panose="02040503050406030204" pitchFamily="18" charset="0"/>
+                            </a:rPr>
+                            <m:t>𝑟</m:t>
+                          </m:r>
+                        </m:sup>
+                      </m:sSup>
+                    </m:oMath>
+                  </m:oMathPara>
+                </a14:m>
+                <a:endParaRPr lang="en-US" sz="2400" dirty="0"/>
+              </a:p>
+              <a:p>
+                <a:pPr lvl="1"/>
+                <a:endParaRPr lang="en-US" sz="2400" dirty="0"/>
+              </a:p>
+              <a:p>
+                <a:pPr lvl="1"/>
+                <a:r>
+                  <a:rPr lang="en-US" sz="2400" dirty="0"/>
+                  <a:t>We assume that controls are elements of a compact, convex subset of </a:t>
+                </a:r>
+                <a14:m>
+                  <m:oMath xmlns:m="http://schemas.openxmlformats.org/officeDocument/2006/math">
+                    <m:sSup>
+                      <m:sSupPr>
+                        <m:ctrlPr>
+                          <a:rPr lang="en-US" sz="2400" i="1">
+                            <a:latin typeface="Cambria Math" panose="02040503050406030204" pitchFamily="18" charset="0"/>
+                            <a:ea typeface="Cambria Math" panose="02040503050406030204" pitchFamily="18" charset="0"/>
+                          </a:rPr>
+                        </m:ctrlPr>
+                      </m:sSupPr>
+                      <m:e>
+                        <m:r>
+                          <a:rPr lang="en-US" sz="2400" i="1">
+                            <a:latin typeface="Cambria Math" panose="02040503050406030204" pitchFamily="18" charset="0"/>
+                            <a:ea typeface="Cambria Math" panose="02040503050406030204" pitchFamily="18" charset="0"/>
+                          </a:rPr>
+                          <m:t>ℝ</m:t>
+                        </m:r>
+                      </m:e>
+                      <m:sup>
+                        <m:r>
+                          <a:rPr lang="en-US" sz="2400" i="1">
+                            <a:latin typeface="Cambria Math" panose="02040503050406030204" pitchFamily="18" charset="0"/>
+                            <a:ea typeface="Cambria Math" panose="02040503050406030204" pitchFamily="18" charset="0"/>
+                          </a:rPr>
+                          <m:t>𝑟</m:t>
+                        </m:r>
+                      </m:sup>
+                    </m:sSup>
+                  </m:oMath>
+                </a14:m>
+                <a:endParaRPr lang="en-US" sz="2400" dirty="0"/>
+              </a:p>
+              <a:p>
+                <a:pPr lvl="1"/>
+                <a:endParaRPr lang="en-US" sz="2400" dirty="0"/>
+              </a:p>
+              <a:p>
+                <a:pPr lvl="1"/>
+                <a:r>
+                  <a:rPr lang="en-US" sz="2400" dirty="0"/>
+                  <a:t>This assumption, combined with the piecewise continuity, makes a control trajectory </a:t>
+                </a:r>
+                <a:r>
+                  <a:rPr lang="en-US" sz="2400" b="1" dirty="0"/>
+                  <a:t>admissible</a:t>
+                </a:r>
+              </a:p>
+            </p:txBody>
+          </p:sp>
+        </mc:Choice>
+        <mc:Fallback>
+          <p:sp>
+            <p:nvSpPr>
+              <p:cNvPr id="5" name="TextBox 4">
+                <a:extLst>
+                  <a:ext uri="{FF2B5EF4-FFF2-40B4-BE49-F238E27FC236}">
+                    <a16:creationId xmlns:a16="http://schemas.microsoft.com/office/drawing/2014/main" id="{9D559EAC-A182-5183-57C4-89EDE0E5FC5E}"/>
+                  </a:ext>
+                </a:extLst>
+              </p:cNvPr>
+              <p:cNvSpPr txBox="1">
+                <a:spLocks noRot="1" noChangeAspect="1" noMove="1" noResize="1" noEditPoints="1" noAdjustHandles="1" noChangeArrowheads="1" noChangeShapeType="1" noTextEdit="1"/>
+              </p:cNvSpPr>
+              <p:nvPr/>
+            </p:nvSpPr>
+            <p:spPr>
+              <a:xfrm>
+                <a:off x="-339768" y="1871283"/>
+                <a:ext cx="11897032" cy="3416320"/>
+              </a:xfrm>
+              <a:prstGeom prst="rect">
+                <a:avLst/>
+              </a:prstGeom>
+              <a:blipFill>
+                <a:blip r:embed="rId3"/>
+                <a:stretch>
+                  <a:fillRect t="-1429" b="-3214"/>
+                </a:stretch>
+              </a:blipFill>
+            </p:spPr>
+            <p:txBody>
+              <a:bodyPr/>
+              <a:lstStyle/>
+              <a:p>
+                <a:r>
+                  <a:rPr lang="en-US">
+                    <a:noFill/>
+                  </a:rPr>
+                  <a:t> </a:t>
+                </a:r>
+              </a:p>
+            </p:txBody>
+          </p:sp>
+        </mc:Fallback>
+      </mc:AlternateContent>
     </p:spTree>
     <p:extLst>
       <p:ext uri="{BB962C8B-B14F-4D97-AF65-F5344CB8AC3E}">
@@ -6196,6 +7415,1392 @@
 </file>
 
 <file path=ppt/slides/slide5.xml><?xml version="1.0" encoding="utf-8"?>
+<p:sld xmlns:a="http://schemas.openxmlformats.org/drawingml/2006/main" xmlns:r="http://schemas.openxmlformats.org/officeDocument/2006/relationships" xmlns:p="http://schemas.openxmlformats.org/presentationml/2006/main">
+  <p:cSld>
+    <p:spTree>
+      <p:nvGrpSpPr>
+        <p:cNvPr id="1" name="">
+          <a:extLst>
+            <a:ext uri="{FF2B5EF4-FFF2-40B4-BE49-F238E27FC236}">
+              <a16:creationId xmlns:a16="http://schemas.microsoft.com/office/drawing/2014/main" id="{34885AF5-2B20-6EA4-1C48-FC3458FC47D1}"/>
+            </a:ext>
+          </a:extLst>
+        </p:cNvPr>
+        <p:cNvGrpSpPr/>
+        <p:nvPr/>
+      </p:nvGrpSpPr>
+      <p:grpSpPr>
+        <a:xfrm>
+          <a:off x="0" y="0"/>
+          <a:ext cx="0" cy="0"/>
+          <a:chOff x="0" y="0"/>
+          <a:chExt cx="0" cy="0"/>
+        </a:xfrm>
+      </p:grpSpPr>
+      <p:sp>
+        <p:nvSpPr>
+          <p:cNvPr id="2" name="Rectangle 1">
+            <a:extLst>
+              <a:ext uri="{FF2B5EF4-FFF2-40B4-BE49-F238E27FC236}">
+                <a16:creationId xmlns:a16="http://schemas.microsoft.com/office/drawing/2014/main" id="{CBDD0E42-27FD-E627-E154-DF054C1FC6C7}"/>
+              </a:ext>
+            </a:extLst>
+          </p:cNvPr>
+          <p:cNvSpPr/>
+          <p:nvPr/>
+        </p:nvSpPr>
+        <p:spPr>
+          <a:xfrm>
+            <a:off x="4916" y="0"/>
+            <a:ext cx="12192000" cy="1465006"/>
+          </a:xfrm>
+          <a:prstGeom prst="rect">
+            <a:avLst/>
+          </a:prstGeom>
+          <a:solidFill>
+            <a:srgbClr val="064EA1"/>
+          </a:solidFill>
+        </p:spPr>
+        <p:style>
+          <a:lnRef idx="2">
+            <a:schemeClr val="accent1">
+              <a:shade val="15000"/>
+            </a:schemeClr>
+          </a:lnRef>
+          <a:fillRef idx="1">
+            <a:schemeClr val="accent1"/>
+          </a:fillRef>
+          <a:effectRef idx="0">
+            <a:schemeClr val="accent1"/>
+          </a:effectRef>
+          <a:fontRef idx="minor">
+            <a:schemeClr val="lt1"/>
+          </a:fontRef>
+        </p:style>
+        <p:txBody>
+          <a:bodyPr rtlCol="0" anchor="ctr"/>
+          <a:lstStyle/>
+          <a:p>
+            <a:pPr algn="ctr"/>
+            <a:endParaRPr lang="en-US"/>
+          </a:p>
+        </p:txBody>
+      </p:sp>
+      <p:sp>
+        <p:nvSpPr>
+          <p:cNvPr id="3" name="Rectangle 2">
+            <a:extLst>
+              <a:ext uri="{FF2B5EF4-FFF2-40B4-BE49-F238E27FC236}">
+                <a16:creationId xmlns:a16="http://schemas.microsoft.com/office/drawing/2014/main" id="{0E0FD83B-1FC6-FB9A-9C69-BCDB51F6F650}"/>
+              </a:ext>
+            </a:extLst>
+          </p:cNvPr>
+          <p:cNvSpPr/>
+          <p:nvPr/>
+        </p:nvSpPr>
+        <p:spPr>
+          <a:xfrm>
+            <a:off x="0" y="1465007"/>
+            <a:ext cx="12192000" cy="245806"/>
+          </a:xfrm>
+          <a:prstGeom prst="rect">
+            <a:avLst/>
+          </a:prstGeom>
+          <a:solidFill>
+            <a:srgbClr val="FBDB0E"/>
+          </a:solidFill>
+          <a:ln>
+            <a:solidFill>
+              <a:srgbClr val="FBDB0E"/>
+            </a:solidFill>
+          </a:ln>
+        </p:spPr>
+        <p:style>
+          <a:lnRef idx="2">
+            <a:schemeClr val="accent1">
+              <a:shade val="15000"/>
+            </a:schemeClr>
+          </a:lnRef>
+          <a:fillRef idx="1">
+            <a:schemeClr val="accent1"/>
+          </a:fillRef>
+          <a:effectRef idx="0">
+            <a:schemeClr val="accent1"/>
+          </a:effectRef>
+          <a:fontRef idx="minor">
+            <a:schemeClr val="lt1"/>
+          </a:fontRef>
+        </p:style>
+        <p:txBody>
+          <a:bodyPr rtlCol="0" anchor="ctr"/>
+          <a:lstStyle/>
+          <a:p>
+            <a:pPr algn="ctr"/>
+            <a:endParaRPr lang="en-US"/>
+          </a:p>
+        </p:txBody>
+      </p:sp>
+      <p:sp>
+        <p:nvSpPr>
+          <p:cNvPr id="4" name="TextBox 3">
+            <a:extLst>
+              <a:ext uri="{FF2B5EF4-FFF2-40B4-BE49-F238E27FC236}">
+                <a16:creationId xmlns:a16="http://schemas.microsoft.com/office/drawing/2014/main" id="{4CB45B76-9480-8AE1-D693-35592E089106}"/>
+              </a:ext>
+            </a:extLst>
+          </p:cNvPr>
+          <p:cNvSpPr txBox="1"/>
+          <p:nvPr/>
+        </p:nvSpPr>
+        <p:spPr>
+          <a:xfrm>
+            <a:off x="3374136" y="378560"/>
+            <a:ext cx="4975515" cy="707886"/>
+          </a:xfrm>
+          <a:prstGeom prst="rect">
+            <a:avLst/>
+          </a:prstGeom>
+          <a:noFill/>
+        </p:spPr>
+        <p:txBody>
+          <a:bodyPr wrap="square" rtlCol="0">
+            <a:spAutoFit/>
+          </a:bodyPr>
+          <a:lstStyle/>
+          <a:p>
+            <a:r>
+              <a:rPr lang="en-US" sz="4000" b="1" dirty="0">
+                <a:solidFill>
+                  <a:schemeClr val="bg1"/>
+                </a:solidFill>
+              </a:rPr>
+              <a:t>Equations of Motion</a:t>
+            </a:r>
+          </a:p>
+        </p:txBody>
+      </p:sp>
+      <mc:AlternateContent xmlns:mc="http://schemas.openxmlformats.org/markup-compatibility/2006">
+        <mc:Choice xmlns:a14="http://schemas.microsoft.com/office/drawing/2010/main" Requires="a14">
+          <p:sp>
+            <p:nvSpPr>
+              <p:cNvPr id="5" name="TextBox 4">
+                <a:extLst>
+                  <a:ext uri="{FF2B5EF4-FFF2-40B4-BE49-F238E27FC236}">
+                    <a16:creationId xmlns:a16="http://schemas.microsoft.com/office/drawing/2014/main" id="{197A57CB-2B66-1A03-1DE5-5396E700BBB6}"/>
+                  </a:ext>
+                </a:extLst>
+              </p:cNvPr>
+              <p:cNvSpPr txBox="1"/>
+              <p:nvPr/>
+            </p:nvSpPr>
+            <p:spPr>
+              <a:xfrm>
+                <a:off x="-339768" y="1871283"/>
+                <a:ext cx="11897032" cy="2766848"/>
+              </a:xfrm>
+              <a:prstGeom prst="rect">
+                <a:avLst/>
+              </a:prstGeom>
+              <a:noFill/>
+            </p:spPr>
+            <p:txBody>
+              <a:bodyPr wrap="square" rtlCol="0">
+                <a:spAutoFit/>
+              </a:bodyPr>
+              <a:lstStyle/>
+              <a:p>
+                <a:pPr lvl="1"/>
+                <a:r>
+                  <a:rPr lang="en-US" sz="2400" dirty="0"/>
+                  <a:t>We assume that the system evolves in time according to an ODE system:</a:t>
+                </a:r>
+              </a:p>
+              <a:p>
+                <a:pPr lvl="1"/>
+                <a:endParaRPr lang="en-US" sz="2400" dirty="0"/>
+              </a:p>
+              <a:p>
+                <a:pPr lvl="1"/>
+                <a14:m>
+                  <m:oMathPara xmlns:m="http://schemas.openxmlformats.org/officeDocument/2006/math">
+                    <m:oMathParaPr>
+                      <m:jc m:val="centerGroup"/>
+                    </m:oMathParaPr>
+                    <m:oMath xmlns:m="http://schemas.openxmlformats.org/officeDocument/2006/math">
+                      <m:acc>
+                        <m:accPr>
+                          <m:chr m:val="̇"/>
+                          <m:ctrlPr>
+                            <a:rPr lang="en-US" sz="2400" i="1" smtClean="0">
+                              <a:latin typeface="Cambria Math" panose="02040503050406030204" pitchFamily="18" charset="0"/>
+                            </a:rPr>
+                          </m:ctrlPr>
+                        </m:accPr>
+                        <m:e>
+                          <m:r>
+                            <a:rPr lang="en-US" sz="2400" b="0" i="1" smtClean="0">
+                              <a:latin typeface="Cambria Math" panose="02040503050406030204" pitchFamily="18" charset="0"/>
+                            </a:rPr>
+                            <m:t>𝑥</m:t>
+                          </m:r>
+                        </m:e>
+                      </m:acc>
+                      <m:d>
+                        <m:dPr>
+                          <m:ctrlPr>
+                            <a:rPr lang="en-US" sz="2400" b="0" i="1" smtClean="0">
+                              <a:latin typeface="Cambria Math" panose="02040503050406030204" pitchFamily="18" charset="0"/>
+                            </a:rPr>
+                          </m:ctrlPr>
+                        </m:dPr>
+                        <m:e>
+                          <m:r>
+                            <a:rPr lang="en-US" sz="2400" b="0" i="1" smtClean="0">
+                              <a:latin typeface="Cambria Math" panose="02040503050406030204" pitchFamily="18" charset="0"/>
+                            </a:rPr>
+                            <m:t>𝑡</m:t>
+                          </m:r>
+                        </m:e>
+                      </m:d>
+                      <m:r>
+                        <a:rPr lang="en-US" sz="2400" b="0" i="1" smtClean="0">
+                          <a:latin typeface="Cambria Math" panose="02040503050406030204" pitchFamily="18" charset="0"/>
+                        </a:rPr>
+                        <m:t>=</m:t>
+                      </m:r>
+                      <m:r>
+                        <a:rPr lang="en-US" sz="2400" b="0" i="1" smtClean="0">
+                          <a:latin typeface="Cambria Math" panose="02040503050406030204" pitchFamily="18" charset="0"/>
+                        </a:rPr>
+                        <m:t>𝑓</m:t>
+                      </m:r>
+                      <m:r>
+                        <a:rPr lang="en-US" sz="2400" b="0" i="1" smtClean="0">
+                          <a:latin typeface="Cambria Math" panose="02040503050406030204" pitchFamily="18" charset="0"/>
+                        </a:rPr>
+                        <m:t>(</m:t>
+                      </m:r>
+                      <m:r>
+                        <a:rPr lang="en-US" sz="2400" b="0" i="1" smtClean="0">
+                          <a:latin typeface="Cambria Math" panose="02040503050406030204" pitchFamily="18" charset="0"/>
+                        </a:rPr>
+                        <m:t>𝑥</m:t>
+                      </m:r>
+                      <m:d>
+                        <m:dPr>
+                          <m:ctrlPr>
+                            <a:rPr lang="en-US" sz="2400" b="0" i="1" smtClean="0">
+                              <a:latin typeface="Cambria Math" panose="02040503050406030204" pitchFamily="18" charset="0"/>
+                            </a:rPr>
+                          </m:ctrlPr>
+                        </m:dPr>
+                        <m:e>
+                          <m:r>
+                            <a:rPr lang="en-US" sz="2400" b="0" i="1" smtClean="0">
+                              <a:latin typeface="Cambria Math" panose="02040503050406030204" pitchFamily="18" charset="0"/>
+                            </a:rPr>
+                            <m:t>𝑡</m:t>
+                          </m:r>
+                        </m:e>
+                      </m:d>
+                      <m:r>
+                        <a:rPr lang="en-US" sz="2400" b="0" i="1" smtClean="0">
+                          <a:latin typeface="Cambria Math" panose="02040503050406030204" pitchFamily="18" charset="0"/>
+                        </a:rPr>
+                        <m:t>,</m:t>
+                      </m:r>
+                      <m:r>
+                        <a:rPr lang="en-US" sz="2400" b="0" i="1" smtClean="0">
+                          <a:latin typeface="Cambria Math" panose="02040503050406030204" pitchFamily="18" charset="0"/>
+                        </a:rPr>
+                        <m:t>𝑢</m:t>
+                      </m:r>
+                      <m:d>
+                        <m:dPr>
+                          <m:ctrlPr>
+                            <a:rPr lang="en-US" sz="2400" b="0" i="1" smtClean="0">
+                              <a:latin typeface="Cambria Math" panose="02040503050406030204" pitchFamily="18" charset="0"/>
+                            </a:rPr>
+                          </m:ctrlPr>
+                        </m:dPr>
+                        <m:e>
+                          <m:r>
+                            <a:rPr lang="en-US" sz="2400" b="0" i="1" smtClean="0">
+                              <a:latin typeface="Cambria Math" panose="02040503050406030204" pitchFamily="18" charset="0"/>
+                            </a:rPr>
+                            <m:t>𝑡</m:t>
+                          </m:r>
+                        </m:e>
+                      </m:d>
+                      <m:r>
+                        <a:rPr lang="en-US" sz="2400" b="0" i="1" smtClean="0">
+                          <a:latin typeface="Cambria Math" panose="02040503050406030204" pitchFamily="18" charset="0"/>
+                        </a:rPr>
+                        <m:t>,</m:t>
+                      </m:r>
+                      <m:r>
+                        <a:rPr lang="en-US" sz="2400" b="0" i="1" smtClean="0">
+                          <a:latin typeface="Cambria Math" panose="02040503050406030204" pitchFamily="18" charset="0"/>
+                        </a:rPr>
+                        <m:t>𝑡</m:t>
+                      </m:r>
+                      <m:r>
+                        <a:rPr lang="en-US" sz="2400" b="0" i="1" smtClean="0">
+                          <a:latin typeface="Cambria Math" panose="02040503050406030204" pitchFamily="18" charset="0"/>
+                        </a:rPr>
+                        <m:t>)</m:t>
+                      </m:r>
+                    </m:oMath>
+                  </m:oMathPara>
+                </a14:m>
+                <a:endParaRPr lang="en-US" sz="2400" dirty="0"/>
+              </a:p>
+              <a:p>
+                <a:pPr lvl="1"/>
+                <a:endParaRPr lang="en-US" sz="2400" dirty="0"/>
+              </a:p>
+              <a:p>
+                <a:pPr lvl="1"/>
+                <a:r>
+                  <a:rPr lang="en-US" sz="2400" dirty="0"/>
+                  <a:t>where </a:t>
+                </a:r>
+                <a14:m>
+                  <m:oMath xmlns:m="http://schemas.openxmlformats.org/officeDocument/2006/math">
+                    <m:r>
+                      <a:rPr lang="en-US" sz="2400" b="0" i="1" smtClean="0">
+                        <a:latin typeface="Cambria Math" panose="02040503050406030204" pitchFamily="18" charset="0"/>
+                      </a:rPr>
+                      <m:t>𝑓</m:t>
+                    </m:r>
+                    <m:r>
+                      <a:rPr lang="en-US" sz="2400" b="0" i="1" smtClean="0">
+                        <a:latin typeface="Cambria Math" panose="02040503050406030204" pitchFamily="18" charset="0"/>
+                      </a:rPr>
+                      <m:t>:</m:t>
+                    </m:r>
+                    <m:sSup>
+                      <m:sSupPr>
+                        <m:ctrlPr>
+                          <a:rPr lang="en-US" sz="2400" i="1">
+                            <a:latin typeface="Cambria Math" panose="02040503050406030204" pitchFamily="18" charset="0"/>
+                            <a:ea typeface="Cambria Math" panose="02040503050406030204" pitchFamily="18" charset="0"/>
+                          </a:rPr>
+                        </m:ctrlPr>
+                      </m:sSupPr>
+                      <m:e>
+                        <m:r>
+                          <a:rPr lang="en-US" sz="2400" i="1">
+                            <a:latin typeface="Cambria Math" panose="02040503050406030204" pitchFamily="18" charset="0"/>
+                            <a:ea typeface="Cambria Math" panose="02040503050406030204" pitchFamily="18" charset="0"/>
+                          </a:rPr>
+                          <m:t>ℝ</m:t>
+                        </m:r>
+                      </m:e>
+                      <m:sup>
+                        <m:r>
+                          <a:rPr lang="en-US" sz="2400" b="0" i="1" smtClean="0">
+                            <a:latin typeface="Cambria Math" panose="02040503050406030204" pitchFamily="18" charset="0"/>
+                            <a:ea typeface="Cambria Math" panose="02040503050406030204" pitchFamily="18" charset="0"/>
+                          </a:rPr>
+                          <m:t>𝑛</m:t>
+                        </m:r>
+                      </m:sup>
+                    </m:sSup>
+                    <m:r>
+                      <a:rPr lang="en-US" sz="2400" b="0" i="1" smtClean="0">
+                        <a:latin typeface="Cambria Math" panose="02040503050406030204" pitchFamily="18" charset="0"/>
+                        <a:ea typeface="Cambria Math" panose="02040503050406030204" pitchFamily="18" charset="0"/>
+                      </a:rPr>
+                      <m:t>×</m:t>
+                    </m:r>
+                    <m:sSup>
+                      <m:sSupPr>
+                        <m:ctrlPr>
+                          <a:rPr lang="en-US" sz="2400" i="1">
+                            <a:latin typeface="Cambria Math" panose="02040503050406030204" pitchFamily="18" charset="0"/>
+                            <a:ea typeface="Cambria Math" panose="02040503050406030204" pitchFamily="18" charset="0"/>
+                          </a:rPr>
+                        </m:ctrlPr>
+                      </m:sSupPr>
+                      <m:e>
+                        <m:r>
+                          <a:rPr lang="en-US" sz="2400" i="1">
+                            <a:latin typeface="Cambria Math" panose="02040503050406030204" pitchFamily="18" charset="0"/>
+                            <a:ea typeface="Cambria Math" panose="02040503050406030204" pitchFamily="18" charset="0"/>
+                          </a:rPr>
+                          <m:t>ℝ</m:t>
+                        </m:r>
+                      </m:e>
+                      <m:sup>
+                        <m:r>
+                          <a:rPr lang="en-US" sz="2400" i="1">
+                            <a:latin typeface="Cambria Math" panose="02040503050406030204" pitchFamily="18" charset="0"/>
+                            <a:ea typeface="Cambria Math" panose="02040503050406030204" pitchFamily="18" charset="0"/>
+                          </a:rPr>
+                          <m:t>𝑟</m:t>
+                        </m:r>
+                      </m:sup>
+                    </m:sSup>
+                    <m:r>
+                      <a:rPr lang="en-US" sz="2400" b="0" i="1" smtClean="0">
+                        <a:latin typeface="Cambria Math" panose="02040503050406030204" pitchFamily="18" charset="0"/>
+                        <a:ea typeface="Cambria Math" panose="02040503050406030204" pitchFamily="18" charset="0"/>
+                      </a:rPr>
+                      <m:t>×</m:t>
+                    </m:r>
+                    <m:r>
+                      <a:rPr lang="en-US" sz="2400" i="1">
+                        <a:latin typeface="Cambria Math" panose="02040503050406030204" pitchFamily="18" charset="0"/>
+                        <a:ea typeface="Cambria Math" panose="02040503050406030204" pitchFamily="18" charset="0"/>
+                      </a:rPr>
+                      <m:t>[</m:t>
+                    </m:r>
+                    <m:sSub>
+                      <m:sSubPr>
+                        <m:ctrlPr>
+                          <a:rPr lang="en-US" sz="2400" i="1">
+                            <a:latin typeface="Cambria Math" panose="02040503050406030204" pitchFamily="18" charset="0"/>
+                            <a:ea typeface="Cambria Math" panose="02040503050406030204" pitchFamily="18" charset="0"/>
+                          </a:rPr>
+                        </m:ctrlPr>
+                      </m:sSubPr>
+                      <m:e>
+                        <m:r>
+                          <a:rPr lang="en-US" sz="2400" i="1">
+                            <a:latin typeface="Cambria Math" panose="02040503050406030204" pitchFamily="18" charset="0"/>
+                            <a:ea typeface="Cambria Math" panose="02040503050406030204" pitchFamily="18" charset="0"/>
+                          </a:rPr>
+                          <m:t>𝑡</m:t>
+                        </m:r>
+                      </m:e>
+                      <m:sub>
+                        <m:r>
+                          <a:rPr lang="en-US" sz="2400" i="1">
+                            <a:latin typeface="Cambria Math" panose="02040503050406030204" pitchFamily="18" charset="0"/>
+                            <a:ea typeface="Cambria Math" panose="02040503050406030204" pitchFamily="18" charset="0"/>
+                          </a:rPr>
+                          <m:t>0</m:t>
+                        </m:r>
+                      </m:sub>
+                    </m:sSub>
+                    <m:r>
+                      <a:rPr lang="en-US" sz="2400" i="1">
+                        <a:latin typeface="Cambria Math" panose="02040503050406030204" pitchFamily="18" charset="0"/>
+                        <a:ea typeface="Cambria Math" panose="02040503050406030204" pitchFamily="18" charset="0"/>
+                      </a:rPr>
+                      <m:t>,</m:t>
+                    </m:r>
+                    <m:sSub>
+                      <m:sSubPr>
+                        <m:ctrlPr>
+                          <a:rPr lang="en-US" sz="2400" i="1">
+                            <a:latin typeface="Cambria Math" panose="02040503050406030204" pitchFamily="18" charset="0"/>
+                            <a:ea typeface="Cambria Math" panose="02040503050406030204" pitchFamily="18" charset="0"/>
+                          </a:rPr>
+                        </m:ctrlPr>
+                      </m:sSubPr>
+                      <m:e>
+                        <m:r>
+                          <a:rPr lang="en-US" sz="2400" i="1">
+                            <a:latin typeface="Cambria Math" panose="02040503050406030204" pitchFamily="18" charset="0"/>
+                            <a:ea typeface="Cambria Math" panose="02040503050406030204" pitchFamily="18" charset="0"/>
+                          </a:rPr>
+                          <m:t>𝑡</m:t>
+                        </m:r>
+                      </m:e>
+                      <m:sub>
+                        <m:r>
+                          <a:rPr lang="en-US" sz="2400" i="1">
+                            <a:latin typeface="Cambria Math" panose="02040503050406030204" pitchFamily="18" charset="0"/>
+                            <a:ea typeface="Cambria Math" panose="02040503050406030204" pitchFamily="18" charset="0"/>
+                          </a:rPr>
+                          <m:t>1</m:t>
+                        </m:r>
+                      </m:sub>
+                    </m:sSub>
+                    <m:r>
+                      <a:rPr lang="en-US" sz="2400" b="0" i="1" smtClean="0">
+                        <a:latin typeface="Cambria Math" panose="02040503050406030204" pitchFamily="18" charset="0"/>
+                        <a:ea typeface="Cambria Math" panose="02040503050406030204" pitchFamily="18" charset="0"/>
+                      </a:rPr>
+                      <m:t>]↦</m:t>
+                    </m:r>
+                    <m:sSup>
+                      <m:sSupPr>
+                        <m:ctrlPr>
+                          <a:rPr lang="en-US" sz="2400" i="1">
+                            <a:latin typeface="Cambria Math" panose="02040503050406030204" pitchFamily="18" charset="0"/>
+                            <a:ea typeface="Cambria Math" panose="02040503050406030204" pitchFamily="18" charset="0"/>
+                          </a:rPr>
+                        </m:ctrlPr>
+                      </m:sSupPr>
+                      <m:e>
+                        <m:r>
+                          <a:rPr lang="en-US" sz="2400" i="1">
+                            <a:latin typeface="Cambria Math" panose="02040503050406030204" pitchFamily="18" charset="0"/>
+                            <a:ea typeface="Cambria Math" panose="02040503050406030204" pitchFamily="18" charset="0"/>
+                          </a:rPr>
+                          <m:t>ℝ</m:t>
+                        </m:r>
+                      </m:e>
+                      <m:sup>
+                        <m:r>
+                          <a:rPr lang="en-US" sz="2400" i="1">
+                            <a:latin typeface="Cambria Math" panose="02040503050406030204" pitchFamily="18" charset="0"/>
+                            <a:ea typeface="Cambria Math" panose="02040503050406030204" pitchFamily="18" charset="0"/>
+                          </a:rPr>
+                          <m:t>𝑛</m:t>
+                        </m:r>
+                      </m:sup>
+                    </m:sSup>
+                  </m:oMath>
+                </a14:m>
+                <a:endParaRPr lang="en-US" sz="2400" dirty="0"/>
+              </a:p>
+              <a:p>
+                <a:pPr lvl="1"/>
+                <a:endParaRPr lang="en-US" sz="2400" dirty="0"/>
+              </a:p>
+              <a:p>
+                <a:pPr lvl="1"/>
+                <a:r>
+                  <a:rPr lang="en-US" sz="2400" dirty="0"/>
+                  <a:t>Typically, </a:t>
+                </a:r>
+                <a14:m>
+                  <m:oMath xmlns:m="http://schemas.openxmlformats.org/officeDocument/2006/math">
+                    <m:r>
+                      <a:rPr lang="en-US" sz="2400" i="1">
+                        <a:latin typeface="Cambria Math" panose="02040503050406030204" pitchFamily="18" charset="0"/>
+                      </a:rPr>
+                      <m:t>𝑓</m:t>
+                    </m:r>
+                  </m:oMath>
+                </a14:m>
+                <a:r>
+                  <a:rPr lang="en-US" sz="2400" dirty="0"/>
+                  <a:t> is a </a:t>
+                </a:r>
+                <a14:m>
+                  <m:oMath xmlns:m="http://schemas.openxmlformats.org/officeDocument/2006/math">
+                    <m:sSup>
+                      <m:sSupPr>
+                        <m:ctrlPr>
+                          <a:rPr lang="en-US" sz="2400" i="1" smtClean="0">
+                            <a:latin typeface="Cambria Math" panose="02040503050406030204" pitchFamily="18" charset="0"/>
+                          </a:rPr>
+                        </m:ctrlPr>
+                      </m:sSupPr>
+                      <m:e>
+                        <m:r>
+                          <a:rPr lang="en-US" sz="2400" b="0" i="1" smtClean="0">
+                            <a:latin typeface="Cambria Math" panose="02040503050406030204" pitchFamily="18" charset="0"/>
+                          </a:rPr>
+                          <m:t>𝐶</m:t>
+                        </m:r>
+                      </m:e>
+                      <m:sup>
+                        <m:r>
+                          <a:rPr lang="en-US" sz="2400" b="0" i="1" smtClean="0">
+                            <a:latin typeface="Cambria Math" panose="02040503050406030204" pitchFamily="18" charset="0"/>
+                          </a:rPr>
+                          <m:t>1</m:t>
+                        </m:r>
+                      </m:sup>
+                    </m:sSup>
+                  </m:oMath>
+                </a14:m>
+                <a:r>
+                  <a:rPr lang="en-US" sz="2400" dirty="0"/>
+                  <a:t> function</a:t>
+                </a:r>
+              </a:p>
+            </p:txBody>
+          </p:sp>
+        </mc:Choice>
+        <mc:Fallback>
+          <p:sp>
+            <p:nvSpPr>
+              <p:cNvPr id="5" name="TextBox 4">
+                <a:extLst>
+                  <a:ext uri="{FF2B5EF4-FFF2-40B4-BE49-F238E27FC236}">
+                    <a16:creationId xmlns:a16="http://schemas.microsoft.com/office/drawing/2014/main" id="{197A57CB-2B66-1A03-1DE5-5396E700BBB6}"/>
+                  </a:ext>
+                </a:extLst>
+              </p:cNvPr>
+              <p:cNvSpPr txBox="1">
+                <a:spLocks noRot="1" noChangeAspect="1" noMove="1" noResize="1" noEditPoints="1" noAdjustHandles="1" noChangeArrowheads="1" noChangeShapeType="1" noTextEdit="1"/>
+              </p:cNvSpPr>
+              <p:nvPr/>
+            </p:nvSpPr>
+            <p:spPr>
+              <a:xfrm>
+                <a:off x="-339768" y="1871283"/>
+                <a:ext cx="11897032" cy="2766848"/>
+              </a:xfrm>
+              <a:prstGeom prst="rect">
+                <a:avLst/>
+              </a:prstGeom>
+              <a:blipFill>
+                <a:blip r:embed="rId3"/>
+                <a:stretch>
+                  <a:fillRect t="-1762" b="-1101"/>
+                </a:stretch>
+              </a:blipFill>
+            </p:spPr>
+            <p:txBody>
+              <a:bodyPr/>
+              <a:lstStyle/>
+              <a:p>
+                <a:r>
+                  <a:rPr lang="en-US">
+                    <a:noFill/>
+                  </a:rPr>
+                  <a:t> </a:t>
+                </a:r>
+              </a:p>
+            </p:txBody>
+          </p:sp>
+        </mc:Fallback>
+      </mc:AlternateContent>
+      <mc:AlternateContent xmlns:mc="http://schemas.openxmlformats.org/markup-compatibility/2006">
+        <mc:Choice xmlns:a14="http://schemas.microsoft.com/office/drawing/2010/main" Requires="a14">
+          <p:sp>
+            <p:nvSpPr>
+              <p:cNvPr id="7" name="TextBox 6">
+                <a:extLst>
+                  <a:ext uri="{FF2B5EF4-FFF2-40B4-BE49-F238E27FC236}">
+                    <a16:creationId xmlns:a16="http://schemas.microsoft.com/office/drawing/2014/main" id="{F55D4AB2-B695-1DF1-967F-4EF88869FAD3}"/>
+                  </a:ext>
+                </a:extLst>
+              </p:cNvPr>
+              <p:cNvSpPr txBox="1"/>
+              <p:nvPr/>
+            </p:nvSpPr>
+            <p:spPr>
+              <a:xfrm>
+                <a:off x="3854785" y="5044408"/>
+                <a:ext cx="4014216" cy="461665"/>
+              </a:xfrm>
+              <a:prstGeom prst="rect">
+                <a:avLst/>
+              </a:prstGeom>
+              <a:noFill/>
+            </p:spPr>
+            <p:txBody>
+              <a:bodyPr wrap="square">
+                <a:spAutoFit/>
+              </a:bodyPr>
+              <a:lstStyle/>
+              <a:p>
+                <a:pPr lvl="1"/>
+                <a14:m>
+                  <m:oMathPara xmlns:m="http://schemas.openxmlformats.org/officeDocument/2006/math">
+                    <m:oMathParaPr>
+                      <m:jc m:val="centerGroup"/>
+                    </m:oMathParaPr>
+                    <m:oMath xmlns:m="http://schemas.openxmlformats.org/officeDocument/2006/math">
+                      <m:acc>
+                        <m:accPr>
+                          <m:chr m:val="̇"/>
+                          <m:ctrlPr>
+                            <a:rPr lang="en-US" sz="2400" i="1" smtClean="0">
+                              <a:latin typeface="Cambria Math" panose="02040503050406030204" pitchFamily="18" charset="0"/>
+                            </a:rPr>
+                          </m:ctrlPr>
+                        </m:accPr>
+                        <m:e>
+                          <m:r>
+                            <a:rPr lang="en-US" sz="2400" b="0" i="1" smtClean="0">
+                              <a:latin typeface="Cambria Math" panose="02040503050406030204" pitchFamily="18" charset="0"/>
+                            </a:rPr>
+                            <m:t>𝑥</m:t>
+                          </m:r>
+                        </m:e>
+                      </m:acc>
+                      <m:d>
+                        <m:dPr>
+                          <m:ctrlPr>
+                            <a:rPr lang="en-US" sz="2400" b="0" i="1" smtClean="0">
+                              <a:latin typeface="Cambria Math" panose="02040503050406030204" pitchFamily="18" charset="0"/>
+                            </a:rPr>
+                          </m:ctrlPr>
+                        </m:dPr>
+                        <m:e>
+                          <m:r>
+                            <a:rPr lang="en-US" sz="2400" b="0" i="1" smtClean="0">
+                              <a:latin typeface="Cambria Math" panose="02040503050406030204" pitchFamily="18" charset="0"/>
+                            </a:rPr>
+                            <m:t>𝑡</m:t>
+                          </m:r>
+                        </m:e>
+                      </m:d>
+                      <m:r>
+                        <a:rPr lang="en-US" sz="2400" b="0" i="1" smtClean="0">
+                          <a:latin typeface="Cambria Math" panose="02040503050406030204" pitchFamily="18" charset="0"/>
+                        </a:rPr>
+                        <m:t>=</m:t>
+                      </m:r>
+                      <m:r>
+                        <a:rPr lang="en-US" sz="2400" i="1">
+                          <a:latin typeface="Cambria Math" panose="02040503050406030204" pitchFamily="18" charset="0"/>
+                        </a:rPr>
+                        <m:t>𝐴𝑥</m:t>
+                      </m:r>
+                      <m:d>
+                        <m:dPr>
+                          <m:ctrlPr>
+                            <a:rPr lang="en-US" sz="2400" i="1">
+                              <a:latin typeface="Cambria Math" panose="02040503050406030204" pitchFamily="18" charset="0"/>
+                            </a:rPr>
+                          </m:ctrlPr>
+                        </m:dPr>
+                        <m:e>
+                          <m:r>
+                            <a:rPr lang="en-US" sz="2400" i="1">
+                              <a:latin typeface="Cambria Math" panose="02040503050406030204" pitchFamily="18" charset="0"/>
+                            </a:rPr>
+                            <m:t>𝑡</m:t>
+                          </m:r>
+                        </m:e>
+                      </m:d>
+                      <m:r>
+                        <a:rPr lang="en-US" sz="2400" b="0" i="1" smtClean="0">
+                          <a:latin typeface="Cambria Math" panose="02040503050406030204" pitchFamily="18" charset="0"/>
+                        </a:rPr>
+                        <m:t>+</m:t>
+                      </m:r>
+                      <m:r>
+                        <a:rPr lang="en-US" sz="2400" b="0" i="1" smtClean="0">
+                          <a:latin typeface="Cambria Math" panose="02040503050406030204" pitchFamily="18" charset="0"/>
+                        </a:rPr>
+                        <m:t>𝐵𝑢</m:t>
+                      </m:r>
+                      <m:d>
+                        <m:dPr>
+                          <m:ctrlPr>
+                            <a:rPr lang="en-US" sz="2400" i="1">
+                              <a:latin typeface="Cambria Math" panose="02040503050406030204" pitchFamily="18" charset="0"/>
+                            </a:rPr>
+                          </m:ctrlPr>
+                        </m:dPr>
+                        <m:e>
+                          <m:r>
+                            <a:rPr lang="en-US" sz="2400" i="1">
+                              <a:latin typeface="Cambria Math" panose="02040503050406030204" pitchFamily="18" charset="0"/>
+                            </a:rPr>
+                            <m:t>𝑡</m:t>
+                          </m:r>
+                        </m:e>
+                      </m:d>
+                    </m:oMath>
+                  </m:oMathPara>
+                </a14:m>
+                <a:endParaRPr lang="en-US" sz="2400" dirty="0"/>
+              </a:p>
+            </p:txBody>
+          </p:sp>
+        </mc:Choice>
+        <mc:Fallback>
+          <p:sp>
+            <p:nvSpPr>
+              <p:cNvPr id="7" name="TextBox 6">
+                <a:extLst>
+                  <a:ext uri="{FF2B5EF4-FFF2-40B4-BE49-F238E27FC236}">
+                    <a16:creationId xmlns:a16="http://schemas.microsoft.com/office/drawing/2014/main" id="{F55D4AB2-B695-1DF1-967F-4EF88869FAD3}"/>
+                  </a:ext>
+                </a:extLst>
+              </p:cNvPr>
+              <p:cNvSpPr txBox="1">
+                <a:spLocks noRot="1" noChangeAspect="1" noMove="1" noResize="1" noEditPoints="1" noAdjustHandles="1" noChangeArrowheads="1" noChangeShapeType="1" noTextEdit="1"/>
+              </p:cNvSpPr>
+              <p:nvPr/>
+            </p:nvSpPr>
+            <p:spPr>
+              <a:xfrm>
+                <a:off x="3854785" y="5044408"/>
+                <a:ext cx="4014216" cy="461665"/>
+              </a:xfrm>
+              <a:prstGeom prst="rect">
+                <a:avLst/>
+              </a:prstGeom>
+              <a:blipFill>
+                <a:blip r:embed="rId4"/>
+                <a:stretch>
+                  <a:fillRect/>
+                </a:stretch>
+              </a:blipFill>
+            </p:spPr>
+            <p:txBody>
+              <a:bodyPr/>
+              <a:lstStyle/>
+              <a:p>
+                <a:r>
+                  <a:rPr lang="en-US">
+                    <a:noFill/>
+                  </a:rPr>
+                  <a:t> </a:t>
+                </a:r>
+              </a:p>
+            </p:txBody>
+          </p:sp>
+        </mc:Fallback>
+      </mc:AlternateContent>
+      <p:sp>
+        <p:nvSpPr>
+          <p:cNvPr id="9" name="TextBox 8">
+            <a:extLst>
+              <a:ext uri="{FF2B5EF4-FFF2-40B4-BE49-F238E27FC236}">
+                <a16:creationId xmlns:a16="http://schemas.microsoft.com/office/drawing/2014/main" id="{075F3FA5-F29A-8C98-DD3C-ADCF58D3D50D}"/>
+              </a:ext>
+            </a:extLst>
+          </p:cNvPr>
+          <p:cNvSpPr txBox="1"/>
+          <p:nvPr/>
+        </p:nvSpPr>
+        <p:spPr>
+          <a:xfrm>
+            <a:off x="-339768" y="5044408"/>
+            <a:ext cx="6272784" cy="461665"/>
+          </a:xfrm>
+          <a:prstGeom prst="rect">
+            <a:avLst/>
+          </a:prstGeom>
+          <a:noFill/>
+        </p:spPr>
+        <p:txBody>
+          <a:bodyPr wrap="square">
+            <a:spAutoFit/>
+          </a:bodyPr>
+          <a:lstStyle/>
+          <a:p>
+            <a:pPr lvl="1"/>
+            <a:r>
+              <a:rPr lang="en-US" sz="2400" dirty="0"/>
+              <a:t>The Linear Autonomous case:</a:t>
+            </a:r>
+          </a:p>
+        </p:txBody>
+      </p:sp>
+      <mc:AlternateContent xmlns:mc="http://schemas.openxmlformats.org/markup-compatibility/2006">
+        <mc:Choice xmlns:a14="http://schemas.microsoft.com/office/drawing/2010/main" Requires="a14">
+          <p:sp>
+            <p:nvSpPr>
+              <p:cNvPr id="10" name="TextBox 9">
+                <a:extLst>
+                  <a:ext uri="{FF2B5EF4-FFF2-40B4-BE49-F238E27FC236}">
+                    <a16:creationId xmlns:a16="http://schemas.microsoft.com/office/drawing/2014/main" id="{A9FEAD94-C881-1323-FE55-6886DD8B5DB4}"/>
+                  </a:ext>
+                </a:extLst>
+              </p:cNvPr>
+              <p:cNvSpPr txBox="1"/>
+              <p:nvPr/>
+            </p:nvSpPr>
+            <p:spPr>
+              <a:xfrm>
+                <a:off x="7040880" y="5044407"/>
+                <a:ext cx="4096512" cy="461665"/>
+              </a:xfrm>
+              <a:prstGeom prst="rect">
+                <a:avLst/>
+              </a:prstGeom>
+              <a:noFill/>
+            </p:spPr>
+            <p:txBody>
+              <a:bodyPr wrap="square">
+                <a:spAutoFit/>
+              </a:bodyPr>
+              <a:lstStyle/>
+              <a:p>
+                <a:pPr lvl="1"/>
+                <a:r>
+                  <a:rPr lang="en-US" sz="2400" dirty="0"/>
+                  <a:t>where </a:t>
+                </a:r>
+                <a14:m>
+                  <m:oMath xmlns:m="http://schemas.openxmlformats.org/officeDocument/2006/math">
+                    <m:r>
+                      <a:rPr lang="en-US" sz="2400" b="0" i="1" smtClean="0">
+                        <a:latin typeface="Cambria Math" panose="02040503050406030204" pitchFamily="18" charset="0"/>
+                      </a:rPr>
+                      <m:t>𝐴</m:t>
+                    </m:r>
+                    <m:r>
+                      <a:rPr lang="en-US" sz="2400" b="0" i="1" smtClean="0">
+                        <a:latin typeface="Cambria Math" panose="02040503050406030204" pitchFamily="18" charset="0"/>
+                      </a:rPr>
+                      <m:t>,</m:t>
+                    </m:r>
+                    <m:r>
+                      <a:rPr lang="en-US" sz="2400" b="0" i="1" smtClean="0">
+                        <a:latin typeface="Cambria Math" panose="02040503050406030204" pitchFamily="18" charset="0"/>
+                      </a:rPr>
+                      <m:t>𝐵</m:t>
+                    </m:r>
+                  </m:oMath>
+                </a14:m>
+                <a:r>
+                  <a:rPr lang="en-US" sz="2400" dirty="0"/>
+                  <a:t> are matrices</a:t>
+                </a:r>
+              </a:p>
+            </p:txBody>
+          </p:sp>
+        </mc:Choice>
+        <mc:Fallback>
+          <p:sp>
+            <p:nvSpPr>
+              <p:cNvPr id="10" name="TextBox 9">
+                <a:extLst>
+                  <a:ext uri="{FF2B5EF4-FFF2-40B4-BE49-F238E27FC236}">
+                    <a16:creationId xmlns:a16="http://schemas.microsoft.com/office/drawing/2014/main" id="{A9FEAD94-C881-1323-FE55-6886DD8B5DB4}"/>
+                  </a:ext>
+                </a:extLst>
+              </p:cNvPr>
+              <p:cNvSpPr txBox="1">
+                <a:spLocks noRot="1" noChangeAspect="1" noMove="1" noResize="1" noEditPoints="1" noAdjustHandles="1" noChangeArrowheads="1" noChangeShapeType="1" noTextEdit="1"/>
+              </p:cNvSpPr>
+              <p:nvPr/>
+            </p:nvSpPr>
+            <p:spPr>
+              <a:xfrm>
+                <a:off x="7040880" y="5044407"/>
+                <a:ext cx="4096512" cy="461665"/>
+              </a:xfrm>
+              <a:prstGeom prst="rect">
+                <a:avLst/>
+              </a:prstGeom>
+              <a:blipFill>
+                <a:blip r:embed="rId5"/>
+                <a:stretch>
+                  <a:fillRect t="-10526" b="-28947"/>
+                </a:stretch>
+              </a:blipFill>
+            </p:spPr>
+            <p:txBody>
+              <a:bodyPr/>
+              <a:lstStyle/>
+              <a:p>
+                <a:r>
+                  <a:rPr lang="en-US">
+                    <a:noFill/>
+                  </a:rPr>
+                  <a:t> </a:t>
+                </a:r>
+              </a:p>
+            </p:txBody>
+          </p:sp>
+        </mc:Fallback>
+      </mc:AlternateContent>
+      <p:sp>
+        <p:nvSpPr>
+          <p:cNvPr id="11" name="TextBox 10">
+            <a:extLst>
+              <a:ext uri="{FF2B5EF4-FFF2-40B4-BE49-F238E27FC236}">
+                <a16:creationId xmlns:a16="http://schemas.microsoft.com/office/drawing/2014/main" id="{4DE2CB55-069F-9232-14B3-9F322B493D17}"/>
+              </a:ext>
+            </a:extLst>
+          </p:cNvPr>
+          <p:cNvSpPr txBox="1"/>
+          <p:nvPr/>
+        </p:nvSpPr>
+        <p:spPr>
+          <a:xfrm>
+            <a:off x="102108" y="5506072"/>
+            <a:ext cx="2229612" cy="461665"/>
+          </a:xfrm>
+          <a:prstGeom prst="rect">
+            <a:avLst/>
+          </a:prstGeom>
+          <a:noFill/>
+        </p:spPr>
+        <p:txBody>
+          <a:bodyPr wrap="square">
+            <a:spAutoFit/>
+          </a:bodyPr>
+          <a:lstStyle/>
+          <a:p>
+            <a:pPr lvl="1"/>
+            <a:r>
+              <a:rPr lang="en-US" sz="2400" b="1" dirty="0"/>
+              <a:t>example:</a:t>
+            </a:r>
+          </a:p>
+        </p:txBody>
+      </p:sp>
+      <p:sp>
+        <p:nvSpPr>
+          <p:cNvPr id="12" name="TextBox 11">
+            <a:extLst>
+              <a:ext uri="{FF2B5EF4-FFF2-40B4-BE49-F238E27FC236}">
+                <a16:creationId xmlns:a16="http://schemas.microsoft.com/office/drawing/2014/main" id="{B9CD5F60-2568-45F9-7E1A-07182F0CB7A4}"/>
+              </a:ext>
+            </a:extLst>
+          </p:cNvPr>
+          <p:cNvSpPr txBox="1"/>
+          <p:nvPr/>
+        </p:nvSpPr>
+        <p:spPr>
+          <a:xfrm>
+            <a:off x="1596216" y="5506072"/>
+            <a:ext cx="6642527" cy="461665"/>
+          </a:xfrm>
+          <a:prstGeom prst="rect">
+            <a:avLst/>
+          </a:prstGeom>
+          <a:noFill/>
+        </p:spPr>
+        <p:txBody>
+          <a:bodyPr wrap="square">
+            <a:spAutoFit/>
+          </a:bodyPr>
+          <a:lstStyle/>
+          <a:p>
+            <a:pPr lvl="1"/>
+            <a:r>
+              <a:rPr lang="en-US" sz="2400" dirty="0"/>
+              <a:t>Fighting exponential decay (forgetting curve)</a:t>
+            </a:r>
+          </a:p>
+        </p:txBody>
+      </p:sp>
+      <mc:AlternateContent xmlns:mc="http://schemas.openxmlformats.org/markup-compatibility/2006">
+        <mc:Choice xmlns:a14="http://schemas.microsoft.com/office/drawing/2010/main" Requires="a14">
+          <p:sp>
+            <p:nvSpPr>
+              <p:cNvPr id="13" name="TextBox 12">
+                <a:extLst>
+                  <a:ext uri="{FF2B5EF4-FFF2-40B4-BE49-F238E27FC236}">
+                    <a16:creationId xmlns:a16="http://schemas.microsoft.com/office/drawing/2014/main" id="{1E784ECB-84B5-AE51-5698-DE29E3DC8E2F}"/>
+                  </a:ext>
+                </a:extLst>
+              </p:cNvPr>
+              <p:cNvSpPr txBox="1"/>
+              <p:nvPr/>
+            </p:nvSpPr>
+            <p:spPr>
+              <a:xfrm>
+                <a:off x="934801" y="5967737"/>
+                <a:ext cx="4014216" cy="461665"/>
+              </a:xfrm>
+              <a:prstGeom prst="rect">
+                <a:avLst/>
+              </a:prstGeom>
+              <a:noFill/>
+            </p:spPr>
+            <p:txBody>
+              <a:bodyPr wrap="square">
+                <a:spAutoFit/>
+              </a:bodyPr>
+              <a:lstStyle/>
+              <a:p>
+                <a:pPr lvl="1"/>
+                <a14:m>
+                  <m:oMathPara xmlns:m="http://schemas.openxmlformats.org/officeDocument/2006/math">
+                    <m:oMathParaPr>
+                      <m:jc m:val="centerGroup"/>
+                    </m:oMathParaPr>
+                    <m:oMath xmlns:m="http://schemas.openxmlformats.org/officeDocument/2006/math">
+                      <m:acc>
+                        <m:accPr>
+                          <m:chr m:val="̇"/>
+                          <m:ctrlPr>
+                            <a:rPr lang="en-US" sz="2400" i="1" smtClean="0">
+                              <a:latin typeface="Cambria Math" panose="02040503050406030204" pitchFamily="18" charset="0"/>
+                            </a:rPr>
+                          </m:ctrlPr>
+                        </m:accPr>
+                        <m:e>
+                          <m:r>
+                            <a:rPr lang="en-US" sz="2400" b="0" i="1" smtClean="0">
+                              <a:latin typeface="Cambria Math" panose="02040503050406030204" pitchFamily="18" charset="0"/>
+                            </a:rPr>
+                            <m:t>𝑥</m:t>
+                          </m:r>
+                        </m:e>
+                      </m:acc>
+                      <m:d>
+                        <m:dPr>
+                          <m:ctrlPr>
+                            <a:rPr lang="en-US" sz="2400" b="0" i="1" smtClean="0">
+                              <a:latin typeface="Cambria Math" panose="02040503050406030204" pitchFamily="18" charset="0"/>
+                            </a:rPr>
+                          </m:ctrlPr>
+                        </m:dPr>
+                        <m:e>
+                          <m:r>
+                            <a:rPr lang="en-US" sz="2400" b="0" i="1" smtClean="0">
+                              <a:latin typeface="Cambria Math" panose="02040503050406030204" pitchFamily="18" charset="0"/>
+                            </a:rPr>
+                            <m:t>𝑡</m:t>
+                          </m:r>
+                        </m:e>
+                      </m:d>
+                      <m:r>
+                        <a:rPr lang="en-US" sz="2400" b="0" i="1" smtClean="0">
+                          <a:latin typeface="Cambria Math" panose="02040503050406030204" pitchFamily="18" charset="0"/>
+                        </a:rPr>
+                        <m:t>=</m:t>
+                      </m:r>
+                      <m:r>
+                        <a:rPr lang="en-US" sz="2400" b="0" i="1" smtClean="0">
+                          <a:latin typeface="Cambria Math" panose="02040503050406030204" pitchFamily="18" charset="0"/>
+                        </a:rPr>
+                        <m:t>−</m:t>
+                      </m:r>
+                      <m:r>
+                        <a:rPr lang="en-US" sz="2400" b="0" i="1" smtClean="0">
+                          <a:latin typeface="Cambria Math" panose="02040503050406030204" pitchFamily="18" charset="0"/>
+                        </a:rPr>
+                        <m:t>𝑟𝑥</m:t>
+                      </m:r>
+                      <m:d>
+                        <m:dPr>
+                          <m:ctrlPr>
+                            <a:rPr lang="en-US" sz="2400" i="1">
+                              <a:latin typeface="Cambria Math" panose="02040503050406030204" pitchFamily="18" charset="0"/>
+                            </a:rPr>
+                          </m:ctrlPr>
+                        </m:dPr>
+                        <m:e>
+                          <m:r>
+                            <a:rPr lang="en-US" sz="2400" i="1">
+                              <a:latin typeface="Cambria Math" panose="02040503050406030204" pitchFamily="18" charset="0"/>
+                            </a:rPr>
+                            <m:t>𝑡</m:t>
+                          </m:r>
+                        </m:e>
+                      </m:d>
+                      <m:r>
+                        <a:rPr lang="en-US" sz="2400" b="0" i="1" smtClean="0">
+                          <a:latin typeface="Cambria Math" panose="02040503050406030204" pitchFamily="18" charset="0"/>
+                        </a:rPr>
+                        <m:t>+</m:t>
+                      </m:r>
+                      <m:r>
+                        <a:rPr lang="en-US" sz="2400" b="0" i="1" smtClean="0">
+                          <a:latin typeface="Cambria Math" panose="02040503050406030204" pitchFamily="18" charset="0"/>
+                        </a:rPr>
+                        <m:t>𝑢</m:t>
+                      </m:r>
+                      <m:d>
+                        <m:dPr>
+                          <m:ctrlPr>
+                            <a:rPr lang="en-US" sz="2400" i="1">
+                              <a:latin typeface="Cambria Math" panose="02040503050406030204" pitchFamily="18" charset="0"/>
+                            </a:rPr>
+                          </m:ctrlPr>
+                        </m:dPr>
+                        <m:e>
+                          <m:r>
+                            <a:rPr lang="en-US" sz="2400" i="1">
+                              <a:latin typeface="Cambria Math" panose="02040503050406030204" pitchFamily="18" charset="0"/>
+                            </a:rPr>
+                            <m:t>𝑡</m:t>
+                          </m:r>
+                        </m:e>
+                      </m:d>
+                    </m:oMath>
+                  </m:oMathPara>
+                </a14:m>
+                <a:endParaRPr lang="en-US" sz="2400" dirty="0"/>
+              </a:p>
+            </p:txBody>
+          </p:sp>
+        </mc:Choice>
+        <mc:Fallback>
+          <p:sp>
+            <p:nvSpPr>
+              <p:cNvPr id="13" name="TextBox 12">
+                <a:extLst>
+                  <a:ext uri="{FF2B5EF4-FFF2-40B4-BE49-F238E27FC236}">
+                    <a16:creationId xmlns:a16="http://schemas.microsoft.com/office/drawing/2014/main" id="{1E784ECB-84B5-AE51-5698-DE29E3DC8E2F}"/>
+                  </a:ext>
+                </a:extLst>
+              </p:cNvPr>
+              <p:cNvSpPr txBox="1">
+                <a:spLocks noRot="1" noChangeAspect="1" noMove="1" noResize="1" noEditPoints="1" noAdjustHandles="1" noChangeArrowheads="1" noChangeShapeType="1" noTextEdit="1"/>
+              </p:cNvSpPr>
+              <p:nvPr/>
+            </p:nvSpPr>
+            <p:spPr>
+              <a:xfrm>
+                <a:off x="934801" y="5967737"/>
+                <a:ext cx="4014216" cy="461665"/>
+              </a:xfrm>
+              <a:prstGeom prst="rect">
+                <a:avLst/>
+              </a:prstGeom>
+              <a:blipFill>
+                <a:blip r:embed="rId6"/>
+                <a:stretch>
+                  <a:fillRect/>
+                </a:stretch>
+              </a:blipFill>
+            </p:spPr>
+            <p:txBody>
+              <a:bodyPr/>
+              <a:lstStyle/>
+              <a:p>
+                <a:r>
+                  <a:rPr lang="en-US">
+                    <a:noFill/>
+                  </a:rPr>
+                  <a:t> </a:t>
+                </a:r>
+              </a:p>
+            </p:txBody>
+          </p:sp>
+        </mc:Fallback>
+      </mc:AlternateContent>
+      <mc:AlternateContent xmlns:mc="http://schemas.openxmlformats.org/markup-compatibility/2006">
+        <mc:Choice xmlns:a14="http://schemas.microsoft.com/office/drawing/2010/main" Requires="a14">
+          <p:sp>
+            <p:nvSpPr>
+              <p:cNvPr id="14" name="TextBox 13">
+                <a:extLst>
+                  <a:ext uri="{FF2B5EF4-FFF2-40B4-BE49-F238E27FC236}">
+                    <a16:creationId xmlns:a16="http://schemas.microsoft.com/office/drawing/2014/main" id="{3CF2B71C-4EE8-52EA-9C7C-63C669683EB1}"/>
+                  </a:ext>
+                </a:extLst>
+              </p:cNvPr>
+              <p:cNvSpPr txBox="1"/>
+              <p:nvPr/>
+            </p:nvSpPr>
+            <p:spPr>
+              <a:xfrm>
+                <a:off x="4047744" y="5973225"/>
+                <a:ext cx="4096512" cy="461665"/>
+              </a:xfrm>
+              <a:prstGeom prst="rect">
+                <a:avLst/>
+              </a:prstGeom>
+              <a:noFill/>
+            </p:spPr>
+            <p:txBody>
+              <a:bodyPr wrap="square">
+                <a:spAutoFit/>
+              </a:bodyPr>
+              <a:lstStyle/>
+              <a:p>
+                <a:pPr lvl="1"/>
+                <a:r>
+                  <a:rPr lang="en-US" sz="2400" dirty="0"/>
+                  <a:t>where </a:t>
+                </a:r>
+                <a14:m>
+                  <m:oMath xmlns:m="http://schemas.openxmlformats.org/officeDocument/2006/math">
+                    <m:r>
+                      <a:rPr lang="en-US" sz="2400" b="0" i="1" smtClean="0">
+                        <a:latin typeface="Cambria Math" panose="02040503050406030204" pitchFamily="18" charset="0"/>
+                      </a:rPr>
+                      <m:t>𝑟</m:t>
+                    </m:r>
+                    <m:r>
+                      <a:rPr lang="en-US" sz="2400" b="0" i="1" smtClean="0">
+                        <a:latin typeface="Cambria Math" panose="02040503050406030204" pitchFamily="18" charset="0"/>
+                      </a:rPr>
+                      <m:t>&gt;0,</m:t>
+                    </m:r>
+                    <m:r>
+                      <a:rPr lang="en-US" sz="2400" b="0" i="1" smtClean="0">
+                        <a:latin typeface="Cambria Math" panose="02040503050406030204" pitchFamily="18" charset="0"/>
+                      </a:rPr>
+                      <m:t>𝑢</m:t>
+                    </m:r>
+                    <m:d>
+                      <m:dPr>
+                        <m:ctrlPr>
+                          <a:rPr lang="en-US" sz="2400" b="0" i="1" smtClean="0">
+                            <a:latin typeface="Cambria Math" panose="02040503050406030204" pitchFamily="18" charset="0"/>
+                          </a:rPr>
+                        </m:ctrlPr>
+                      </m:dPr>
+                      <m:e>
+                        <m:r>
+                          <a:rPr lang="en-US" sz="2400" b="0" i="1" smtClean="0">
+                            <a:latin typeface="Cambria Math" panose="02040503050406030204" pitchFamily="18" charset="0"/>
+                          </a:rPr>
+                          <m:t>𝑡</m:t>
+                        </m:r>
+                      </m:e>
+                    </m:d>
+                    <m:r>
+                      <a:rPr lang="en-US" sz="2400" b="0" i="1" smtClean="0">
+                        <a:latin typeface="Cambria Math" panose="02040503050406030204" pitchFamily="18" charset="0"/>
+                      </a:rPr>
+                      <m:t>&gt;0</m:t>
+                    </m:r>
+                  </m:oMath>
+                </a14:m>
+                <a:r>
+                  <a:rPr lang="en-US" sz="2400" dirty="0"/>
+                  <a:t> </a:t>
+                </a:r>
+              </a:p>
+            </p:txBody>
+          </p:sp>
+        </mc:Choice>
+        <mc:Fallback>
+          <p:sp>
+            <p:nvSpPr>
+              <p:cNvPr id="14" name="TextBox 13">
+                <a:extLst>
+                  <a:ext uri="{FF2B5EF4-FFF2-40B4-BE49-F238E27FC236}">
+                    <a16:creationId xmlns:a16="http://schemas.microsoft.com/office/drawing/2014/main" id="{3CF2B71C-4EE8-52EA-9C7C-63C669683EB1}"/>
+                  </a:ext>
+                </a:extLst>
+              </p:cNvPr>
+              <p:cNvSpPr txBox="1">
+                <a:spLocks noRot="1" noChangeAspect="1" noMove="1" noResize="1" noEditPoints="1" noAdjustHandles="1" noChangeArrowheads="1" noChangeShapeType="1" noTextEdit="1"/>
+              </p:cNvSpPr>
+              <p:nvPr/>
+            </p:nvSpPr>
+            <p:spPr>
+              <a:xfrm>
+                <a:off x="4047744" y="5973225"/>
+                <a:ext cx="4096512" cy="461665"/>
+              </a:xfrm>
+              <a:prstGeom prst="rect">
+                <a:avLst/>
+              </a:prstGeom>
+              <a:blipFill>
+                <a:blip r:embed="rId7"/>
+                <a:stretch>
+                  <a:fillRect t="-10526" b="-28947"/>
+                </a:stretch>
+              </a:blipFill>
+            </p:spPr>
+            <p:txBody>
+              <a:bodyPr/>
+              <a:lstStyle/>
+              <a:p>
+                <a:r>
+                  <a:rPr lang="en-US">
+                    <a:noFill/>
+                  </a:rPr>
+                  <a:t> </a:t>
+                </a:r>
+              </a:p>
+            </p:txBody>
+          </p:sp>
+        </mc:Fallback>
+      </mc:AlternateContent>
+    </p:spTree>
+    <p:extLst>
+      <p:ext uri="{BB962C8B-B14F-4D97-AF65-F5344CB8AC3E}">
+        <p14:creationId xmlns:p14="http://schemas.microsoft.com/office/powerpoint/2010/main" val="1375293015"/>
+      </p:ext>
+    </p:extLst>
+  </p:cSld>
+  <p:clrMapOvr>
+    <a:masterClrMapping/>
+  </p:clrMapOvr>
+</p:sld>
+</file>
+
+<file path=ppt/slides/slide6.xml><?xml version="1.0" encoding="utf-8"?>
 <p:sld xmlns:a="http://schemas.openxmlformats.org/drawingml/2006/main" xmlns:r="http://schemas.openxmlformats.org/officeDocument/2006/relationships" xmlns:p="http://schemas.openxmlformats.org/presentationml/2006/main">
   <p:cSld>
     <p:spTree>
@@ -6393,7 +8998,7 @@
                 <a:pPr lvl="1"/>
                 <a:r>
                   <a:rPr lang="en-US" sz="2400" dirty="0"/>
-                  <a:t>The objective functional is generally of the following form:</a:t>
+                  <a:t>The cost functional is generally of the following form:</a:t>
                 </a:r>
               </a:p>
               <a:p>
@@ -7053,6 +9658,2264 @@
 </p:sld>
 </file>
 
+<file path=ppt/slides/slide7.xml><?xml version="1.0" encoding="utf-8"?>
+<p:sld xmlns:a="http://schemas.openxmlformats.org/drawingml/2006/main" xmlns:r="http://schemas.openxmlformats.org/officeDocument/2006/relationships" xmlns:p="http://schemas.openxmlformats.org/presentationml/2006/main">
+  <p:cSld>
+    <p:spTree>
+      <p:nvGrpSpPr>
+        <p:cNvPr id="1" name="">
+          <a:extLst>
+            <a:ext uri="{FF2B5EF4-FFF2-40B4-BE49-F238E27FC236}">
+              <a16:creationId xmlns:a16="http://schemas.microsoft.com/office/drawing/2014/main" id="{A9DB0EA0-4E77-3D26-9331-B2711ECF526D}"/>
+            </a:ext>
+          </a:extLst>
+        </p:cNvPr>
+        <p:cNvGrpSpPr/>
+        <p:nvPr/>
+      </p:nvGrpSpPr>
+      <p:grpSpPr>
+        <a:xfrm>
+          <a:off x="0" y="0"/>
+          <a:ext cx="0" cy="0"/>
+          <a:chOff x="0" y="0"/>
+          <a:chExt cx="0" cy="0"/>
+        </a:xfrm>
+      </p:grpSpPr>
+      <p:sp>
+        <p:nvSpPr>
+          <p:cNvPr id="2" name="Rectangle 1">
+            <a:extLst>
+              <a:ext uri="{FF2B5EF4-FFF2-40B4-BE49-F238E27FC236}">
+                <a16:creationId xmlns:a16="http://schemas.microsoft.com/office/drawing/2014/main" id="{99A5BF04-CEEB-1F33-0440-79BDECD72E36}"/>
+              </a:ext>
+            </a:extLst>
+          </p:cNvPr>
+          <p:cNvSpPr/>
+          <p:nvPr/>
+        </p:nvSpPr>
+        <p:spPr>
+          <a:xfrm>
+            <a:off x="4916" y="0"/>
+            <a:ext cx="12192000" cy="1465006"/>
+          </a:xfrm>
+          <a:prstGeom prst="rect">
+            <a:avLst/>
+          </a:prstGeom>
+          <a:solidFill>
+            <a:srgbClr val="064EA1"/>
+          </a:solidFill>
+        </p:spPr>
+        <p:style>
+          <a:lnRef idx="2">
+            <a:schemeClr val="accent1">
+              <a:shade val="15000"/>
+            </a:schemeClr>
+          </a:lnRef>
+          <a:fillRef idx="1">
+            <a:schemeClr val="accent1"/>
+          </a:fillRef>
+          <a:effectRef idx="0">
+            <a:schemeClr val="accent1"/>
+          </a:effectRef>
+          <a:fontRef idx="minor">
+            <a:schemeClr val="lt1"/>
+          </a:fontRef>
+        </p:style>
+        <p:txBody>
+          <a:bodyPr rtlCol="0" anchor="ctr"/>
+          <a:lstStyle/>
+          <a:p>
+            <a:pPr algn="ctr"/>
+            <a:endParaRPr lang="en-US"/>
+          </a:p>
+        </p:txBody>
+      </p:sp>
+      <p:sp>
+        <p:nvSpPr>
+          <p:cNvPr id="3" name="Rectangle 2">
+            <a:extLst>
+              <a:ext uri="{FF2B5EF4-FFF2-40B4-BE49-F238E27FC236}">
+                <a16:creationId xmlns:a16="http://schemas.microsoft.com/office/drawing/2014/main" id="{003775EE-8008-5B89-6776-80EE6771189D}"/>
+              </a:ext>
+            </a:extLst>
+          </p:cNvPr>
+          <p:cNvSpPr/>
+          <p:nvPr/>
+        </p:nvSpPr>
+        <p:spPr>
+          <a:xfrm>
+            <a:off x="0" y="1465007"/>
+            <a:ext cx="12192000" cy="245806"/>
+          </a:xfrm>
+          <a:prstGeom prst="rect">
+            <a:avLst/>
+          </a:prstGeom>
+          <a:solidFill>
+            <a:srgbClr val="FBDB0E"/>
+          </a:solidFill>
+          <a:ln>
+            <a:solidFill>
+              <a:srgbClr val="FBDB0E"/>
+            </a:solidFill>
+          </a:ln>
+        </p:spPr>
+        <p:style>
+          <a:lnRef idx="2">
+            <a:schemeClr val="accent1">
+              <a:shade val="15000"/>
+            </a:schemeClr>
+          </a:lnRef>
+          <a:fillRef idx="1">
+            <a:schemeClr val="accent1"/>
+          </a:fillRef>
+          <a:effectRef idx="0">
+            <a:schemeClr val="accent1"/>
+          </a:effectRef>
+          <a:fontRef idx="minor">
+            <a:schemeClr val="lt1"/>
+          </a:fontRef>
+        </p:style>
+        <p:txBody>
+          <a:bodyPr rtlCol="0" anchor="ctr"/>
+          <a:lstStyle/>
+          <a:p>
+            <a:pPr algn="ctr"/>
+            <a:endParaRPr lang="en-US"/>
+          </a:p>
+        </p:txBody>
+      </p:sp>
+      <p:sp>
+        <p:nvSpPr>
+          <p:cNvPr id="4" name="TextBox 3">
+            <a:extLst>
+              <a:ext uri="{FF2B5EF4-FFF2-40B4-BE49-F238E27FC236}">
+                <a16:creationId xmlns:a16="http://schemas.microsoft.com/office/drawing/2014/main" id="{58B0AA68-E926-C6FB-58EF-AE817EE519DD}"/>
+              </a:ext>
+            </a:extLst>
+          </p:cNvPr>
+          <p:cNvSpPr txBox="1"/>
+          <p:nvPr/>
+        </p:nvSpPr>
+        <p:spPr>
+          <a:xfrm>
+            <a:off x="3475703" y="136747"/>
+            <a:ext cx="5240594" cy="1261884"/>
+          </a:xfrm>
+          <a:prstGeom prst="rect">
+            <a:avLst/>
+          </a:prstGeom>
+          <a:noFill/>
+        </p:spPr>
+        <p:txBody>
+          <a:bodyPr wrap="square" rtlCol="0">
+            <a:spAutoFit/>
+          </a:bodyPr>
+          <a:lstStyle/>
+          <a:p>
+            <a:pPr algn="ctr"/>
+            <a:r>
+              <a:rPr lang="en-US" sz="4000" b="1" dirty="0">
+                <a:solidFill>
+                  <a:schemeClr val="bg1"/>
+                </a:solidFill>
+              </a:rPr>
+              <a:t>Control Problem</a:t>
+            </a:r>
+          </a:p>
+          <a:p>
+            <a:pPr algn="ctr"/>
+            <a:r>
+              <a:rPr lang="en-US" sz="3600" b="1" dirty="0">
+                <a:solidFill>
+                  <a:schemeClr val="bg1"/>
+                </a:solidFill>
+              </a:rPr>
+              <a:t>Missile Interception</a:t>
+            </a:r>
+          </a:p>
+        </p:txBody>
+      </p:sp>
+      <mc:AlternateContent xmlns:mc="http://schemas.openxmlformats.org/markup-compatibility/2006">
+        <mc:Choice xmlns:a14="http://schemas.microsoft.com/office/drawing/2010/main" Requires="a14">
+          <p:sp>
+            <p:nvSpPr>
+              <p:cNvPr id="5" name="TextBox 4">
+                <a:extLst>
+                  <a:ext uri="{FF2B5EF4-FFF2-40B4-BE49-F238E27FC236}">
+                    <a16:creationId xmlns:a16="http://schemas.microsoft.com/office/drawing/2014/main" id="{D9E6BE8D-AF73-D33B-6FEB-9BD41ACD2A96}"/>
+                  </a:ext>
+                </a:extLst>
+              </p:cNvPr>
+              <p:cNvSpPr txBox="1"/>
+              <p:nvPr/>
+            </p:nvSpPr>
+            <p:spPr>
+              <a:xfrm>
+                <a:off x="-163967" y="2405208"/>
+                <a:ext cx="11897032" cy="805670"/>
+              </a:xfrm>
+              <a:prstGeom prst="rect">
+                <a:avLst/>
+              </a:prstGeom>
+              <a:noFill/>
+            </p:spPr>
+            <p:txBody>
+              <a:bodyPr wrap="square" rtlCol="0">
+                <a:spAutoFit/>
+              </a:bodyPr>
+              <a:lstStyle/>
+              <a:p>
+                <a:pPr lvl="1"/>
+                <a:r>
+                  <a:rPr lang="en-US" sz="2400" dirty="0"/>
+                  <a:t>Interceptor state: </a:t>
+                </a:r>
+                <a14:m>
+                  <m:oMath xmlns:m="http://schemas.openxmlformats.org/officeDocument/2006/math">
+                    <m:r>
+                      <a:rPr lang="en-US" sz="2400" b="0" i="1" smtClean="0">
+                        <a:latin typeface="Cambria Math" panose="02040503050406030204" pitchFamily="18" charset="0"/>
+                      </a:rPr>
+                      <m:t>𝑥</m:t>
+                    </m:r>
+                    <m:d>
+                      <m:dPr>
+                        <m:ctrlPr>
+                          <a:rPr lang="en-US" sz="2400" b="0" i="1" smtClean="0">
+                            <a:latin typeface="Cambria Math" panose="02040503050406030204" pitchFamily="18" charset="0"/>
+                          </a:rPr>
+                        </m:ctrlPr>
+                      </m:dPr>
+                      <m:e>
+                        <m:r>
+                          <a:rPr lang="en-US" sz="2400" b="0" i="1" smtClean="0">
+                            <a:latin typeface="Cambria Math" panose="02040503050406030204" pitchFamily="18" charset="0"/>
+                          </a:rPr>
+                          <m:t>𝑡</m:t>
+                        </m:r>
+                      </m:e>
+                    </m:d>
+                    <m:r>
+                      <a:rPr lang="en-US" sz="2400" b="0" i="1" smtClean="0">
+                        <a:latin typeface="Cambria Math" panose="02040503050406030204" pitchFamily="18" charset="0"/>
+                      </a:rPr>
+                      <m:t>=</m:t>
+                    </m:r>
+                    <m:d>
+                      <m:dPr>
+                        <m:begChr m:val="["/>
+                        <m:endChr m:val="]"/>
+                        <m:ctrlPr>
+                          <a:rPr lang="en-US" sz="2400" b="0" i="1" smtClean="0">
+                            <a:latin typeface="Cambria Math" panose="02040503050406030204" pitchFamily="18" charset="0"/>
+                          </a:rPr>
+                        </m:ctrlPr>
+                      </m:dPr>
+                      <m:e>
+                        <m:m>
+                          <m:mPr>
+                            <m:mcs>
+                              <m:mc>
+                                <m:mcPr>
+                                  <m:count m:val="1"/>
+                                  <m:mcJc m:val="center"/>
+                                </m:mcPr>
+                              </m:mc>
+                            </m:mcs>
+                            <m:ctrlPr>
+                              <a:rPr lang="en-US" sz="2400" b="0" i="1" smtClean="0">
+                                <a:latin typeface="Cambria Math" panose="02040503050406030204" pitchFamily="18" charset="0"/>
+                              </a:rPr>
+                            </m:ctrlPr>
+                          </m:mPr>
+                          <m:mr>
+                            <m:e>
+                              <m:r>
+                                <m:rPr>
+                                  <m:brk m:alnAt="7"/>
+                                </m:rPr>
+                                <a:rPr lang="en-US" sz="2400" b="0" i="1" smtClean="0">
+                                  <a:latin typeface="Cambria Math" panose="02040503050406030204" pitchFamily="18" charset="0"/>
+                                </a:rPr>
+                                <m:t>𝑟</m:t>
+                              </m:r>
+                              <m:r>
+                                <a:rPr lang="en-US" sz="2400" b="0" i="1" smtClean="0">
+                                  <a:latin typeface="Cambria Math" panose="02040503050406030204" pitchFamily="18" charset="0"/>
+                                </a:rPr>
+                                <m:t>(</m:t>
+                              </m:r>
+                              <m:r>
+                                <a:rPr lang="en-US" sz="2400" b="0" i="1" smtClean="0">
+                                  <a:latin typeface="Cambria Math" panose="02040503050406030204" pitchFamily="18" charset="0"/>
+                                </a:rPr>
+                                <m:t>𝑡</m:t>
+                              </m:r>
+                              <m:r>
+                                <a:rPr lang="en-US" sz="2400" b="0" i="1" smtClean="0">
+                                  <a:latin typeface="Cambria Math" panose="02040503050406030204" pitchFamily="18" charset="0"/>
+                                </a:rPr>
+                                <m:t>)</m:t>
+                              </m:r>
+                            </m:e>
+                          </m:mr>
+                          <m:mr>
+                            <m:e>
+                              <m:r>
+                                <a:rPr lang="en-US" sz="2400" b="0" i="1" smtClean="0">
+                                  <a:latin typeface="Cambria Math" panose="02040503050406030204" pitchFamily="18" charset="0"/>
+                                </a:rPr>
+                                <m:t>𝑣</m:t>
+                              </m:r>
+                              <m:r>
+                                <a:rPr lang="en-US" sz="2400" b="0" i="1" smtClean="0">
+                                  <a:latin typeface="Cambria Math" panose="02040503050406030204" pitchFamily="18" charset="0"/>
+                                </a:rPr>
+                                <m:t>(</m:t>
+                              </m:r>
+                              <m:r>
+                                <a:rPr lang="en-US" sz="2400" b="0" i="1" smtClean="0">
+                                  <a:latin typeface="Cambria Math" panose="02040503050406030204" pitchFamily="18" charset="0"/>
+                                </a:rPr>
+                                <m:t>𝑡</m:t>
+                              </m:r>
+                              <m:r>
+                                <a:rPr lang="en-US" sz="2400" b="0" i="1" smtClean="0">
+                                  <a:latin typeface="Cambria Math" panose="02040503050406030204" pitchFamily="18" charset="0"/>
+                                </a:rPr>
+                                <m:t>)</m:t>
+                              </m:r>
+                            </m:e>
+                          </m:mr>
+                        </m:m>
+                      </m:e>
+                    </m:d>
+                    <m:r>
+                      <a:rPr lang="en-US" sz="2400" b="0" i="1" smtClean="0">
+                        <a:latin typeface="Cambria Math" panose="02040503050406030204" pitchFamily="18" charset="0"/>
+                        <a:ea typeface="Cambria Math" panose="02040503050406030204" pitchFamily="18" charset="0"/>
+                      </a:rPr>
+                      <m:t>∈</m:t>
+                    </m:r>
+                    <m:sSup>
+                      <m:sSupPr>
+                        <m:ctrlPr>
+                          <a:rPr lang="en-US" sz="2400" b="0" i="1" smtClean="0">
+                            <a:latin typeface="Cambria Math" panose="02040503050406030204" pitchFamily="18" charset="0"/>
+                            <a:ea typeface="Cambria Math" panose="02040503050406030204" pitchFamily="18" charset="0"/>
+                          </a:rPr>
+                        </m:ctrlPr>
+                      </m:sSupPr>
+                      <m:e>
+                        <m:r>
+                          <a:rPr lang="en-US" sz="2400" b="0" i="1" smtClean="0">
+                            <a:latin typeface="Cambria Math" panose="02040503050406030204" pitchFamily="18" charset="0"/>
+                            <a:ea typeface="Cambria Math" panose="02040503050406030204" pitchFamily="18" charset="0"/>
+                          </a:rPr>
+                          <m:t>ℝ</m:t>
+                        </m:r>
+                      </m:e>
+                      <m:sup>
+                        <m:r>
+                          <a:rPr lang="en-US" sz="2400" b="0" i="1" smtClean="0">
+                            <a:latin typeface="Cambria Math" panose="02040503050406030204" pitchFamily="18" charset="0"/>
+                            <a:ea typeface="Cambria Math" panose="02040503050406030204" pitchFamily="18" charset="0"/>
+                          </a:rPr>
+                          <m:t>6</m:t>
+                        </m:r>
+                      </m:sup>
+                    </m:sSup>
+                    <m:r>
+                      <a:rPr lang="en-US" sz="2400" b="0" i="1" smtClean="0">
+                        <a:latin typeface="Cambria Math" panose="02040503050406030204" pitchFamily="18" charset="0"/>
+                        <a:ea typeface="Cambria Math" panose="02040503050406030204" pitchFamily="18" charset="0"/>
+                      </a:rPr>
+                      <m:t>,</m:t>
+                    </m:r>
+                    <m:r>
+                      <m:rPr>
+                        <m:brk m:alnAt="7"/>
+                      </m:rPr>
+                      <a:rPr lang="en-US" sz="2400" i="1">
+                        <a:latin typeface="Cambria Math" panose="02040503050406030204" pitchFamily="18" charset="0"/>
+                      </a:rPr>
+                      <m:t>𝑟</m:t>
+                    </m:r>
+                    <m:d>
+                      <m:dPr>
+                        <m:ctrlPr>
+                          <a:rPr lang="en-US" sz="2400" i="1">
+                            <a:latin typeface="Cambria Math" panose="02040503050406030204" pitchFamily="18" charset="0"/>
+                          </a:rPr>
+                        </m:ctrlPr>
+                      </m:dPr>
+                      <m:e>
+                        <m:r>
+                          <a:rPr lang="en-US" sz="2400" i="1">
+                            <a:latin typeface="Cambria Math" panose="02040503050406030204" pitchFamily="18" charset="0"/>
+                          </a:rPr>
+                          <m:t>𝑡</m:t>
+                        </m:r>
+                      </m:e>
+                    </m:d>
+                    <m:r>
+                      <a:rPr lang="en-US" sz="2400" i="1">
+                        <a:latin typeface="Cambria Math" panose="02040503050406030204" pitchFamily="18" charset="0"/>
+                        <a:ea typeface="Cambria Math" panose="02040503050406030204" pitchFamily="18" charset="0"/>
+                      </a:rPr>
+                      <m:t>∈</m:t>
+                    </m:r>
+                    <m:sSup>
+                      <m:sSupPr>
+                        <m:ctrlPr>
+                          <a:rPr lang="en-US" sz="2400" i="1">
+                            <a:latin typeface="Cambria Math" panose="02040503050406030204" pitchFamily="18" charset="0"/>
+                            <a:ea typeface="Cambria Math" panose="02040503050406030204" pitchFamily="18" charset="0"/>
+                          </a:rPr>
+                        </m:ctrlPr>
+                      </m:sSupPr>
+                      <m:e>
+                        <m:r>
+                          <a:rPr lang="en-US" sz="2400" i="1">
+                            <a:latin typeface="Cambria Math" panose="02040503050406030204" pitchFamily="18" charset="0"/>
+                            <a:ea typeface="Cambria Math" panose="02040503050406030204" pitchFamily="18" charset="0"/>
+                          </a:rPr>
+                          <m:t>ℝ</m:t>
+                        </m:r>
+                      </m:e>
+                      <m:sup>
+                        <m:r>
+                          <a:rPr lang="en-US" sz="2400" b="0" i="1" smtClean="0">
+                            <a:latin typeface="Cambria Math" panose="02040503050406030204" pitchFamily="18" charset="0"/>
+                            <a:ea typeface="Cambria Math" panose="02040503050406030204" pitchFamily="18" charset="0"/>
+                          </a:rPr>
+                          <m:t>3</m:t>
+                        </m:r>
+                      </m:sup>
+                    </m:sSup>
+                    <m:r>
+                      <a:rPr lang="en-US" sz="2400" b="0" i="1" smtClean="0">
+                        <a:latin typeface="Cambria Math" panose="02040503050406030204" pitchFamily="18" charset="0"/>
+                        <a:ea typeface="Cambria Math" panose="02040503050406030204" pitchFamily="18" charset="0"/>
+                      </a:rPr>
+                      <m:t>,</m:t>
+                    </m:r>
+                    <m:r>
+                      <a:rPr lang="en-US" sz="2400" b="0" i="1" smtClean="0">
+                        <a:latin typeface="Cambria Math" panose="02040503050406030204" pitchFamily="18" charset="0"/>
+                        <a:ea typeface="Cambria Math" panose="02040503050406030204" pitchFamily="18" charset="0"/>
+                      </a:rPr>
+                      <m:t>𝑣</m:t>
+                    </m:r>
+                    <m:r>
+                      <a:rPr lang="en-US" sz="2400" i="1">
+                        <a:latin typeface="Cambria Math" panose="02040503050406030204" pitchFamily="18" charset="0"/>
+                      </a:rPr>
+                      <m:t>(</m:t>
+                    </m:r>
+                    <m:r>
+                      <a:rPr lang="en-US" sz="2400" i="1">
+                        <a:latin typeface="Cambria Math" panose="02040503050406030204" pitchFamily="18" charset="0"/>
+                      </a:rPr>
+                      <m:t>𝑡</m:t>
+                    </m:r>
+                    <m:r>
+                      <a:rPr lang="en-US" sz="2400" i="1">
+                        <a:latin typeface="Cambria Math" panose="02040503050406030204" pitchFamily="18" charset="0"/>
+                      </a:rPr>
+                      <m:t>)∈</m:t>
+                    </m:r>
+                    <m:sSup>
+                      <m:sSupPr>
+                        <m:ctrlPr>
+                          <a:rPr lang="en-US" sz="2400" i="1">
+                            <a:latin typeface="Cambria Math" panose="02040503050406030204" pitchFamily="18" charset="0"/>
+                            <a:ea typeface="Cambria Math" panose="02040503050406030204" pitchFamily="18" charset="0"/>
+                          </a:rPr>
+                        </m:ctrlPr>
+                      </m:sSupPr>
+                      <m:e>
+                        <m:r>
+                          <a:rPr lang="en-US" sz="2400" i="1">
+                            <a:latin typeface="Cambria Math" panose="02040503050406030204" pitchFamily="18" charset="0"/>
+                            <a:ea typeface="Cambria Math" panose="02040503050406030204" pitchFamily="18" charset="0"/>
+                          </a:rPr>
+                          <m:t>ℝ</m:t>
+                        </m:r>
+                      </m:e>
+                      <m:sup>
+                        <m:r>
+                          <a:rPr lang="en-US" sz="2400" i="1">
+                            <a:latin typeface="Cambria Math" panose="02040503050406030204" pitchFamily="18" charset="0"/>
+                            <a:ea typeface="Cambria Math" panose="02040503050406030204" pitchFamily="18" charset="0"/>
+                          </a:rPr>
+                          <m:t>3</m:t>
+                        </m:r>
+                      </m:sup>
+                    </m:sSup>
+                  </m:oMath>
+                </a14:m>
+                <a:endParaRPr lang="en-US" sz="2400" dirty="0"/>
+              </a:p>
+            </p:txBody>
+          </p:sp>
+        </mc:Choice>
+        <mc:Fallback>
+          <p:sp>
+            <p:nvSpPr>
+              <p:cNvPr id="5" name="TextBox 4">
+                <a:extLst>
+                  <a:ext uri="{FF2B5EF4-FFF2-40B4-BE49-F238E27FC236}">
+                    <a16:creationId xmlns:a16="http://schemas.microsoft.com/office/drawing/2014/main" id="{D9E6BE8D-AF73-D33B-6FEB-9BD41ACD2A96}"/>
+                  </a:ext>
+                </a:extLst>
+              </p:cNvPr>
+              <p:cNvSpPr txBox="1">
+                <a:spLocks noRot="1" noChangeAspect="1" noMove="1" noResize="1" noEditPoints="1" noAdjustHandles="1" noChangeArrowheads="1" noChangeShapeType="1" noTextEdit="1"/>
+              </p:cNvSpPr>
+              <p:nvPr/>
+            </p:nvSpPr>
+            <p:spPr>
+              <a:xfrm>
+                <a:off x="-163967" y="2405208"/>
+                <a:ext cx="11897032" cy="805670"/>
+              </a:xfrm>
+              <a:prstGeom prst="rect">
+                <a:avLst/>
+              </a:prstGeom>
+              <a:blipFill>
+                <a:blip r:embed="rId3"/>
+                <a:stretch>
+                  <a:fillRect/>
+                </a:stretch>
+              </a:blipFill>
+            </p:spPr>
+            <p:txBody>
+              <a:bodyPr/>
+              <a:lstStyle/>
+              <a:p>
+                <a:r>
+                  <a:rPr lang="en-US">
+                    <a:noFill/>
+                  </a:rPr>
+                  <a:t> </a:t>
+                </a:r>
+              </a:p>
+            </p:txBody>
+          </p:sp>
+        </mc:Fallback>
+      </mc:AlternateContent>
+      <mc:AlternateContent xmlns:mc="http://schemas.openxmlformats.org/markup-compatibility/2006">
+        <mc:Choice xmlns:a14="http://schemas.microsoft.com/office/drawing/2010/main" Requires="a14">
+          <p:sp>
+            <p:nvSpPr>
+              <p:cNvPr id="6" name="TextBox 5">
+                <a:extLst>
+                  <a:ext uri="{FF2B5EF4-FFF2-40B4-BE49-F238E27FC236}">
+                    <a16:creationId xmlns:a16="http://schemas.microsoft.com/office/drawing/2014/main" id="{9A716147-5165-743B-A04E-6F386C5E2D5A}"/>
+                  </a:ext>
+                </a:extLst>
+              </p:cNvPr>
+              <p:cNvSpPr txBox="1"/>
+              <p:nvPr/>
+            </p:nvSpPr>
+            <p:spPr>
+              <a:xfrm>
+                <a:off x="-163967" y="1943543"/>
+                <a:ext cx="11897032" cy="461665"/>
+              </a:xfrm>
+              <a:prstGeom prst="rect">
+                <a:avLst/>
+              </a:prstGeom>
+              <a:noFill/>
+            </p:spPr>
+            <p:txBody>
+              <a:bodyPr wrap="square" rtlCol="0">
+                <a:spAutoFit/>
+              </a:bodyPr>
+              <a:lstStyle/>
+              <a:p>
+                <a:pPr lvl="1"/>
+                <a:r>
+                  <a:rPr lang="en-US" sz="2400" dirty="0"/>
+                  <a:t>Time Horizon: </a:t>
+                </a:r>
+                <a14:m>
+                  <m:oMath xmlns:m="http://schemas.openxmlformats.org/officeDocument/2006/math">
+                    <m:r>
+                      <a:rPr lang="en-US" sz="2400" b="0" i="1" smtClean="0">
+                        <a:latin typeface="Cambria Math" panose="02040503050406030204" pitchFamily="18" charset="0"/>
+                      </a:rPr>
+                      <m:t>𝑡</m:t>
+                    </m:r>
+                    <m:r>
+                      <a:rPr lang="en-US" sz="2400" b="0" i="1" smtClean="0">
+                        <a:latin typeface="Cambria Math" panose="02040503050406030204" pitchFamily="18" charset="0"/>
+                        <a:ea typeface="Cambria Math" panose="02040503050406030204" pitchFamily="18" charset="0"/>
+                      </a:rPr>
+                      <m:t>∈[</m:t>
+                    </m:r>
+                    <m:sSub>
+                      <m:sSubPr>
+                        <m:ctrlPr>
+                          <a:rPr lang="en-US" sz="2400" b="0" i="1" smtClean="0">
+                            <a:latin typeface="Cambria Math" panose="02040503050406030204" pitchFamily="18" charset="0"/>
+                            <a:ea typeface="Cambria Math" panose="02040503050406030204" pitchFamily="18" charset="0"/>
+                          </a:rPr>
+                        </m:ctrlPr>
+                      </m:sSubPr>
+                      <m:e>
+                        <m:r>
+                          <a:rPr lang="en-US" sz="2400" b="0" i="1" smtClean="0">
+                            <a:latin typeface="Cambria Math" panose="02040503050406030204" pitchFamily="18" charset="0"/>
+                            <a:ea typeface="Cambria Math" panose="02040503050406030204" pitchFamily="18" charset="0"/>
+                          </a:rPr>
+                          <m:t>𝑡</m:t>
+                        </m:r>
+                      </m:e>
+                      <m:sub>
+                        <m:r>
+                          <a:rPr lang="en-US" sz="2400" b="0" i="1" smtClean="0">
+                            <a:latin typeface="Cambria Math" panose="02040503050406030204" pitchFamily="18" charset="0"/>
+                            <a:ea typeface="Cambria Math" panose="02040503050406030204" pitchFamily="18" charset="0"/>
+                          </a:rPr>
+                          <m:t>0</m:t>
+                        </m:r>
+                      </m:sub>
+                    </m:sSub>
+                    <m:r>
+                      <a:rPr lang="en-US" sz="2400" b="0" i="1" smtClean="0">
+                        <a:latin typeface="Cambria Math" panose="02040503050406030204" pitchFamily="18" charset="0"/>
+                        <a:ea typeface="Cambria Math" panose="02040503050406030204" pitchFamily="18" charset="0"/>
+                      </a:rPr>
+                      <m:t>,</m:t>
+                    </m:r>
+                    <m:sSub>
+                      <m:sSubPr>
+                        <m:ctrlPr>
+                          <a:rPr lang="en-US" sz="2400" b="0" i="1" smtClean="0">
+                            <a:latin typeface="Cambria Math" panose="02040503050406030204" pitchFamily="18" charset="0"/>
+                            <a:ea typeface="Cambria Math" panose="02040503050406030204" pitchFamily="18" charset="0"/>
+                          </a:rPr>
+                        </m:ctrlPr>
+                      </m:sSubPr>
+                      <m:e>
+                        <m:r>
+                          <a:rPr lang="en-US" sz="2400" b="0" i="1" smtClean="0">
+                            <a:latin typeface="Cambria Math" panose="02040503050406030204" pitchFamily="18" charset="0"/>
+                            <a:ea typeface="Cambria Math" panose="02040503050406030204" pitchFamily="18" charset="0"/>
+                          </a:rPr>
+                          <m:t>𝑡</m:t>
+                        </m:r>
+                      </m:e>
+                      <m:sub>
+                        <m:r>
+                          <a:rPr lang="en-US" sz="2400" b="0" i="1" smtClean="0">
+                            <a:latin typeface="Cambria Math" panose="02040503050406030204" pitchFamily="18" charset="0"/>
+                            <a:ea typeface="Cambria Math" panose="02040503050406030204" pitchFamily="18" charset="0"/>
+                          </a:rPr>
+                          <m:t>1</m:t>
+                        </m:r>
+                      </m:sub>
+                    </m:sSub>
+                    <m:r>
+                      <a:rPr lang="en-US" sz="2400" b="0" i="1" smtClean="0">
+                        <a:latin typeface="Cambria Math" panose="02040503050406030204" pitchFamily="18" charset="0"/>
+                        <a:ea typeface="Cambria Math" panose="02040503050406030204" pitchFamily="18" charset="0"/>
+                      </a:rPr>
+                      <m:t>]</m:t>
+                    </m:r>
+                  </m:oMath>
+                </a14:m>
+                <a:r>
+                  <a:rPr lang="en-US" sz="2400" dirty="0"/>
+                  <a:t> where </a:t>
+                </a:r>
+                <a14:m>
+                  <m:oMath xmlns:m="http://schemas.openxmlformats.org/officeDocument/2006/math">
+                    <m:sSub>
+                      <m:sSubPr>
+                        <m:ctrlPr>
+                          <a:rPr lang="en-US" sz="2400" i="1">
+                            <a:latin typeface="Cambria Math" panose="02040503050406030204" pitchFamily="18" charset="0"/>
+                            <a:ea typeface="Cambria Math" panose="02040503050406030204" pitchFamily="18" charset="0"/>
+                          </a:rPr>
+                        </m:ctrlPr>
+                      </m:sSubPr>
+                      <m:e>
+                        <m:r>
+                          <a:rPr lang="en-US" sz="2400" i="1">
+                            <a:latin typeface="Cambria Math" panose="02040503050406030204" pitchFamily="18" charset="0"/>
+                            <a:ea typeface="Cambria Math" panose="02040503050406030204" pitchFamily="18" charset="0"/>
+                          </a:rPr>
+                          <m:t>𝑡</m:t>
+                        </m:r>
+                      </m:e>
+                      <m:sub>
+                        <m:r>
+                          <a:rPr lang="en-US" sz="2400" i="1">
+                            <a:latin typeface="Cambria Math" panose="02040503050406030204" pitchFamily="18" charset="0"/>
+                            <a:ea typeface="Cambria Math" panose="02040503050406030204" pitchFamily="18" charset="0"/>
+                          </a:rPr>
+                          <m:t>1</m:t>
+                        </m:r>
+                      </m:sub>
+                    </m:sSub>
+                  </m:oMath>
+                </a14:m>
+                <a:r>
+                  <a:rPr lang="en-US" sz="2400" dirty="0"/>
+                  <a:t> is free</a:t>
+                </a:r>
+              </a:p>
+            </p:txBody>
+          </p:sp>
+        </mc:Choice>
+        <mc:Fallback>
+          <p:sp>
+            <p:nvSpPr>
+              <p:cNvPr id="6" name="TextBox 5">
+                <a:extLst>
+                  <a:ext uri="{FF2B5EF4-FFF2-40B4-BE49-F238E27FC236}">
+                    <a16:creationId xmlns:a16="http://schemas.microsoft.com/office/drawing/2014/main" id="{9A716147-5165-743B-A04E-6F386C5E2D5A}"/>
+                  </a:ext>
+                </a:extLst>
+              </p:cNvPr>
+              <p:cNvSpPr txBox="1">
+                <a:spLocks noRot="1" noChangeAspect="1" noMove="1" noResize="1" noEditPoints="1" noAdjustHandles="1" noChangeArrowheads="1" noChangeShapeType="1" noTextEdit="1"/>
+              </p:cNvSpPr>
+              <p:nvPr/>
+            </p:nvSpPr>
+            <p:spPr>
+              <a:xfrm>
+                <a:off x="-163967" y="1943543"/>
+                <a:ext cx="11897032" cy="461665"/>
+              </a:xfrm>
+              <a:prstGeom prst="rect">
+                <a:avLst/>
+              </a:prstGeom>
+              <a:blipFill>
+                <a:blip r:embed="rId4"/>
+                <a:stretch>
+                  <a:fillRect t="-10526" b="-28947"/>
+                </a:stretch>
+              </a:blipFill>
+            </p:spPr>
+            <p:txBody>
+              <a:bodyPr/>
+              <a:lstStyle/>
+              <a:p>
+                <a:r>
+                  <a:rPr lang="en-US">
+                    <a:noFill/>
+                  </a:rPr>
+                  <a:t> </a:t>
+                </a:r>
+              </a:p>
+            </p:txBody>
+          </p:sp>
+        </mc:Fallback>
+      </mc:AlternateContent>
+      <mc:AlternateContent xmlns:mc="http://schemas.openxmlformats.org/markup-compatibility/2006">
+        <mc:Choice xmlns:a14="http://schemas.microsoft.com/office/drawing/2010/main" Requires="a14">
+          <p:sp>
+            <p:nvSpPr>
+              <p:cNvPr id="7" name="TextBox 6">
+                <a:extLst>
+                  <a:ext uri="{FF2B5EF4-FFF2-40B4-BE49-F238E27FC236}">
+                    <a16:creationId xmlns:a16="http://schemas.microsoft.com/office/drawing/2014/main" id="{BF4A8BCA-FB65-1517-C860-F0738026D630}"/>
+                  </a:ext>
+                </a:extLst>
+              </p:cNvPr>
+              <p:cNvSpPr txBox="1"/>
+              <p:nvPr/>
+            </p:nvSpPr>
+            <p:spPr>
+              <a:xfrm>
+                <a:off x="-163967" y="3274886"/>
+                <a:ext cx="11897032" cy="461665"/>
+              </a:xfrm>
+              <a:prstGeom prst="rect">
+                <a:avLst/>
+              </a:prstGeom>
+              <a:noFill/>
+            </p:spPr>
+            <p:txBody>
+              <a:bodyPr wrap="square" rtlCol="0">
+                <a:spAutoFit/>
+              </a:bodyPr>
+              <a:lstStyle/>
+              <a:p>
+                <a:pPr lvl="1"/>
+                <a:r>
+                  <a:rPr lang="en-US" sz="2400" dirty="0"/>
+                  <a:t>Control: </a:t>
+                </a:r>
+                <a14:m>
+                  <m:oMath xmlns:m="http://schemas.openxmlformats.org/officeDocument/2006/math">
+                    <m:r>
+                      <a:rPr lang="en-US" sz="2400" b="0" i="1" smtClean="0">
+                        <a:latin typeface="Cambria Math" panose="02040503050406030204" pitchFamily="18" charset="0"/>
+                      </a:rPr>
+                      <m:t>𝑢</m:t>
+                    </m:r>
+                    <m:d>
+                      <m:dPr>
+                        <m:ctrlPr>
+                          <a:rPr lang="en-US" sz="2400" b="0" i="1" smtClean="0">
+                            <a:latin typeface="Cambria Math" panose="02040503050406030204" pitchFamily="18" charset="0"/>
+                          </a:rPr>
+                        </m:ctrlPr>
+                      </m:dPr>
+                      <m:e>
+                        <m:r>
+                          <a:rPr lang="en-US" sz="2400" b="0" i="1" smtClean="0">
+                            <a:latin typeface="Cambria Math" panose="02040503050406030204" pitchFamily="18" charset="0"/>
+                          </a:rPr>
+                          <m:t>𝑡</m:t>
+                        </m:r>
+                      </m:e>
+                    </m:d>
+                    <m:r>
+                      <a:rPr lang="en-US" sz="2400" b="0" i="1" smtClean="0">
+                        <a:latin typeface="Cambria Math" panose="02040503050406030204" pitchFamily="18" charset="0"/>
+                      </a:rPr>
+                      <m:t>=</m:t>
+                    </m:r>
+                    <m:r>
+                      <a:rPr lang="en-US" sz="2400" b="0" i="1" smtClean="0">
+                        <a:latin typeface="Cambria Math" panose="02040503050406030204" pitchFamily="18" charset="0"/>
+                      </a:rPr>
+                      <m:t>𝑎</m:t>
+                    </m:r>
+                    <m:d>
+                      <m:dPr>
+                        <m:ctrlPr>
+                          <a:rPr lang="en-US" sz="2400" b="0" i="1" smtClean="0">
+                            <a:latin typeface="Cambria Math" panose="02040503050406030204" pitchFamily="18" charset="0"/>
+                          </a:rPr>
+                        </m:ctrlPr>
+                      </m:dPr>
+                      <m:e>
+                        <m:r>
+                          <a:rPr lang="en-US" sz="2400" b="0" i="1" smtClean="0">
+                            <a:latin typeface="Cambria Math" panose="02040503050406030204" pitchFamily="18" charset="0"/>
+                          </a:rPr>
+                          <m:t>𝑡</m:t>
+                        </m:r>
+                      </m:e>
+                    </m:d>
+                    <m:r>
+                      <a:rPr lang="en-US" sz="2400" i="1">
+                        <a:latin typeface="Cambria Math" panose="02040503050406030204" pitchFamily="18" charset="0"/>
+                        <a:ea typeface="Cambria Math" panose="02040503050406030204" pitchFamily="18" charset="0"/>
+                      </a:rPr>
+                      <m:t>∈</m:t>
+                    </m:r>
+                    <m:r>
+                      <a:rPr lang="en-US" sz="2400" i="1" smtClean="0">
+                        <a:latin typeface="Cambria Math" panose="02040503050406030204" pitchFamily="18" charset="0"/>
+                        <a:ea typeface="Cambria Math" panose="02040503050406030204" pitchFamily="18" charset="0"/>
+                      </a:rPr>
+                      <m:t>{</m:t>
+                    </m:r>
+                    <m:r>
+                      <a:rPr lang="en-US" sz="2400" i="1">
+                        <a:latin typeface="Cambria Math" panose="02040503050406030204" pitchFamily="18" charset="0"/>
+                        <a:ea typeface="Cambria Math" panose="02040503050406030204" pitchFamily="18" charset="0"/>
+                      </a:rPr>
+                      <m:t>𝑎</m:t>
+                    </m:r>
+                    <m:r>
+                      <a:rPr lang="en-US" sz="2400" i="1">
+                        <a:latin typeface="Cambria Math" panose="02040503050406030204" pitchFamily="18" charset="0"/>
+                        <a:ea typeface="Cambria Math" panose="02040503050406030204" pitchFamily="18" charset="0"/>
+                      </a:rPr>
+                      <m:t>∈</m:t>
+                    </m:r>
+                    <m:sSup>
+                      <m:sSupPr>
+                        <m:ctrlPr>
+                          <a:rPr lang="en-US" sz="2400" i="1">
+                            <a:latin typeface="Cambria Math" panose="02040503050406030204" pitchFamily="18" charset="0"/>
+                            <a:ea typeface="Cambria Math" panose="02040503050406030204" pitchFamily="18" charset="0"/>
+                          </a:rPr>
+                        </m:ctrlPr>
+                      </m:sSupPr>
+                      <m:e>
+                        <m:r>
+                          <a:rPr lang="en-US" sz="2400" i="1">
+                            <a:latin typeface="Cambria Math" panose="02040503050406030204" pitchFamily="18" charset="0"/>
+                            <a:ea typeface="Cambria Math" panose="02040503050406030204" pitchFamily="18" charset="0"/>
+                          </a:rPr>
+                          <m:t>ℝ</m:t>
+                        </m:r>
+                      </m:e>
+                      <m:sup>
+                        <m:r>
+                          <a:rPr lang="en-US" sz="2400" i="1">
+                            <a:latin typeface="Cambria Math" panose="02040503050406030204" pitchFamily="18" charset="0"/>
+                            <a:ea typeface="Cambria Math" panose="02040503050406030204" pitchFamily="18" charset="0"/>
+                          </a:rPr>
+                          <m:t>3</m:t>
+                        </m:r>
+                      </m:sup>
+                    </m:sSup>
+                    <m:r>
+                      <a:rPr lang="en-US" sz="2400" b="0" i="1" smtClean="0">
+                        <a:latin typeface="Cambria Math" panose="02040503050406030204" pitchFamily="18" charset="0"/>
+                        <a:ea typeface="Cambria Math" panose="02040503050406030204" pitchFamily="18" charset="0"/>
+                      </a:rPr>
+                      <m:t>:|</m:t>
+                    </m:r>
+                    <m:d>
+                      <m:dPr>
+                        <m:begChr m:val="|"/>
+                        <m:endChr m:val="|"/>
+                        <m:ctrlPr>
+                          <a:rPr lang="en-US" sz="2400" b="0" i="1" smtClean="0">
+                            <a:latin typeface="Cambria Math" panose="02040503050406030204" pitchFamily="18" charset="0"/>
+                            <a:ea typeface="Cambria Math" panose="02040503050406030204" pitchFamily="18" charset="0"/>
+                          </a:rPr>
+                        </m:ctrlPr>
+                      </m:dPr>
+                      <m:e>
+                        <m:r>
+                          <a:rPr lang="en-US" sz="2400" b="0" i="1" smtClean="0">
+                            <a:latin typeface="Cambria Math" panose="02040503050406030204" pitchFamily="18" charset="0"/>
+                            <a:ea typeface="Cambria Math" panose="02040503050406030204" pitchFamily="18" charset="0"/>
+                          </a:rPr>
+                          <m:t>𝑎</m:t>
+                        </m:r>
+                      </m:e>
+                    </m:d>
+                    <m:r>
+                      <a:rPr lang="en-US" sz="2400" b="0" i="1" smtClean="0">
+                        <a:latin typeface="Cambria Math" panose="02040503050406030204" pitchFamily="18" charset="0"/>
+                        <a:ea typeface="Cambria Math" panose="02040503050406030204" pitchFamily="18" charset="0"/>
+                      </a:rPr>
+                      <m:t>|≤</m:t>
+                    </m:r>
+                    <m:sSub>
+                      <m:sSubPr>
+                        <m:ctrlPr>
+                          <a:rPr lang="en-US" sz="2400" b="0" i="1" smtClean="0">
+                            <a:latin typeface="Cambria Math" panose="02040503050406030204" pitchFamily="18" charset="0"/>
+                            <a:ea typeface="Cambria Math" panose="02040503050406030204" pitchFamily="18" charset="0"/>
+                          </a:rPr>
+                        </m:ctrlPr>
+                      </m:sSubPr>
+                      <m:e>
+                        <m:r>
+                          <a:rPr lang="en-US" sz="2400" b="0" i="1" smtClean="0">
+                            <a:latin typeface="Cambria Math" panose="02040503050406030204" pitchFamily="18" charset="0"/>
+                            <a:ea typeface="Cambria Math" panose="02040503050406030204" pitchFamily="18" charset="0"/>
+                          </a:rPr>
+                          <m:t>𝑎</m:t>
+                        </m:r>
+                      </m:e>
+                      <m:sub>
+                        <m:r>
+                          <a:rPr lang="en-US" sz="2400" b="0" i="1" smtClean="0">
+                            <a:latin typeface="Cambria Math" panose="02040503050406030204" pitchFamily="18" charset="0"/>
+                            <a:ea typeface="Cambria Math" panose="02040503050406030204" pitchFamily="18" charset="0"/>
+                          </a:rPr>
+                          <m:t>𝑚𝑎𝑥</m:t>
+                        </m:r>
+                      </m:sub>
+                    </m:sSub>
+                    <m:r>
+                      <a:rPr lang="en-US" sz="2400" b="0" i="1" smtClean="0">
+                        <a:latin typeface="Cambria Math" panose="02040503050406030204" pitchFamily="18" charset="0"/>
+                        <a:ea typeface="Cambria Math" panose="02040503050406030204" pitchFamily="18" charset="0"/>
+                      </a:rPr>
+                      <m:t>}</m:t>
+                    </m:r>
+                  </m:oMath>
+                </a14:m>
+                <a:endParaRPr lang="en-US" sz="2400" dirty="0"/>
+              </a:p>
+            </p:txBody>
+          </p:sp>
+        </mc:Choice>
+        <mc:Fallback>
+          <p:sp>
+            <p:nvSpPr>
+              <p:cNvPr id="7" name="TextBox 6">
+                <a:extLst>
+                  <a:ext uri="{FF2B5EF4-FFF2-40B4-BE49-F238E27FC236}">
+                    <a16:creationId xmlns:a16="http://schemas.microsoft.com/office/drawing/2014/main" id="{BF4A8BCA-FB65-1517-C860-F0738026D630}"/>
+                  </a:ext>
+                </a:extLst>
+              </p:cNvPr>
+              <p:cNvSpPr txBox="1">
+                <a:spLocks noRot="1" noChangeAspect="1" noMove="1" noResize="1" noEditPoints="1" noAdjustHandles="1" noChangeArrowheads="1" noChangeShapeType="1" noTextEdit="1"/>
+              </p:cNvSpPr>
+              <p:nvPr/>
+            </p:nvSpPr>
+            <p:spPr>
+              <a:xfrm>
+                <a:off x="-163967" y="3274886"/>
+                <a:ext cx="11897032" cy="461665"/>
+              </a:xfrm>
+              <a:prstGeom prst="rect">
+                <a:avLst/>
+              </a:prstGeom>
+              <a:blipFill>
+                <a:blip r:embed="rId5"/>
+                <a:stretch>
+                  <a:fillRect t="-9211" b="-30263"/>
+                </a:stretch>
+              </a:blipFill>
+            </p:spPr>
+            <p:txBody>
+              <a:bodyPr/>
+              <a:lstStyle/>
+              <a:p>
+                <a:r>
+                  <a:rPr lang="en-US">
+                    <a:noFill/>
+                  </a:rPr>
+                  <a:t> </a:t>
+                </a:r>
+              </a:p>
+            </p:txBody>
+          </p:sp>
+        </mc:Fallback>
+      </mc:AlternateContent>
+      <mc:AlternateContent xmlns:mc="http://schemas.openxmlformats.org/markup-compatibility/2006">
+        <mc:Choice xmlns:a14="http://schemas.microsoft.com/office/drawing/2010/main" Requires="a14">
+          <p:sp>
+            <p:nvSpPr>
+              <p:cNvPr id="8" name="TextBox 7">
+                <a:extLst>
+                  <a:ext uri="{FF2B5EF4-FFF2-40B4-BE49-F238E27FC236}">
+                    <a16:creationId xmlns:a16="http://schemas.microsoft.com/office/drawing/2014/main" id="{08259170-1780-C44F-6BAB-63E82A9AF80B}"/>
+                  </a:ext>
+                </a:extLst>
+              </p:cNvPr>
+              <p:cNvSpPr txBox="1"/>
+              <p:nvPr/>
+            </p:nvSpPr>
+            <p:spPr>
+              <a:xfrm>
+                <a:off x="-163967" y="3877841"/>
+                <a:ext cx="11897032" cy="461665"/>
+              </a:xfrm>
+              <a:prstGeom prst="rect">
+                <a:avLst/>
+              </a:prstGeom>
+              <a:noFill/>
+            </p:spPr>
+            <p:txBody>
+              <a:bodyPr wrap="square" rtlCol="0">
+                <a:spAutoFit/>
+              </a:bodyPr>
+              <a:lstStyle/>
+              <a:p>
+                <a:pPr lvl="1"/>
+                <a:r>
+                  <a:rPr lang="en-US" sz="2400" dirty="0"/>
+                  <a:t>Equations of Motion: </a:t>
+                </a:r>
+                <a14:m>
+                  <m:oMath xmlns:m="http://schemas.openxmlformats.org/officeDocument/2006/math">
+                    <m:acc>
+                      <m:accPr>
+                        <m:chr m:val="̇"/>
+                        <m:ctrlPr>
+                          <a:rPr lang="en-US" sz="2400" i="1">
+                            <a:latin typeface="Cambria Math" panose="02040503050406030204" pitchFamily="18" charset="0"/>
+                          </a:rPr>
+                        </m:ctrlPr>
+                      </m:accPr>
+                      <m:e>
+                        <m:r>
+                          <a:rPr lang="en-US" sz="2400" b="0" i="1" smtClean="0">
+                            <a:latin typeface="Cambria Math" panose="02040503050406030204" pitchFamily="18" charset="0"/>
+                          </a:rPr>
+                          <m:t>𝑟</m:t>
+                        </m:r>
+                      </m:e>
+                    </m:acc>
+                    <m:d>
+                      <m:dPr>
+                        <m:ctrlPr>
+                          <a:rPr lang="en-US" sz="2400" i="1">
+                            <a:latin typeface="Cambria Math" panose="02040503050406030204" pitchFamily="18" charset="0"/>
+                          </a:rPr>
+                        </m:ctrlPr>
+                      </m:dPr>
+                      <m:e>
+                        <m:r>
+                          <a:rPr lang="en-US" sz="2400" i="1">
+                            <a:latin typeface="Cambria Math" panose="02040503050406030204" pitchFamily="18" charset="0"/>
+                          </a:rPr>
+                          <m:t>𝑡</m:t>
+                        </m:r>
+                      </m:e>
+                    </m:d>
+                    <m:r>
+                      <a:rPr lang="en-US" sz="2400" i="1">
+                        <a:latin typeface="Cambria Math" panose="02040503050406030204" pitchFamily="18" charset="0"/>
+                      </a:rPr>
+                      <m:t>=</m:t>
+                    </m:r>
+                    <m:r>
+                      <a:rPr lang="en-US" sz="2400" b="0" i="1" smtClean="0">
+                        <a:latin typeface="Cambria Math" panose="02040503050406030204" pitchFamily="18" charset="0"/>
+                      </a:rPr>
+                      <m:t>𝑣</m:t>
+                    </m:r>
+                    <m:r>
+                      <a:rPr lang="en-US" sz="2400" b="0" i="1" smtClean="0">
+                        <a:latin typeface="Cambria Math" panose="02040503050406030204" pitchFamily="18" charset="0"/>
+                      </a:rPr>
+                      <m:t>(</m:t>
+                    </m:r>
+                    <m:r>
+                      <a:rPr lang="en-US" sz="2400" b="0" i="1" smtClean="0">
+                        <a:latin typeface="Cambria Math" panose="02040503050406030204" pitchFamily="18" charset="0"/>
+                      </a:rPr>
+                      <m:t>𝑡</m:t>
+                    </m:r>
+                    <m:r>
+                      <a:rPr lang="en-US" sz="2400" b="0" i="1" smtClean="0">
+                        <a:latin typeface="Cambria Math" panose="02040503050406030204" pitchFamily="18" charset="0"/>
+                      </a:rPr>
+                      <m:t>)</m:t>
+                    </m:r>
+                  </m:oMath>
+                </a14:m>
+                <a:r>
+                  <a:rPr lang="en-US" sz="2400" dirty="0"/>
+                  <a:t>; </a:t>
+                </a:r>
+                <a14:m>
+                  <m:oMath xmlns:m="http://schemas.openxmlformats.org/officeDocument/2006/math">
+                    <m:acc>
+                      <m:accPr>
+                        <m:chr m:val="̇"/>
+                        <m:ctrlPr>
+                          <a:rPr lang="en-US" sz="2400" i="1">
+                            <a:latin typeface="Cambria Math" panose="02040503050406030204" pitchFamily="18" charset="0"/>
+                          </a:rPr>
+                        </m:ctrlPr>
+                      </m:accPr>
+                      <m:e>
+                        <m:r>
+                          <a:rPr lang="en-US" sz="2400" b="0" i="1" smtClean="0">
+                            <a:latin typeface="Cambria Math" panose="02040503050406030204" pitchFamily="18" charset="0"/>
+                          </a:rPr>
+                          <m:t>𝑣</m:t>
+                        </m:r>
+                      </m:e>
+                    </m:acc>
+                    <m:d>
+                      <m:dPr>
+                        <m:ctrlPr>
+                          <a:rPr lang="en-US" sz="2400" i="1">
+                            <a:latin typeface="Cambria Math" panose="02040503050406030204" pitchFamily="18" charset="0"/>
+                          </a:rPr>
+                        </m:ctrlPr>
+                      </m:dPr>
+                      <m:e>
+                        <m:r>
+                          <a:rPr lang="en-US" sz="2400" i="1">
+                            <a:latin typeface="Cambria Math" panose="02040503050406030204" pitchFamily="18" charset="0"/>
+                          </a:rPr>
+                          <m:t>𝑡</m:t>
+                        </m:r>
+                      </m:e>
+                    </m:d>
+                    <m:r>
+                      <a:rPr lang="en-US" sz="2400" i="1">
+                        <a:latin typeface="Cambria Math" panose="02040503050406030204" pitchFamily="18" charset="0"/>
+                      </a:rPr>
+                      <m:t>=</m:t>
+                    </m:r>
+                    <m:r>
+                      <a:rPr lang="en-US" sz="2400" b="0" i="1" smtClean="0">
+                        <a:latin typeface="Cambria Math" panose="02040503050406030204" pitchFamily="18" charset="0"/>
+                      </a:rPr>
+                      <m:t>𝑎</m:t>
+                    </m:r>
+                    <m:r>
+                      <a:rPr lang="en-US" sz="2400" i="1">
+                        <a:latin typeface="Cambria Math" panose="02040503050406030204" pitchFamily="18" charset="0"/>
+                      </a:rPr>
+                      <m:t>(</m:t>
+                    </m:r>
+                    <m:r>
+                      <a:rPr lang="en-US" sz="2400" i="1">
+                        <a:latin typeface="Cambria Math" panose="02040503050406030204" pitchFamily="18" charset="0"/>
+                      </a:rPr>
+                      <m:t>𝑡</m:t>
+                    </m:r>
+                    <m:r>
+                      <a:rPr lang="en-US" sz="2400" i="1">
+                        <a:latin typeface="Cambria Math" panose="02040503050406030204" pitchFamily="18" charset="0"/>
+                      </a:rPr>
+                      <m:t>)</m:t>
+                    </m:r>
+                  </m:oMath>
+                </a14:m>
+                <a:r>
+                  <a:rPr lang="en-US" sz="2400" dirty="0"/>
+                  <a:t>; </a:t>
+                </a:r>
+              </a:p>
+            </p:txBody>
+          </p:sp>
+        </mc:Choice>
+        <mc:Fallback>
+          <p:sp>
+            <p:nvSpPr>
+              <p:cNvPr id="8" name="TextBox 7">
+                <a:extLst>
+                  <a:ext uri="{FF2B5EF4-FFF2-40B4-BE49-F238E27FC236}">
+                    <a16:creationId xmlns:a16="http://schemas.microsoft.com/office/drawing/2014/main" id="{08259170-1780-C44F-6BAB-63E82A9AF80B}"/>
+                  </a:ext>
+                </a:extLst>
+              </p:cNvPr>
+              <p:cNvSpPr txBox="1">
+                <a:spLocks noRot="1" noChangeAspect="1" noMove="1" noResize="1" noEditPoints="1" noAdjustHandles="1" noChangeArrowheads="1" noChangeShapeType="1" noTextEdit="1"/>
+              </p:cNvSpPr>
+              <p:nvPr/>
+            </p:nvSpPr>
+            <p:spPr>
+              <a:xfrm>
+                <a:off x="-163967" y="3877841"/>
+                <a:ext cx="11897032" cy="461665"/>
+              </a:xfrm>
+              <a:prstGeom prst="rect">
+                <a:avLst/>
+              </a:prstGeom>
+              <a:blipFill>
+                <a:blip r:embed="rId6"/>
+                <a:stretch>
+                  <a:fillRect t="-10526" b="-28947"/>
+                </a:stretch>
+              </a:blipFill>
+            </p:spPr>
+            <p:txBody>
+              <a:bodyPr/>
+              <a:lstStyle/>
+              <a:p>
+                <a:r>
+                  <a:rPr lang="en-US">
+                    <a:noFill/>
+                  </a:rPr>
+                  <a:t> </a:t>
+                </a:r>
+              </a:p>
+            </p:txBody>
+          </p:sp>
+        </mc:Fallback>
+      </mc:AlternateContent>
+      <mc:AlternateContent xmlns:mc="http://schemas.openxmlformats.org/markup-compatibility/2006">
+        <mc:Choice xmlns:a14="http://schemas.microsoft.com/office/drawing/2010/main" Requires="a14">
+          <p:sp>
+            <p:nvSpPr>
+              <p:cNvPr id="10" name="TextBox 9">
+                <a:extLst>
+                  <a:ext uri="{FF2B5EF4-FFF2-40B4-BE49-F238E27FC236}">
+                    <a16:creationId xmlns:a16="http://schemas.microsoft.com/office/drawing/2014/main" id="{418297AC-DFFA-88A7-9B68-602714C569C4}"/>
+                  </a:ext>
+                </a:extLst>
+              </p:cNvPr>
+              <p:cNvSpPr txBox="1"/>
+              <p:nvPr/>
+            </p:nvSpPr>
+            <p:spPr>
+              <a:xfrm>
+                <a:off x="-163967" y="4480796"/>
+                <a:ext cx="11612256" cy="658770"/>
+              </a:xfrm>
+              <a:prstGeom prst="rect">
+                <a:avLst/>
+              </a:prstGeom>
+              <a:noFill/>
+            </p:spPr>
+            <p:txBody>
+              <a:bodyPr wrap="square">
+                <a:spAutoFit/>
+              </a:bodyPr>
+              <a:lstStyle/>
+              <a:p>
+                <a:pPr lvl="1"/>
+                <a:r>
+                  <a:rPr lang="en-US" sz="2400" b="0" dirty="0"/>
+                  <a:t>Objective Functional:  </a:t>
+                </a:r>
+                <a14:m>
+                  <m:oMath xmlns:m="http://schemas.openxmlformats.org/officeDocument/2006/math">
+                    <m:r>
+                      <a:rPr lang="en-US" sz="2400" b="0" i="1" smtClean="0">
+                        <a:latin typeface="Cambria Math" panose="02040503050406030204" pitchFamily="18" charset="0"/>
+                      </a:rPr>
+                      <m:t>𝐽</m:t>
+                    </m:r>
+                    <m:d>
+                      <m:dPr>
+                        <m:ctrlPr>
+                          <a:rPr lang="en-US" sz="2400" b="0" i="1" smtClean="0">
+                            <a:latin typeface="Cambria Math" panose="02040503050406030204" pitchFamily="18" charset="0"/>
+                          </a:rPr>
+                        </m:ctrlPr>
+                      </m:dPr>
+                      <m:e>
+                        <m:r>
+                          <a:rPr lang="en-US" sz="2400" b="1" i="1" smtClean="0">
+                            <a:latin typeface="Cambria Math" panose="02040503050406030204" pitchFamily="18" charset="0"/>
+                          </a:rPr>
+                          <m:t>𝒖</m:t>
+                        </m:r>
+                        <m:d>
+                          <m:dPr>
+                            <m:ctrlPr>
+                              <a:rPr lang="en-US" sz="2400" b="0" i="1" smtClean="0">
+                                <a:latin typeface="Cambria Math" panose="02040503050406030204" pitchFamily="18" charset="0"/>
+                              </a:rPr>
+                            </m:ctrlPr>
+                          </m:dPr>
+                          <m:e>
+                            <m:r>
+                              <a:rPr lang="en-US" sz="2400" b="0" i="1" smtClean="0">
+                                <a:latin typeface="Cambria Math" panose="02040503050406030204" pitchFamily="18" charset="0"/>
+                              </a:rPr>
+                              <m:t>𝑡</m:t>
+                            </m:r>
+                          </m:e>
+                        </m:d>
+                      </m:e>
+                    </m:d>
+                    <m:r>
+                      <a:rPr lang="en-US" sz="2400" b="0" i="1" smtClean="0">
+                        <a:latin typeface="Cambria Math" panose="02040503050406030204" pitchFamily="18" charset="0"/>
+                      </a:rPr>
+                      <m:t>=</m:t>
+                    </m:r>
+                    <m:nary>
+                      <m:naryPr>
+                        <m:limLoc m:val="undOvr"/>
+                        <m:ctrlPr>
+                          <a:rPr lang="en-US" sz="2400" b="0" i="1" smtClean="0">
+                            <a:latin typeface="Cambria Math" panose="02040503050406030204" pitchFamily="18" charset="0"/>
+                          </a:rPr>
+                        </m:ctrlPr>
+                      </m:naryPr>
+                      <m:sub>
+                        <m:sSub>
+                          <m:sSubPr>
+                            <m:ctrlPr>
+                              <a:rPr lang="en-US" sz="2400" b="0" i="1" smtClean="0">
+                                <a:latin typeface="Cambria Math" panose="02040503050406030204" pitchFamily="18" charset="0"/>
+                              </a:rPr>
+                            </m:ctrlPr>
+                          </m:sSubPr>
+                          <m:e>
+                            <m:r>
+                              <a:rPr lang="en-US" sz="2400" b="0" i="1" smtClean="0">
+                                <a:latin typeface="Cambria Math" panose="02040503050406030204" pitchFamily="18" charset="0"/>
+                              </a:rPr>
+                              <m:t>𝑡</m:t>
+                            </m:r>
+                          </m:e>
+                          <m:sub>
+                            <m:r>
+                              <a:rPr lang="en-US" sz="2400" b="0" i="1" smtClean="0">
+                                <a:latin typeface="Cambria Math" panose="02040503050406030204" pitchFamily="18" charset="0"/>
+                              </a:rPr>
+                              <m:t>0</m:t>
+                            </m:r>
+                          </m:sub>
+                        </m:sSub>
+                      </m:sub>
+                      <m:sup>
+                        <m:sSub>
+                          <m:sSubPr>
+                            <m:ctrlPr>
+                              <a:rPr lang="en-US" sz="2400" b="0" i="1" smtClean="0">
+                                <a:latin typeface="Cambria Math" panose="02040503050406030204" pitchFamily="18" charset="0"/>
+                              </a:rPr>
+                            </m:ctrlPr>
+                          </m:sSubPr>
+                          <m:e>
+                            <m:r>
+                              <a:rPr lang="en-US" sz="2400" b="0" i="1" smtClean="0">
+                                <a:latin typeface="Cambria Math" panose="02040503050406030204" pitchFamily="18" charset="0"/>
+                              </a:rPr>
+                              <m:t>𝑡</m:t>
+                            </m:r>
+                          </m:e>
+                          <m:sub>
+                            <m:r>
+                              <a:rPr lang="en-US" sz="2400" b="0" i="1" smtClean="0">
+                                <a:latin typeface="Cambria Math" panose="02040503050406030204" pitchFamily="18" charset="0"/>
+                              </a:rPr>
+                              <m:t>1</m:t>
+                            </m:r>
+                          </m:sub>
+                        </m:sSub>
+                      </m:sup>
+                      <m:e>
+                        <m:r>
+                          <a:rPr lang="en-US" sz="2400" i="1">
+                            <a:latin typeface="Cambria Math" panose="02040503050406030204" pitchFamily="18" charset="0"/>
+                          </a:rPr>
+                          <m:t>(</m:t>
+                        </m:r>
+                        <m:r>
+                          <a:rPr lang="en-US" sz="2400" b="0" i="1" smtClean="0">
+                            <a:latin typeface="Cambria Math" panose="02040503050406030204" pitchFamily="18" charset="0"/>
+                          </a:rPr>
+                          <m:t>𝑐</m:t>
+                        </m:r>
+                        <m:r>
+                          <a:rPr lang="en-US" sz="2400" i="1">
+                            <a:latin typeface="Cambria Math" panose="02040503050406030204" pitchFamily="18" charset="0"/>
+                          </a:rPr>
+                          <m:t>+</m:t>
+                        </m:r>
+                        <m:sSup>
+                          <m:sSupPr>
+                            <m:ctrlPr>
+                              <a:rPr lang="en-US" sz="2400" b="0" i="1" smtClean="0">
+                                <a:latin typeface="Cambria Math" panose="02040503050406030204" pitchFamily="18" charset="0"/>
+                              </a:rPr>
+                            </m:ctrlPr>
+                          </m:sSupPr>
+                          <m:e>
+                            <m:d>
+                              <m:dPr>
+                                <m:begChr m:val="|"/>
+                                <m:endChr m:val="|"/>
+                                <m:ctrlPr>
+                                  <a:rPr lang="en-US" sz="2400" b="0" i="1" smtClean="0">
+                                    <a:latin typeface="Cambria Math" panose="02040503050406030204" pitchFamily="18" charset="0"/>
+                                  </a:rPr>
+                                </m:ctrlPr>
+                              </m:dPr>
+                              <m:e>
+                                <m:d>
+                                  <m:dPr>
+                                    <m:begChr m:val="|"/>
+                                    <m:endChr m:val="|"/>
+                                    <m:ctrlPr>
+                                      <a:rPr lang="en-US" sz="2400" b="0" i="1" smtClean="0">
+                                        <a:latin typeface="Cambria Math" panose="02040503050406030204" pitchFamily="18" charset="0"/>
+                                      </a:rPr>
+                                    </m:ctrlPr>
+                                  </m:dPr>
+                                  <m:e>
+                                    <m:r>
+                                      <a:rPr lang="en-US" sz="2400" b="0" i="1" smtClean="0">
+                                        <a:latin typeface="Cambria Math" panose="02040503050406030204" pitchFamily="18" charset="0"/>
+                                      </a:rPr>
+                                      <m:t>𝑢</m:t>
+                                    </m:r>
+                                    <m:d>
+                                      <m:dPr>
+                                        <m:ctrlPr>
+                                          <a:rPr lang="en-US" sz="2400" b="0" i="1" smtClean="0">
+                                            <a:latin typeface="Cambria Math" panose="02040503050406030204" pitchFamily="18" charset="0"/>
+                                          </a:rPr>
+                                        </m:ctrlPr>
+                                      </m:dPr>
+                                      <m:e>
+                                        <m:r>
+                                          <a:rPr lang="en-US" sz="2400" b="0" i="1" smtClean="0">
+                                            <a:latin typeface="Cambria Math" panose="02040503050406030204" pitchFamily="18" charset="0"/>
+                                          </a:rPr>
+                                          <m:t>𝑡</m:t>
+                                        </m:r>
+                                      </m:e>
+                                    </m:d>
+                                  </m:e>
+                                </m:d>
+                              </m:e>
+                            </m:d>
+                          </m:e>
+                          <m:sup>
+                            <m:r>
+                              <a:rPr lang="en-US" sz="2400" b="0" i="1" smtClean="0">
+                                <a:latin typeface="Cambria Math" panose="02040503050406030204" pitchFamily="18" charset="0"/>
+                              </a:rPr>
+                              <m:t>2</m:t>
+                            </m:r>
+                          </m:sup>
+                        </m:sSup>
+                        <m:r>
+                          <a:rPr lang="en-US" sz="2400" b="0" i="1" smtClean="0">
+                            <a:latin typeface="Cambria Math" panose="02040503050406030204" pitchFamily="18" charset="0"/>
+                          </a:rPr>
+                          <m:t>)</m:t>
+                        </m:r>
+                        <m:r>
+                          <a:rPr lang="en-US" sz="2400" b="0" i="1" smtClean="0">
+                            <a:latin typeface="Cambria Math" panose="02040503050406030204" pitchFamily="18" charset="0"/>
+                          </a:rPr>
+                          <m:t>𝑑𝑡</m:t>
+                        </m:r>
+                      </m:e>
+                    </m:nary>
+                  </m:oMath>
+                </a14:m>
+                <a:endParaRPr lang="en-US" sz="2400" dirty="0"/>
+              </a:p>
+            </p:txBody>
+          </p:sp>
+        </mc:Choice>
+        <mc:Fallback>
+          <p:sp>
+            <p:nvSpPr>
+              <p:cNvPr id="10" name="TextBox 9">
+                <a:extLst>
+                  <a:ext uri="{FF2B5EF4-FFF2-40B4-BE49-F238E27FC236}">
+                    <a16:creationId xmlns:a16="http://schemas.microsoft.com/office/drawing/2014/main" id="{418297AC-DFFA-88A7-9B68-602714C569C4}"/>
+                  </a:ext>
+                </a:extLst>
+              </p:cNvPr>
+              <p:cNvSpPr txBox="1">
+                <a:spLocks noRot="1" noChangeAspect="1" noMove="1" noResize="1" noEditPoints="1" noAdjustHandles="1" noChangeArrowheads="1" noChangeShapeType="1" noTextEdit="1"/>
+              </p:cNvSpPr>
+              <p:nvPr/>
+            </p:nvSpPr>
+            <p:spPr>
+              <a:xfrm>
+                <a:off x="-163967" y="4480796"/>
+                <a:ext cx="11612256" cy="658770"/>
+              </a:xfrm>
+              <a:prstGeom prst="rect">
+                <a:avLst/>
+              </a:prstGeom>
+              <a:blipFill>
+                <a:blip r:embed="rId7"/>
+                <a:stretch>
+                  <a:fillRect b="-7407"/>
+                </a:stretch>
+              </a:blipFill>
+            </p:spPr>
+            <p:txBody>
+              <a:bodyPr/>
+              <a:lstStyle/>
+              <a:p>
+                <a:r>
+                  <a:rPr lang="en-US">
+                    <a:noFill/>
+                  </a:rPr>
+                  <a:t> </a:t>
+                </a:r>
+              </a:p>
+            </p:txBody>
+          </p:sp>
+        </mc:Fallback>
+      </mc:AlternateContent>
+      <mc:AlternateContent xmlns:mc="http://schemas.openxmlformats.org/markup-compatibility/2006">
+        <mc:Choice xmlns:a14="http://schemas.microsoft.com/office/drawing/2010/main" Requires="a14">
+          <p:sp>
+            <p:nvSpPr>
+              <p:cNvPr id="12" name="TextBox 11">
+                <a:extLst>
+                  <a:ext uri="{FF2B5EF4-FFF2-40B4-BE49-F238E27FC236}">
+                    <a16:creationId xmlns:a16="http://schemas.microsoft.com/office/drawing/2014/main" id="{F6CB96E0-2A45-F93B-1410-D479F0C6CB4A}"/>
+                  </a:ext>
+                </a:extLst>
+              </p:cNvPr>
+              <p:cNvSpPr txBox="1"/>
+              <p:nvPr/>
+            </p:nvSpPr>
+            <p:spPr>
+              <a:xfrm>
+                <a:off x="313182" y="5280856"/>
+                <a:ext cx="6185916" cy="491738"/>
+              </a:xfrm>
+              <a:prstGeom prst="rect">
+                <a:avLst/>
+              </a:prstGeom>
+              <a:noFill/>
+            </p:spPr>
+            <p:txBody>
+              <a:bodyPr wrap="square">
+                <a:spAutoFit/>
+              </a:bodyPr>
+              <a:lstStyle/>
+              <a:p>
+                <a:pPr/>
+                <a:r>
+                  <a:rPr lang="en-US" sz="2400" dirty="0"/>
+                  <a:t>End Condition: </a:t>
+                </a:r>
+                <a14:m>
+                  <m:oMath xmlns:m="http://schemas.openxmlformats.org/officeDocument/2006/math">
+                    <m:r>
+                      <a:rPr lang="en-US" sz="2400" i="1" smtClean="0">
+                        <a:latin typeface="Cambria Math" panose="02040503050406030204" pitchFamily="18" charset="0"/>
+                      </a:rPr>
+                      <m:t>𝑟</m:t>
+                    </m:r>
+                    <m:d>
+                      <m:dPr>
+                        <m:ctrlPr>
+                          <a:rPr lang="en-US" sz="2400" i="1">
+                            <a:latin typeface="Cambria Math" panose="02040503050406030204" pitchFamily="18" charset="0"/>
+                          </a:rPr>
+                        </m:ctrlPr>
+                      </m:dPr>
+                      <m:e>
+                        <m:sSub>
+                          <m:sSubPr>
+                            <m:ctrlPr>
+                              <a:rPr lang="en-US" sz="2400" i="1">
+                                <a:latin typeface="Cambria Math" panose="02040503050406030204" pitchFamily="18" charset="0"/>
+                              </a:rPr>
+                            </m:ctrlPr>
+                          </m:sSubPr>
+                          <m:e>
+                            <m:r>
+                              <a:rPr lang="en-US" sz="2400" i="1">
+                                <a:latin typeface="Cambria Math" panose="02040503050406030204" pitchFamily="18" charset="0"/>
+                              </a:rPr>
+                              <m:t>𝑡</m:t>
+                            </m:r>
+                          </m:e>
+                          <m:sub>
+                            <m:r>
+                              <a:rPr lang="en-US" sz="2400" i="1">
+                                <a:latin typeface="Cambria Math" panose="02040503050406030204" pitchFamily="18" charset="0"/>
+                              </a:rPr>
+                              <m:t>1</m:t>
+                            </m:r>
+                          </m:sub>
+                        </m:sSub>
+                      </m:e>
+                    </m:d>
+                    <m:r>
+                      <a:rPr lang="en-US" sz="2400" b="0" i="1" smtClean="0">
+                        <a:latin typeface="Cambria Math" panose="02040503050406030204" pitchFamily="18" charset="0"/>
+                      </a:rPr>
+                      <m:t>=</m:t>
+                    </m:r>
+                    <m:sSub>
+                      <m:sSubPr>
+                        <m:ctrlPr>
+                          <a:rPr lang="en-US" sz="2400" i="1">
+                            <a:latin typeface="Cambria Math" panose="02040503050406030204" pitchFamily="18" charset="0"/>
+                          </a:rPr>
+                        </m:ctrlPr>
+                      </m:sSubPr>
+                      <m:e>
+                        <m:r>
+                          <a:rPr lang="en-US" sz="2400" i="1">
+                            <a:latin typeface="Cambria Math" panose="02040503050406030204" pitchFamily="18" charset="0"/>
+                          </a:rPr>
+                          <m:t>𝑟</m:t>
+                        </m:r>
+                      </m:e>
+                      <m:sub>
+                        <m:r>
+                          <a:rPr lang="en-US" sz="2400" i="1">
+                            <a:latin typeface="Cambria Math" panose="02040503050406030204" pitchFamily="18" charset="0"/>
+                          </a:rPr>
+                          <m:t>𝑡𝑎𝑟𝑔𝑒𝑡</m:t>
+                        </m:r>
+                      </m:sub>
+                    </m:sSub>
+                    <m:r>
+                      <a:rPr lang="en-US" sz="2400" i="1">
+                        <a:latin typeface="Cambria Math" panose="02040503050406030204" pitchFamily="18" charset="0"/>
+                      </a:rPr>
+                      <m:t>(</m:t>
+                    </m:r>
+                    <m:sSub>
+                      <m:sSubPr>
+                        <m:ctrlPr>
+                          <a:rPr lang="en-US" sz="2400" i="1">
+                            <a:latin typeface="Cambria Math" panose="02040503050406030204" pitchFamily="18" charset="0"/>
+                          </a:rPr>
+                        </m:ctrlPr>
+                      </m:sSubPr>
+                      <m:e>
+                        <m:r>
+                          <a:rPr lang="en-US" sz="2400" i="1">
+                            <a:latin typeface="Cambria Math" panose="02040503050406030204" pitchFamily="18" charset="0"/>
+                          </a:rPr>
+                          <m:t>𝑡</m:t>
+                        </m:r>
+                      </m:e>
+                      <m:sub>
+                        <m:r>
+                          <a:rPr lang="en-US" sz="2400" i="1">
+                            <a:latin typeface="Cambria Math" panose="02040503050406030204" pitchFamily="18" charset="0"/>
+                          </a:rPr>
+                          <m:t>1</m:t>
+                        </m:r>
+                      </m:sub>
+                    </m:sSub>
+                    <m:r>
+                      <a:rPr lang="en-US" sz="2400" b="0" i="1" smtClean="0">
+                        <a:latin typeface="Cambria Math" panose="02040503050406030204" pitchFamily="18" charset="0"/>
+                      </a:rPr>
+                      <m:t>)</m:t>
+                    </m:r>
+                  </m:oMath>
+                </a14:m>
+                <a:endParaRPr lang="en-US" sz="2400" dirty="0"/>
+              </a:p>
+            </p:txBody>
+          </p:sp>
+        </mc:Choice>
+        <mc:Fallback>
+          <p:sp>
+            <p:nvSpPr>
+              <p:cNvPr id="12" name="TextBox 11">
+                <a:extLst>
+                  <a:ext uri="{FF2B5EF4-FFF2-40B4-BE49-F238E27FC236}">
+                    <a16:creationId xmlns:a16="http://schemas.microsoft.com/office/drawing/2014/main" id="{F6CB96E0-2A45-F93B-1410-D479F0C6CB4A}"/>
+                  </a:ext>
+                </a:extLst>
+              </p:cNvPr>
+              <p:cNvSpPr txBox="1">
+                <a:spLocks noRot="1" noChangeAspect="1" noMove="1" noResize="1" noEditPoints="1" noAdjustHandles="1" noChangeArrowheads="1" noChangeShapeType="1" noTextEdit="1"/>
+              </p:cNvSpPr>
+              <p:nvPr/>
+            </p:nvSpPr>
+            <p:spPr>
+              <a:xfrm>
+                <a:off x="313182" y="5280856"/>
+                <a:ext cx="6185916" cy="491738"/>
+              </a:xfrm>
+              <a:prstGeom prst="rect">
+                <a:avLst/>
+              </a:prstGeom>
+              <a:blipFill>
+                <a:blip r:embed="rId8"/>
+                <a:stretch>
+                  <a:fillRect l="-1478" t="-7407" b="-23457"/>
+                </a:stretch>
+              </a:blipFill>
+            </p:spPr>
+            <p:txBody>
+              <a:bodyPr/>
+              <a:lstStyle/>
+              <a:p>
+                <a:r>
+                  <a:rPr lang="en-US">
+                    <a:noFill/>
+                  </a:rPr>
+                  <a:t> </a:t>
+                </a:r>
+              </a:p>
+            </p:txBody>
+          </p:sp>
+        </mc:Fallback>
+      </mc:AlternateContent>
+      <p:pic>
+        <p:nvPicPr>
+          <p:cNvPr id="13" name="Picture 12">
+            <a:extLst>
+              <a:ext uri="{FF2B5EF4-FFF2-40B4-BE49-F238E27FC236}">
+                <a16:creationId xmlns:a16="http://schemas.microsoft.com/office/drawing/2014/main" id="{AEA76FA2-F024-FF93-CD2C-7B22FFFC7AF6}"/>
+              </a:ext>
+            </a:extLst>
+          </p:cNvPr>
+          <p:cNvPicPr>
+            <a:picLocks noChangeAspect="1"/>
+          </p:cNvPicPr>
+          <p:nvPr/>
+        </p:nvPicPr>
+        <p:blipFill>
+          <a:blip r:embed="rId9"/>
+          <a:stretch>
+            <a:fillRect/>
+          </a:stretch>
+        </p:blipFill>
+        <p:spPr>
+          <a:xfrm>
+            <a:off x="7790688" y="3921157"/>
+            <a:ext cx="4200144" cy="2800096"/>
+          </a:xfrm>
+          <a:prstGeom prst="rect">
+            <a:avLst/>
+          </a:prstGeom>
+        </p:spPr>
+      </p:pic>
+    </p:spTree>
+    <p:extLst>
+      <p:ext uri="{BB962C8B-B14F-4D97-AF65-F5344CB8AC3E}">
+        <p14:creationId xmlns:p14="http://schemas.microsoft.com/office/powerpoint/2010/main" val="2309031845"/>
+      </p:ext>
+    </p:extLst>
+  </p:cSld>
+  <p:clrMapOvr>
+    <a:masterClrMapping/>
+  </p:clrMapOvr>
+</p:sld>
+</file>
+
+<file path=ppt/slides/slide8.xml><?xml version="1.0" encoding="utf-8"?>
+<p:sld xmlns:a="http://schemas.openxmlformats.org/drawingml/2006/main" xmlns:r="http://schemas.openxmlformats.org/officeDocument/2006/relationships" xmlns:p="http://schemas.openxmlformats.org/presentationml/2006/main">
+  <p:cSld>
+    <p:spTree>
+      <p:nvGrpSpPr>
+        <p:cNvPr id="1" name="">
+          <a:extLst>
+            <a:ext uri="{FF2B5EF4-FFF2-40B4-BE49-F238E27FC236}">
+              <a16:creationId xmlns:a16="http://schemas.microsoft.com/office/drawing/2014/main" id="{60EB75E2-2F4F-3939-6CE2-88DDAF484A6F}"/>
+            </a:ext>
+          </a:extLst>
+        </p:cNvPr>
+        <p:cNvGrpSpPr/>
+        <p:nvPr/>
+      </p:nvGrpSpPr>
+      <p:grpSpPr>
+        <a:xfrm>
+          <a:off x="0" y="0"/>
+          <a:ext cx="0" cy="0"/>
+          <a:chOff x="0" y="0"/>
+          <a:chExt cx="0" cy="0"/>
+        </a:xfrm>
+      </p:grpSpPr>
+      <p:sp>
+        <p:nvSpPr>
+          <p:cNvPr id="2" name="Rectangle 1">
+            <a:extLst>
+              <a:ext uri="{FF2B5EF4-FFF2-40B4-BE49-F238E27FC236}">
+                <a16:creationId xmlns:a16="http://schemas.microsoft.com/office/drawing/2014/main" id="{C8A32DD9-C235-0CF2-A833-585CAFF70DB5}"/>
+              </a:ext>
+            </a:extLst>
+          </p:cNvPr>
+          <p:cNvSpPr/>
+          <p:nvPr/>
+        </p:nvSpPr>
+        <p:spPr>
+          <a:xfrm>
+            <a:off x="4916" y="0"/>
+            <a:ext cx="12192000" cy="1465006"/>
+          </a:xfrm>
+          <a:prstGeom prst="rect">
+            <a:avLst/>
+          </a:prstGeom>
+          <a:solidFill>
+            <a:srgbClr val="064EA1"/>
+          </a:solidFill>
+        </p:spPr>
+        <p:style>
+          <a:lnRef idx="2">
+            <a:schemeClr val="accent1">
+              <a:shade val="15000"/>
+            </a:schemeClr>
+          </a:lnRef>
+          <a:fillRef idx="1">
+            <a:schemeClr val="accent1"/>
+          </a:fillRef>
+          <a:effectRef idx="0">
+            <a:schemeClr val="accent1"/>
+          </a:effectRef>
+          <a:fontRef idx="minor">
+            <a:schemeClr val="lt1"/>
+          </a:fontRef>
+        </p:style>
+        <p:txBody>
+          <a:bodyPr rtlCol="0" anchor="ctr"/>
+          <a:lstStyle/>
+          <a:p>
+            <a:pPr algn="ctr"/>
+            <a:endParaRPr lang="en-US"/>
+          </a:p>
+        </p:txBody>
+      </p:sp>
+      <p:sp>
+        <p:nvSpPr>
+          <p:cNvPr id="3" name="Rectangle 2">
+            <a:extLst>
+              <a:ext uri="{FF2B5EF4-FFF2-40B4-BE49-F238E27FC236}">
+                <a16:creationId xmlns:a16="http://schemas.microsoft.com/office/drawing/2014/main" id="{14E12587-7DEA-EB43-731D-C6B452561B32}"/>
+              </a:ext>
+            </a:extLst>
+          </p:cNvPr>
+          <p:cNvSpPr/>
+          <p:nvPr/>
+        </p:nvSpPr>
+        <p:spPr>
+          <a:xfrm>
+            <a:off x="0" y="1465007"/>
+            <a:ext cx="12192000" cy="245806"/>
+          </a:xfrm>
+          <a:prstGeom prst="rect">
+            <a:avLst/>
+          </a:prstGeom>
+          <a:solidFill>
+            <a:srgbClr val="FBDB0E"/>
+          </a:solidFill>
+          <a:ln>
+            <a:solidFill>
+              <a:srgbClr val="FBDB0E"/>
+            </a:solidFill>
+          </a:ln>
+        </p:spPr>
+        <p:style>
+          <a:lnRef idx="2">
+            <a:schemeClr val="accent1">
+              <a:shade val="15000"/>
+            </a:schemeClr>
+          </a:lnRef>
+          <a:fillRef idx="1">
+            <a:schemeClr val="accent1"/>
+          </a:fillRef>
+          <a:effectRef idx="0">
+            <a:schemeClr val="accent1"/>
+          </a:effectRef>
+          <a:fontRef idx="minor">
+            <a:schemeClr val="lt1"/>
+          </a:fontRef>
+        </p:style>
+        <p:txBody>
+          <a:bodyPr rtlCol="0" anchor="ctr"/>
+          <a:lstStyle/>
+          <a:p>
+            <a:pPr algn="ctr"/>
+            <a:endParaRPr lang="en-US"/>
+          </a:p>
+        </p:txBody>
+      </p:sp>
+      <p:sp>
+        <p:nvSpPr>
+          <p:cNvPr id="4" name="TextBox 3">
+            <a:extLst>
+              <a:ext uri="{FF2B5EF4-FFF2-40B4-BE49-F238E27FC236}">
+                <a16:creationId xmlns:a16="http://schemas.microsoft.com/office/drawing/2014/main" id="{806F8BF7-7D25-ECB4-A3A2-CFCC4E1C76D2}"/>
+              </a:ext>
+            </a:extLst>
+          </p:cNvPr>
+          <p:cNvSpPr txBox="1"/>
+          <p:nvPr/>
+        </p:nvSpPr>
+        <p:spPr>
+          <a:xfrm>
+            <a:off x="1885679" y="371174"/>
+            <a:ext cx="8420641" cy="707886"/>
+          </a:xfrm>
+          <a:prstGeom prst="rect">
+            <a:avLst/>
+          </a:prstGeom>
+          <a:noFill/>
+        </p:spPr>
+        <p:txBody>
+          <a:bodyPr wrap="square" rtlCol="0">
+            <a:spAutoFit/>
+          </a:bodyPr>
+          <a:lstStyle/>
+          <a:p>
+            <a:pPr algn="ctr"/>
+            <a:r>
+              <a:rPr lang="en-US" sz="4000" b="1" dirty="0">
+                <a:solidFill>
+                  <a:schemeClr val="bg1"/>
+                </a:solidFill>
+              </a:rPr>
+              <a:t>Closed Loop vs Open Loop Control</a:t>
+            </a:r>
+            <a:endParaRPr lang="en-US" sz="3600" b="1" dirty="0">
+              <a:solidFill>
+                <a:schemeClr val="bg1"/>
+              </a:solidFill>
+            </a:endParaRPr>
+          </a:p>
+        </p:txBody>
+      </p:sp>
+      <mc:AlternateContent xmlns:mc="http://schemas.openxmlformats.org/markup-compatibility/2006">
+        <mc:Choice xmlns:a14="http://schemas.microsoft.com/office/drawing/2010/main" Requires="a14">
+          <p:sp>
+            <p:nvSpPr>
+              <p:cNvPr id="6" name="TextBox 5">
+                <a:extLst>
+                  <a:ext uri="{FF2B5EF4-FFF2-40B4-BE49-F238E27FC236}">
+                    <a16:creationId xmlns:a16="http://schemas.microsoft.com/office/drawing/2014/main" id="{BA4E8AB1-1EF7-250B-EAAC-F3D8CBC0413E}"/>
+                  </a:ext>
+                </a:extLst>
+              </p:cNvPr>
+              <p:cNvSpPr txBox="1"/>
+              <p:nvPr/>
+            </p:nvSpPr>
+            <p:spPr>
+              <a:xfrm>
+                <a:off x="2341489" y="2117279"/>
+                <a:ext cx="10470287" cy="3785652"/>
+              </a:xfrm>
+              <a:prstGeom prst="rect">
+                <a:avLst/>
+              </a:prstGeom>
+              <a:noFill/>
+            </p:spPr>
+            <p:txBody>
+              <a:bodyPr wrap="square" rtlCol="0">
+                <a:spAutoFit/>
+              </a:bodyPr>
+              <a:lstStyle/>
+              <a:p>
+                <a:pPr lvl="1"/>
+                <a:r>
+                  <a:rPr lang="en-US" sz="2400" dirty="0"/>
+                  <a:t>Open Loop control specifies the control </a:t>
+                </a:r>
+                <a14:m>
+                  <m:oMath xmlns:m="http://schemas.openxmlformats.org/officeDocument/2006/math">
+                    <m:r>
+                      <a:rPr lang="en-US" sz="2400" b="0" i="1" smtClean="0">
+                        <a:latin typeface="Cambria Math" panose="02040503050406030204" pitchFamily="18" charset="0"/>
+                      </a:rPr>
+                      <m:t>𝑢</m:t>
+                    </m:r>
+                  </m:oMath>
+                </a14:m>
+                <a:r>
+                  <a:rPr lang="en-US" sz="2400" dirty="0"/>
+                  <a:t> only as a function of </a:t>
+                </a:r>
+                <a14:m>
+                  <m:oMath xmlns:m="http://schemas.openxmlformats.org/officeDocument/2006/math">
+                    <m:r>
+                      <a:rPr lang="en-US" sz="2400" b="0" i="1" smtClean="0">
+                        <a:latin typeface="Cambria Math" panose="02040503050406030204" pitchFamily="18" charset="0"/>
+                      </a:rPr>
+                      <m:t>𝑡</m:t>
+                    </m:r>
+                  </m:oMath>
+                </a14:m>
+                <a:endParaRPr lang="en-US" sz="2400" dirty="0"/>
+              </a:p>
+              <a:p>
+                <a:pPr lvl="1"/>
+                <a:r>
+                  <a:rPr lang="en-US" sz="2400" dirty="0"/>
+                  <a:t>	All decisions planned ahead</a:t>
+                </a:r>
+              </a:p>
+              <a:p>
+                <a:pPr lvl="1"/>
+                <a:r>
+                  <a:rPr lang="en-US" sz="2400" dirty="0"/>
+                  <a:t>	Relies on perfect knowledge of parameters and time evolution</a:t>
+                </a:r>
+              </a:p>
+              <a:p>
+                <a:pPr lvl="1"/>
+                <a:endParaRPr lang="en-US" sz="2400" dirty="0"/>
+              </a:p>
+              <a:p>
+                <a:pPr lvl="1"/>
+                <a:endParaRPr lang="en-US" sz="2400" dirty="0"/>
+              </a:p>
+              <a:p>
+                <a:pPr lvl="1"/>
+                <a:endParaRPr lang="en-US" sz="2400" dirty="0"/>
+              </a:p>
+              <a:p>
+                <a:pPr lvl="1"/>
+                <a:endParaRPr lang="en-US" sz="2400" dirty="0"/>
+              </a:p>
+              <a:p>
+                <a:pPr lvl="1"/>
+                <a:r>
+                  <a:rPr lang="en-US" sz="2400" dirty="0"/>
+                  <a:t>Closed Loop control determines </a:t>
+                </a:r>
+                <a14:m>
+                  <m:oMath xmlns:m="http://schemas.openxmlformats.org/officeDocument/2006/math">
+                    <m:r>
+                      <a:rPr lang="en-US" sz="2400" i="1">
+                        <a:latin typeface="Cambria Math" panose="02040503050406030204" pitchFamily="18" charset="0"/>
+                      </a:rPr>
+                      <m:t>𝑢</m:t>
+                    </m:r>
+                  </m:oMath>
+                </a14:m>
+                <a:r>
+                  <a:rPr lang="en-US" sz="2400" dirty="0"/>
+                  <a:t> based of </a:t>
+                </a:r>
+                <a14:m>
+                  <m:oMath xmlns:m="http://schemas.openxmlformats.org/officeDocument/2006/math">
+                    <m:r>
+                      <a:rPr lang="en-US" sz="2400" i="1">
+                        <a:latin typeface="Cambria Math" panose="02040503050406030204" pitchFamily="18" charset="0"/>
+                      </a:rPr>
+                      <m:t>𝑡</m:t>
+                    </m:r>
+                  </m:oMath>
+                </a14:m>
+                <a:r>
+                  <a:rPr lang="en-US" sz="2400" dirty="0"/>
+                  <a:t> and </a:t>
+                </a:r>
+                <a14:m>
+                  <m:oMath xmlns:m="http://schemas.openxmlformats.org/officeDocument/2006/math">
+                    <m:r>
+                      <a:rPr lang="en-US" sz="2400" b="0" i="1" smtClean="0">
+                        <a:latin typeface="Cambria Math" panose="02040503050406030204" pitchFamily="18" charset="0"/>
+                      </a:rPr>
+                      <m:t>𝑥</m:t>
+                    </m:r>
+                    <m:r>
+                      <a:rPr lang="en-US" sz="2400" b="0" i="0" smtClean="0">
+                        <a:latin typeface="Cambria Math" panose="02040503050406030204" pitchFamily="18" charset="0"/>
+                      </a:rPr>
+                      <m:t>(</m:t>
+                    </m:r>
+                    <m:r>
+                      <a:rPr lang="en-US" sz="2400" i="1">
+                        <a:latin typeface="Cambria Math" panose="02040503050406030204" pitchFamily="18" charset="0"/>
+                      </a:rPr>
+                      <m:t>𝑡</m:t>
+                    </m:r>
+                    <m:r>
+                      <a:rPr lang="en-US" sz="2400" b="0" i="1" smtClean="0">
+                        <a:latin typeface="Cambria Math" panose="02040503050406030204" pitchFamily="18" charset="0"/>
+                      </a:rPr>
+                      <m:t>)</m:t>
+                    </m:r>
+                  </m:oMath>
+                </a14:m>
+                <a:endParaRPr lang="en-US" sz="2400" dirty="0"/>
+              </a:p>
+              <a:p>
+                <a:pPr lvl="1"/>
+                <a:r>
+                  <a:rPr lang="en-US" sz="2400" dirty="0"/>
+                  <a:t>	This is also called feedback control</a:t>
+                </a:r>
+              </a:p>
+              <a:p>
+                <a:pPr lvl="1"/>
+                <a:r>
+                  <a:rPr lang="en-US" sz="2400" dirty="0"/>
+                  <a:t>	Necessary with unknown parameters and stochastic time evolution</a:t>
+                </a:r>
+              </a:p>
+            </p:txBody>
+          </p:sp>
+        </mc:Choice>
+        <mc:Fallback>
+          <p:sp>
+            <p:nvSpPr>
+              <p:cNvPr id="6" name="TextBox 5">
+                <a:extLst>
+                  <a:ext uri="{FF2B5EF4-FFF2-40B4-BE49-F238E27FC236}">
+                    <a16:creationId xmlns:a16="http://schemas.microsoft.com/office/drawing/2014/main" id="{BA4E8AB1-1EF7-250B-EAAC-F3D8CBC0413E}"/>
+                  </a:ext>
+                </a:extLst>
+              </p:cNvPr>
+              <p:cNvSpPr txBox="1">
+                <a:spLocks noRot="1" noChangeAspect="1" noMove="1" noResize="1" noEditPoints="1" noAdjustHandles="1" noChangeArrowheads="1" noChangeShapeType="1" noTextEdit="1"/>
+              </p:cNvSpPr>
+              <p:nvPr/>
+            </p:nvSpPr>
+            <p:spPr>
+              <a:xfrm>
+                <a:off x="2341489" y="2117279"/>
+                <a:ext cx="10470287" cy="3785652"/>
+              </a:xfrm>
+              <a:prstGeom prst="rect">
+                <a:avLst/>
+              </a:prstGeom>
+              <a:blipFill>
+                <a:blip r:embed="rId3"/>
+                <a:stretch>
+                  <a:fillRect t="-1288" b="-2738"/>
+                </a:stretch>
+              </a:blipFill>
+            </p:spPr>
+            <p:txBody>
+              <a:bodyPr/>
+              <a:lstStyle/>
+              <a:p>
+                <a:r>
+                  <a:rPr lang="en-US">
+                    <a:noFill/>
+                  </a:rPr>
+                  <a:t> </a:t>
+                </a:r>
+              </a:p>
+            </p:txBody>
+          </p:sp>
+        </mc:Fallback>
+      </mc:AlternateContent>
+      <p:pic>
+        <p:nvPicPr>
+          <p:cNvPr id="9" name="Picture 8">
+            <a:extLst>
+              <a:ext uri="{FF2B5EF4-FFF2-40B4-BE49-F238E27FC236}">
+                <a16:creationId xmlns:a16="http://schemas.microsoft.com/office/drawing/2014/main" id="{83406BFE-E33C-4783-7850-42E979819E8F}"/>
+              </a:ext>
+            </a:extLst>
+          </p:cNvPr>
+          <p:cNvPicPr>
+            <a:picLocks noChangeAspect="1"/>
+          </p:cNvPicPr>
+          <p:nvPr/>
+        </p:nvPicPr>
+        <p:blipFill>
+          <a:blip r:embed="rId4"/>
+          <a:stretch>
+            <a:fillRect/>
+          </a:stretch>
+        </p:blipFill>
+        <p:spPr>
+          <a:xfrm>
+            <a:off x="106680" y="1836180"/>
+            <a:ext cx="2496312" cy="2496312"/>
+          </a:xfrm>
+          <a:prstGeom prst="rect">
+            <a:avLst/>
+          </a:prstGeom>
+        </p:spPr>
+      </p:pic>
+      <p:pic>
+        <p:nvPicPr>
+          <p:cNvPr id="11" name="Picture 10">
+            <a:extLst>
+              <a:ext uri="{FF2B5EF4-FFF2-40B4-BE49-F238E27FC236}">
+                <a16:creationId xmlns:a16="http://schemas.microsoft.com/office/drawing/2014/main" id="{2CE30067-83E8-61C5-1D84-9C23258D44F2}"/>
+              </a:ext>
+            </a:extLst>
+          </p:cNvPr>
+          <p:cNvPicPr>
+            <a:picLocks noChangeAspect="1"/>
+          </p:cNvPicPr>
+          <p:nvPr/>
+        </p:nvPicPr>
+        <p:blipFill>
+          <a:blip r:embed="rId5"/>
+          <a:srcRect l="12450" r="5185"/>
+          <a:stretch>
+            <a:fillRect/>
+          </a:stretch>
+        </p:blipFill>
+        <p:spPr>
+          <a:xfrm>
+            <a:off x="106680" y="4457859"/>
+            <a:ext cx="2560706" cy="2331720"/>
+          </a:xfrm>
+          <a:prstGeom prst="rect">
+            <a:avLst/>
+          </a:prstGeom>
+        </p:spPr>
+      </p:pic>
+    </p:spTree>
+    <p:extLst>
+      <p:ext uri="{BB962C8B-B14F-4D97-AF65-F5344CB8AC3E}">
+        <p14:creationId xmlns:p14="http://schemas.microsoft.com/office/powerpoint/2010/main" val="4013790732"/>
+      </p:ext>
+    </p:extLst>
+  </p:cSld>
+  <p:clrMapOvr>
+    <a:masterClrMapping/>
+  </p:clrMapOvr>
+</p:sld>
+</file>
+
 <file path=ppt/theme/theme1.xml><?xml version="1.0" encoding="utf-8"?>
 <a:theme xmlns:a="http://schemas.openxmlformats.org/drawingml/2006/main" name="Office Theme">
   <a:themeElements>
